--- a/Lectures/11 Machine Learning II Naive Bayes and Decision Trees.pptx
+++ b/Lectures/11 Machine Learning II Naive Bayes and Decision Trees.pptx
@@ -5,10 +5,10 @@
     <p:sldMasterId id="2147483648" r:id="rId1"/>
   </p:sldMasterIdLst>
   <p:notesMasterIdLst>
-    <p:notesMasterId r:id="rId55"/>
+    <p:notesMasterId r:id="rId56"/>
   </p:notesMasterIdLst>
   <p:handoutMasterIdLst>
-    <p:handoutMasterId r:id="rId56"/>
+    <p:handoutMasterId r:id="rId57"/>
   </p:handoutMasterIdLst>
   <p:sldIdLst>
     <p:sldId id="258" r:id="rId2"/>
@@ -63,7 +63,8 @@
     <p:sldId id="331" r:id="rId51"/>
     <p:sldId id="514" r:id="rId52"/>
     <p:sldId id="469" r:id="rId53"/>
-    <p:sldId id="515" r:id="rId54"/>
+    <p:sldId id="520" r:id="rId54"/>
+    <p:sldId id="515" r:id="rId55"/>
   </p:sldIdLst>
   <p:sldSz cx="9144000" cy="6858000" type="screen4x3"/>
   <p:notesSz cx="6858000" cy="9144000"/>
@@ -247,7 +248,7 @@
           <a:p>
             <a:fld id="{D3AAB66F-B1B7-D045-B4E8-4F60236F228D}" type="datetimeFigureOut">
               <a:rPr lang="en-US" smtClean="0"/>
-              <a:t>3/17/14</a:t>
+              <a:t>3/18/14</a:t>
             </a:fld>
             <a:endParaRPr lang="en-US"/>
           </a:p>
@@ -413,7 +414,7 @@
           <a:p>
             <a:fld id="{BCCF8E76-06A6-164E-A6FA-EC32C13EB232}" type="datetimeFigureOut">
               <a:rPr lang="en-US" smtClean="0"/>
-              <a:t>3/17/14</a:t>
+              <a:t>3/18/14</a:t>
             </a:fld>
             <a:endParaRPr lang="en-US"/>
           </a:p>
@@ -701,9 +702,254 @@
       </p:grpSpPr>
       <p:sp>
         <p:nvSpPr>
-          <p:cNvPr id="82946" name="Slide Image Placeholder 1"/>
+          <p:cNvPr id="2" name="Slide Image Placeholder 1"/>
           <p:cNvSpPr>
-            <a:spLocks noGrp="1" noRot="1" noChangeAspect="1" noTextEdit="1"/>
+            <a:spLocks noGrp="1" noRot="1" noChangeAspect="1"/>
+          </p:cNvSpPr>
+          <p:nvPr>
+            <p:ph type="sldImg"/>
+          </p:nvPr>
+        </p:nvSpPr>
+        <p:spPr/>
+      </p:sp>
+      <p:sp>
+        <p:nvSpPr>
+          <p:cNvPr id="3" name="Notes Placeholder 2"/>
+          <p:cNvSpPr>
+            <a:spLocks noGrp="1"/>
+          </p:cNvSpPr>
+          <p:nvPr>
+            <p:ph type="body" idx="1"/>
+          </p:nvPr>
+        </p:nvSpPr>
+        <p:spPr/>
+        <p:txBody>
+          <a:bodyPr/>
+          <a:lstStyle/>
+          <a:p>
+            <a:endParaRPr lang="en-US" dirty="0"/>
+          </a:p>
+        </p:txBody>
+      </p:sp>
+      <p:sp>
+        <p:nvSpPr>
+          <p:cNvPr id="4" name="Slide Number Placeholder 3"/>
+          <p:cNvSpPr>
+            <a:spLocks noGrp="1"/>
+          </p:cNvSpPr>
+          <p:nvPr>
+            <p:ph type="sldNum" sz="quarter" idx="10"/>
+          </p:nvPr>
+        </p:nvSpPr>
+        <p:spPr/>
+        <p:txBody>
+          <a:bodyPr/>
+          <a:lstStyle/>
+          <a:p>
+            <a:fld id="{FD66F34B-9C4D-8640-BB34-4C24A79C9FFB}" type="slidenum">
+              <a:rPr lang="en-US" smtClean="0"/>
+              <a:t>1</a:t>
+            </a:fld>
+            <a:endParaRPr lang="en-US"/>
+          </a:p>
+        </p:txBody>
+      </p:sp>
+    </p:spTree>
+    <p:extLst>
+      <p:ext uri="{BB962C8B-B14F-4D97-AF65-F5344CB8AC3E}">
+        <p14:creationId xmlns:p14="http://schemas.microsoft.com/office/powerpoint/2010/main" val="1035077923"/>
+      </p:ext>
+    </p:extLst>
+  </p:cSld>
+  <p:clrMapOvr>
+    <a:masterClrMapping/>
+  </p:clrMapOvr>
+</p:notes>
+</file>
+
+<file path=ppt/notesSlides/notesSlide10.xml><?xml version="1.0" encoding="utf-8"?>
+<p:notes xmlns:a="http://schemas.openxmlformats.org/drawingml/2006/main" xmlns:r="http://schemas.openxmlformats.org/officeDocument/2006/relationships" xmlns:p="http://schemas.openxmlformats.org/presentationml/2006/main">
+  <p:cSld>
+    <p:spTree>
+      <p:nvGrpSpPr>
+        <p:cNvPr id="1" name=""/>
+        <p:cNvGrpSpPr/>
+        <p:nvPr/>
+      </p:nvGrpSpPr>
+      <p:grpSpPr>
+        <a:xfrm>
+          <a:off x="0" y="0"/>
+          <a:ext cx="0" cy="0"/>
+          <a:chOff x="0" y="0"/>
+          <a:chExt cx="0" cy="0"/>
+        </a:xfrm>
+      </p:grpSpPr>
+      <p:sp>
+        <p:nvSpPr>
+          <p:cNvPr id="159746" name="Rectangle 7"/>
+          <p:cNvSpPr>
+            <a:spLocks noGrp="1" noChangeArrowheads="1"/>
+          </p:cNvSpPr>
+          <p:nvPr>
+            <p:ph type="sldNum" sz="quarter" idx="5"/>
+          </p:nvPr>
+        </p:nvSpPr>
+        <p:spPr>
+          <a:noFill/>
+          <a:ln/>
+          <a:extLst>
+            <a:ext uri="{909E8E84-426E-40dd-AFC4-6F175D3DCCD1}">
+              <a14:hiddenFill xmlns:a14="http://schemas.microsoft.com/office/drawing/2010/main">
+                <a:solidFill>
+                  <a:srgbClr val="FFFFFF"/>
+                </a:solidFill>
+              </a14:hiddenFill>
+            </a:ext>
+            <a:ext uri="{91240B29-F687-4f45-9708-019B960494DF}">
+              <a14:hiddenLine xmlns:a14="http://schemas.microsoft.com/office/drawing/2010/main" w="9525">
+                <a:solidFill>
+                  <a:srgbClr val="000000"/>
+                </a:solidFill>
+                <a:miter lim="800000"/>
+                <a:headEnd/>
+                <a:tailEnd/>
+              </a14:hiddenLine>
+            </a:ext>
+          </a:extLst>
+        </p:spPr>
+        <p:txBody>
+          <a:bodyPr/>
+          <a:lstStyle>
+            <a:lvl1pPr>
+              <a:defRPr sz="2000">
+                <a:solidFill>
+                  <a:schemeClr val="tx1"/>
+                </a:solidFill>
+                <a:latin typeface="Arial" charset="0"/>
+                <a:ea typeface="ＭＳ Ｐゴシック" charset="0"/>
+                <a:cs typeface="Arial" charset="0"/>
+              </a:defRPr>
+            </a:lvl1pPr>
+            <a:lvl2pPr marL="742950" indent="-285750">
+              <a:defRPr sz="2000">
+                <a:solidFill>
+                  <a:schemeClr val="tx1"/>
+                </a:solidFill>
+                <a:latin typeface="Arial" charset="0"/>
+                <a:ea typeface="Arial" charset="0"/>
+                <a:cs typeface="Arial" charset="0"/>
+              </a:defRPr>
+            </a:lvl2pPr>
+            <a:lvl3pPr marL="1143000" indent="-228600">
+              <a:defRPr sz="2000">
+                <a:solidFill>
+                  <a:schemeClr val="tx1"/>
+                </a:solidFill>
+                <a:latin typeface="Arial" charset="0"/>
+                <a:ea typeface="Arial" charset="0"/>
+                <a:cs typeface="Arial" charset="0"/>
+              </a:defRPr>
+            </a:lvl3pPr>
+            <a:lvl4pPr marL="1600200" indent="-228600">
+              <a:defRPr sz="2000">
+                <a:solidFill>
+                  <a:schemeClr val="tx1"/>
+                </a:solidFill>
+                <a:latin typeface="Arial" charset="0"/>
+                <a:ea typeface="Arial" charset="0"/>
+                <a:cs typeface="Arial" charset="0"/>
+              </a:defRPr>
+            </a:lvl4pPr>
+            <a:lvl5pPr marL="2057400" indent="-228600">
+              <a:defRPr sz="2000">
+                <a:solidFill>
+                  <a:schemeClr val="tx1"/>
+                </a:solidFill>
+                <a:latin typeface="Arial" charset="0"/>
+                <a:ea typeface="Arial" charset="0"/>
+                <a:cs typeface="Arial" charset="0"/>
+              </a:defRPr>
+            </a:lvl5pPr>
+            <a:lvl6pPr marL="2514600" indent="-228600" eaLnBrk="0" fontAlgn="base" hangingPunct="0">
+              <a:spcBef>
+                <a:spcPct val="0"/>
+              </a:spcBef>
+              <a:spcAft>
+                <a:spcPct val="0"/>
+              </a:spcAft>
+              <a:defRPr sz="2000">
+                <a:solidFill>
+                  <a:schemeClr val="tx1"/>
+                </a:solidFill>
+                <a:latin typeface="Arial" charset="0"/>
+                <a:ea typeface="Arial" charset="0"/>
+                <a:cs typeface="Arial" charset="0"/>
+              </a:defRPr>
+            </a:lvl6pPr>
+            <a:lvl7pPr marL="2971800" indent="-228600" eaLnBrk="0" fontAlgn="base" hangingPunct="0">
+              <a:spcBef>
+                <a:spcPct val="0"/>
+              </a:spcBef>
+              <a:spcAft>
+                <a:spcPct val="0"/>
+              </a:spcAft>
+              <a:defRPr sz="2000">
+                <a:solidFill>
+                  <a:schemeClr val="tx1"/>
+                </a:solidFill>
+                <a:latin typeface="Arial" charset="0"/>
+                <a:ea typeface="Arial" charset="0"/>
+                <a:cs typeface="Arial" charset="0"/>
+              </a:defRPr>
+            </a:lvl7pPr>
+            <a:lvl8pPr marL="3429000" indent="-228600" eaLnBrk="0" fontAlgn="base" hangingPunct="0">
+              <a:spcBef>
+                <a:spcPct val="0"/>
+              </a:spcBef>
+              <a:spcAft>
+                <a:spcPct val="0"/>
+              </a:spcAft>
+              <a:defRPr sz="2000">
+                <a:solidFill>
+                  <a:schemeClr val="tx1"/>
+                </a:solidFill>
+                <a:latin typeface="Arial" charset="0"/>
+                <a:ea typeface="Arial" charset="0"/>
+                <a:cs typeface="Arial" charset="0"/>
+              </a:defRPr>
+            </a:lvl8pPr>
+            <a:lvl9pPr marL="3886200" indent="-228600" eaLnBrk="0" fontAlgn="base" hangingPunct="0">
+              <a:spcBef>
+                <a:spcPct val="0"/>
+              </a:spcBef>
+              <a:spcAft>
+                <a:spcPct val="0"/>
+              </a:spcAft>
+              <a:defRPr sz="2000">
+                <a:solidFill>
+                  <a:schemeClr val="tx1"/>
+                </a:solidFill>
+                <a:latin typeface="Arial" charset="0"/>
+                <a:ea typeface="Arial" charset="0"/>
+                <a:cs typeface="Arial" charset="0"/>
+              </a:defRPr>
+            </a:lvl9pPr>
+          </a:lstStyle>
+          <a:p>
+            <a:fld id="{E466AD6A-0C79-6B45-BD81-96C0113D7540}" type="slidenum">
+              <a:rPr lang="en-US" sz="1200"/>
+              <a:pPr/>
+              <a:t>10</a:t>
+            </a:fld>
+            <a:endParaRPr lang="en-US" sz="1200"/>
+          </a:p>
+        </p:txBody>
+      </p:sp>
+      <p:sp>
+        <p:nvSpPr>
+          <p:cNvPr id="159747" name="Rectangle 2"/>
+          <p:cNvSpPr>
+            <a:spLocks noGrp="1" noRot="1" noChangeAspect="1" noChangeArrowheads="1" noTextEdit="1"/>
           </p:cNvSpPr>
           <p:nvPr>
             <p:ph type="sldImg"/>
@@ -715,9 +961,9 @@
       </p:sp>
       <p:sp>
         <p:nvSpPr>
-          <p:cNvPr id="82947" name="Notes Placeholder 2"/>
+          <p:cNvPr id="159748" name="Rectangle 3"/>
           <p:cNvSpPr>
-            <a:spLocks noGrp="1"/>
+            <a:spLocks noGrp="1" noChangeArrowheads="1"/>
           </p:cNvSpPr>
           <p:nvPr>
             <p:ph type="body" idx="1"/>
@@ -753,163 +999,7 @@
           <a:bodyPr/>
           <a:lstStyle/>
           <a:p>
-            <a:pPr eaLnBrk="1" hangingPunct="1">
-              <a:spcBef>
-                <a:spcPct val="0"/>
-              </a:spcBef>
-            </a:pPr>
-            <a:endParaRPr lang="en-US"/>
-          </a:p>
-        </p:txBody>
-      </p:sp>
-      <p:sp>
-        <p:nvSpPr>
-          <p:cNvPr id="82948" name="Slide Number Placeholder 3"/>
-          <p:cNvSpPr>
-            <a:spLocks noGrp="1"/>
-          </p:cNvSpPr>
-          <p:nvPr>
-            <p:ph type="sldNum" sz="quarter" idx="5"/>
-          </p:nvPr>
-        </p:nvSpPr>
-        <p:spPr>
-          <a:noFill/>
-          <a:ln/>
-          <a:extLst>
-            <a:ext uri="{909E8E84-426E-40dd-AFC4-6F175D3DCCD1}">
-              <a14:hiddenFill xmlns:a14="http://schemas.microsoft.com/office/drawing/2010/main">
-                <a:solidFill>
-                  <a:srgbClr val="FFFFFF"/>
-                </a:solidFill>
-              </a14:hiddenFill>
-            </a:ext>
-            <a:ext uri="{91240B29-F687-4f45-9708-019B960494DF}">
-              <a14:hiddenLine xmlns:a14="http://schemas.microsoft.com/office/drawing/2010/main" w="9525">
-                <a:solidFill>
-                  <a:srgbClr val="000000"/>
-                </a:solidFill>
-                <a:miter lim="800000"/>
-                <a:headEnd/>
-                <a:tailEnd/>
-              </a14:hiddenLine>
-            </a:ext>
-          </a:extLst>
-        </p:spPr>
-        <p:txBody>
-          <a:bodyPr/>
-          <a:lstStyle>
-            <a:lvl1pPr>
-              <a:defRPr>
-                <a:solidFill>
-                  <a:schemeClr val="tx1"/>
-                </a:solidFill>
-                <a:latin typeface="Arial" charset="0"/>
-                <a:ea typeface="ＭＳ Ｐゴシック" charset="0"/>
-              </a:defRPr>
-            </a:lvl1pPr>
-            <a:lvl2pPr marL="742950" indent="-285750">
-              <a:defRPr>
-                <a:solidFill>
-                  <a:schemeClr val="tx1"/>
-                </a:solidFill>
-                <a:latin typeface="Arial" charset="0"/>
-                <a:ea typeface="ＭＳ Ｐゴシック" charset="0"/>
-              </a:defRPr>
-            </a:lvl2pPr>
-            <a:lvl3pPr marL="1143000" indent="-228600">
-              <a:defRPr>
-                <a:solidFill>
-                  <a:schemeClr val="tx1"/>
-                </a:solidFill>
-                <a:latin typeface="Arial" charset="0"/>
-                <a:ea typeface="ＭＳ Ｐゴシック" charset="0"/>
-              </a:defRPr>
-            </a:lvl3pPr>
-            <a:lvl4pPr marL="1600200" indent="-228600">
-              <a:defRPr>
-                <a:solidFill>
-                  <a:schemeClr val="tx1"/>
-                </a:solidFill>
-                <a:latin typeface="Arial" charset="0"/>
-                <a:ea typeface="ＭＳ Ｐゴシック" charset="0"/>
-              </a:defRPr>
-            </a:lvl4pPr>
-            <a:lvl5pPr marL="2057400" indent="-228600">
-              <a:defRPr>
-                <a:solidFill>
-                  <a:schemeClr val="tx1"/>
-                </a:solidFill>
-                <a:latin typeface="Arial" charset="0"/>
-                <a:ea typeface="ＭＳ Ｐゴシック" charset="0"/>
-              </a:defRPr>
-            </a:lvl5pPr>
-            <a:lvl6pPr marL="2514600" indent="-228600" eaLnBrk="0" fontAlgn="base" hangingPunct="0">
-              <a:spcBef>
-                <a:spcPct val="0"/>
-              </a:spcBef>
-              <a:spcAft>
-                <a:spcPct val="0"/>
-              </a:spcAft>
-              <a:defRPr>
-                <a:solidFill>
-                  <a:schemeClr val="tx1"/>
-                </a:solidFill>
-                <a:latin typeface="Arial" charset="0"/>
-                <a:ea typeface="ＭＳ Ｐゴシック" charset="0"/>
-              </a:defRPr>
-            </a:lvl6pPr>
-            <a:lvl7pPr marL="2971800" indent="-228600" eaLnBrk="0" fontAlgn="base" hangingPunct="0">
-              <a:spcBef>
-                <a:spcPct val="0"/>
-              </a:spcBef>
-              <a:spcAft>
-                <a:spcPct val="0"/>
-              </a:spcAft>
-              <a:defRPr>
-                <a:solidFill>
-                  <a:schemeClr val="tx1"/>
-                </a:solidFill>
-                <a:latin typeface="Arial" charset="0"/>
-                <a:ea typeface="ＭＳ Ｐゴシック" charset="0"/>
-              </a:defRPr>
-            </a:lvl7pPr>
-            <a:lvl8pPr marL="3429000" indent="-228600" eaLnBrk="0" fontAlgn="base" hangingPunct="0">
-              <a:spcBef>
-                <a:spcPct val="0"/>
-              </a:spcBef>
-              <a:spcAft>
-                <a:spcPct val="0"/>
-              </a:spcAft>
-              <a:defRPr>
-                <a:solidFill>
-                  <a:schemeClr val="tx1"/>
-                </a:solidFill>
-                <a:latin typeface="Arial" charset="0"/>
-                <a:ea typeface="ＭＳ Ｐゴシック" charset="0"/>
-              </a:defRPr>
-            </a:lvl8pPr>
-            <a:lvl9pPr marL="3886200" indent="-228600" eaLnBrk="0" fontAlgn="base" hangingPunct="0">
-              <a:spcBef>
-                <a:spcPct val="0"/>
-              </a:spcBef>
-              <a:spcAft>
-                <a:spcPct val="0"/>
-              </a:spcAft>
-              <a:defRPr>
-                <a:solidFill>
-                  <a:schemeClr val="tx1"/>
-                </a:solidFill>
-                <a:latin typeface="Arial" charset="0"/>
-                <a:ea typeface="ＭＳ Ｐゴシック" charset="0"/>
-              </a:defRPr>
-            </a:lvl9pPr>
-          </a:lstStyle>
-          <a:p>
-            <a:fld id="{AC01AFFD-5309-0840-9026-DF762A30D275}" type="slidenum">
-              <a:rPr lang="en-US"/>
-              <a:pPr/>
-              <a:t>2</a:t>
-            </a:fld>
+            <a:pPr eaLnBrk="1" hangingPunct="1"/>
             <a:endParaRPr lang="en-US"/>
           </a:p>
         </p:txBody>
@@ -922,7 +1012,7 @@
 </p:notes>
 </file>
 
-<file path=ppt/notesSlides/notesSlide10.xml><?xml version="1.0" encoding="utf-8"?>
+<file path=ppt/notesSlides/notesSlide11.xml><?xml version="1.0" encoding="utf-8"?>
 <p:notes xmlns:a="http://schemas.openxmlformats.org/drawingml/2006/main" xmlns:r="http://schemas.openxmlformats.org/officeDocument/2006/relationships" xmlns:p="http://schemas.openxmlformats.org/presentationml/2006/main">
   <p:cSld>
     <p:spTree>
@@ -1167,7 +1257,7 @@
 </p:notes>
 </file>
 
-<file path=ppt/notesSlides/notesSlide11.xml><?xml version="1.0" encoding="utf-8"?>
+<file path=ppt/notesSlides/notesSlide12.xml><?xml version="1.0" encoding="utf-8"?>
 <p:notes xmlns:a="http://schemas.openxmlformats.org/drawingml/2006/main" xmlns:r="http://schemas.openxmlformats.org/officeDocument/2006/relationships" xmlns:p="http://schemas.openxmlformats.org/presentationml/2006/main">
   <p:cSld>
     <p:spTree>
@@ -1412,7 +1502,7 @@
 </p:notes>
 </file>
 
-<file path=ppt/notesSlides/notesSlide12.xml><?xml version="1.0" encoding="utf-8"?>
+<file path=ppt/notesSlides/notesSlide13.xml><?xml version="1.0" encoding="utf-8"?>
 <p:notes xmlns:a="http://schemas.openxmlformats.org/drawingml/2006/main" xmlns:r="http://schemas.openxmlformats.org/officeDocument/2006/relationships" xmlns:p="http://schemas.openxmlformats.org/presentationml/2006/main">
   <p:cSld>
     <p:spTree>
@@ -1657,7 +1747,7 @@
 </p:notes>
 </file>
 
-<file path=ppt/notesSlides/notesSlide13.xml><?xml version="1.0" encoding="utf-8"?>
+<file path=ppt/notesSlides/notesSlide14.xml><?xml version="1.0" encoding="utf-8"?>
 <p:notes xmlns:a="http://schemas.openxmlformats.org/drawingml/2006/main" xmlns:r="http://schemas.openxmlformats.org/officeDocument/2006/relationships" xmlns:p="http://schemas.openxmlformats.org/presentationml/2006/main">
   <p:cSld>
     <p:spTree>
@@ -1902,7 +1992,7 @@
 </p:notes>
 </file>
 
-<file path=ppt/notesSlides/notesSlide14.xml><?xml version="1.0" encoding="utf-8"?>
+<file path=ppt/notesSlides/notesSlide15.xml><?xml version="1.0" encoding="utf-8"?>
 <p:notes xmlns:a="http://schemas.openxmlformats.org/drawingml/2006/main" xmlns:r="http://schemas.openxmlformats.org/officeDocument/2006/relationships" xmlns:p="http://schemas.openxmlformats.org/presentationml/2006/main">
   <p:cSld>
     <p:spTree>
@@ -2147,7 +2237,7 @@
 </p:notes>
 </file>
 
-<file path=ppt/notesSlides/notesSlide15.xml><?xml version="1.0" encoding="utf-8"?>
+<file path=ppt/notesSlides/notesSlide16.xml><?xml version="1.0" encoding="utf-8"?>
 <p:notes xmlns:a="http://schemas.openxmlformats.org/drawingml/2006/main" xmlns:r="http://schemas.openxmlformats.org/officeDocument/2006/relationships" xmlns:p="http://schemas.openxmlformats.org/presentationml/2006/main">
   <p:cSld>
     <p:spTree>
@@ -2342,251 +2432,6 @@
       <p:sp>
         <p:nvSpPr>
           <p:cNvPr id="165892" name="Rectangle 3"/>
-          <p:cNvSpPr>
-            <a:spLocks noGrp="1" noChangeArrowheads="1"/>
-          </p:cNvSpPr>
-          <p:nvPr>
-            <p:ph type="body" idx="1"/>
-          </p:nvPr>
-        </p:nvSpPr>
-        <p:spPr>
-          <a:noFill/>
-          <a:ln/>
-          <a:extLst>
-            <a:ext uri="{909E8E84-426E-40dd-AFC4-6F175D3DCCD1}">
-              <a14:hiddenFill xmlns:a14="http://schemas.microsoft.com/office/drawing/2010/main">
-                <a:solidFill>
-                  <a:srgbClr val="FFFFFF"/>
-                </a:solidFill>
-              </a14:hiddenFill>
-            </a:ext>
-            <a:ext uri="{91240B29-F687-4f45-9708-019B960494DF}">
-              <a14:hiddenLine xmlns:a14="http://schemas.microsoft.com/office/drawing/2010/main" w="9525">
-                <a:solidFill>
-                  <a:srgbClr val="000000"/>
-                </a:solidFill>
-                <a:miter lim="800000"/>
-                <a:headEnd/>
-                <a:tailEnd/>
-              </a14:hiddenLine>
-            </a:ext>
-            <a:ext uri="{FAA26D3D-D897-4be2-8F04-BA451C77F1D7}">
-              <ma14:placeholderFlag xmlns:ma14="http://schemas.microsoft.com/office/mac/drawingml/2011/main" val="1"/>
-            </a:ext>
-          </a:extLst>
-        </p:spPr>
-        <p:txBody>
-          <a:bodyPr/>
-          <a:lstStyle/>
-          <a:p>
-            <a:pPr eaLnBrk="1" hangingPunct="1"/>
-            <a:endParaRPr lang="en-US"/>
-          </a:p>
-        </p:txBody>
-      </p:sp>
-    </p:spTree>
-  </p:cSld>
-  <p:clrMapOvr>
-    <a:masterClrMapping/>
-  </p:clrMapOvr>
-</p:notes>
-</file>
-
-<file path=ppt/notesSlides/notesSlide16.xml><?xml version="1.0" encoding="utf-8"?>
-<p:notes xmlns:a="http://schemas.openxmlformats.org/drawingml/2006/main" xmlns:r="http://schemas.openxmlformats.org/officeDocument/2006/relationships" xmlns:p="http://schemas.openxmlformats.org/presentationml/2006/main">
-  <p:cSld>
-    <p:spTree>
-      <p:nvGrpSpPr>
-        <p:cNvPr id="1" name=""/>
-        <p:cNvGrpSpPr/>
-        <p:nvPr/>
-      </p:nvGrpSpPr>
-      <p:grpSpPr>
-        <a:xfrm>
-          <a:off x="0" y="0"/>
-          <a:ext cx="0" cy="0"/>
-          <a:chOff x="0" y="0"/>
-          <a:chExt cx="0" cy="0"/>
-        </a:xfrm>
-      </p:grpSpPr>
-      <p:sp>
-        <p:nvSpPr>
-          <p:cNvPr id="157698" name="Rectangle 7"/>
-          <p:cNvSpPr>
-            <a:spLocks noGrp="1" noChangeArrowheads="1"/>
-          </p:cNvSpPr>
-          <p:nvPr>
-            <p:ph type="sldNum" sz="quarter" idx="5"/>
-          </p:nvPr>
-        </p:nvSpPr>
-        <p:spPr>
-          <a:noFill/>
-          <a:ln/>
-          <a:extLst>
-            <a:ext uri="{909E8E84-426E-40dd-AFC4-6F175D3DCCD1}">
-              <a14:hiddenFill xmlns:a14="http://schemas.microsoft.com/office/drawing/2010/main">
-                <a:solidFill>
-                  <a:srgbClr val="FFFFFF"/>
-                </a:solidFill>
-              </a14:hiddenFill>
-            </a:ext>
-            <a:ext uri="{91240B29-F687-4f45-9708-019B960494DF}">
-              <a14:hiddenLine xmlns:a14="http://schemas.microsoft.com/office/drawing/2010/main" w="9525">
-                <a:solidFill>
-                  <a:srgbClr val="000000"/>
-                </a:solidFill>
-                <a:miter lim="800000"/>
-                <a:headEnd/>
-                <a:tailEnd/>
-              </a14:hiddenLine>
-            </a:ext>
-          </a:extLst>
-        </p:spPr>
-        <p:txBody>
-          <a:bodyPr/>
-          <a:lstStyle>
-            <a:lvl1pPr>
-              <a:defRPr sz="2000">
-                <a:solidFill>
-                  <a:schemeClr val="tx1"/>
-                </a:solidFill>
-                <a:latin typeface="Arial" charset="0"/>
-                <a:ea typeface="ＭＳ Ｐゴシック" charset="0"/>
-                <a:cs typeface="Arial" charset="0"/>
-              </a:defRPr>
-            </a:lvl1pPr>
-            <a:lvl2pPr marL="742950" indent="-285750">
-              <a:defRPr sz="2000">
-                <a:solidFill>
-                  <a:schemeClr val="tx1"/>
-                </a:solidFill>
-                <a:latin typeface="Arial" charset="0"/>
-                <a:ea typeface="Arial" charset="0"/>
-                <a:cs typeface="Arial" charset="0"/>
-              </a:defRPr>
-            </a:lvl2pPr>
-            <a:lvl3pPr marL="1143000" indent="-228600">
-              <a:defRPr sz="2000">
-                <a:solidFill>
-                  <a:schemeClr val="tx1"/>
-                </a:solidFill>
-                <a:latin typeface="Arial" charset="0"/>
-                <a:ea typeface="Arial" charset="0"/>
-                <a:cs typeface="Arial" charset="0"/>
-              </a:defRPr>
-            </a:lvl3pPr>
-            <a:lvl4pPr marL="1600200" indent="-228600">
-              <a:defRPr sz="2000">
-                <a:solidFill>
-                  <a:schemeClr val="tx1"/>
-                </a:solidFill>
-                <a:latin typeface="Arial" charset="0"/>
-                <a:ea typeface="Arial" charset="0"/>
-                <a:cs typeface="Arial" charset="0"/>
-              </a:defRPr>
-            </a:lvl4pPr>
-            <a:lvl5pPr marL="2057400" indent="-228600">
-              <a:defRPr sz="2000">
-                <a:solidFill>
-                  <a:schemeClr val="tx1"/>
-                </a:solidFill>
-                <a:latin typeface="Arial" charset="0"/>
-                <a:ea typeface="Arial" charset="0"/>
-                <a:cs typeface="Arial" charset="0"/>
-              </a:defRPr>
-            </a:lvl5pPr>
-            <a:lvl6pPr marL="2514600" indent="-228600" eaLnBrk="0" fontAlgn="base" hangingPunct="0">
-              <a:spcBef>
-                <a:spcPct val="0"/>
-              </a:spcBef>
-              <a:spcAft>
-                <a:spcPct val="0"/>
-              </a:spcAft>
-              <a:defRPr sz="2000">
-                <a:solidFill>
-                  <a:schemeClr val="tx1"/>
-                </a:solidFill>
-                <a:latin typeface="Arial" charset="0"/>
-                <a:ea typeface="Arial" charset="0"/>
-                <a:cs typeface="Arial" charset="0"/>
-              </a:defRPr>
-            </a:lvl6pPr>
-            <a:lvl7pPr marL="2971800" indent="-228600" eaLnBrk="0" fontAlgn="base" hangingPunct="0">
-              <a:spcBef>
-                <a:spcPct val="0"/>
-              </a:spcBef>
-              <a:spcAft>
-                <a:spcPct val="0"/>
-              </a:spcAft>
-              <a:defRPr sz="2000">
-                <a:solidFill>
-                  <a:schemeClr val="tx1"/>
-                </a:solidFill>
-                <a:latin typeface="Arial" charset="0"/>
-                <a:ea typeface="Arial" charset="0"/>
-                <a:cs typeface="Arial" charset="0"/>
-              </a:defRPr>
-            </a:lvl7pPr>
-            <a:lvl8pPr marL="3429000" indent="-228600" eaLnBrk="0" fontAlgn="base" hangingPunct="0">
-              <a:spcBef>
-                <a:spcPct val="0"/>
-              </a:spcBef>
-              <a:spcAft>
-                <a:spcPct val="0"/>
-              </a:spcAft>
-              <a:defRPr sz="2000">
-                <a:solidFill>
-                  <a:schemeClr val="tx1"/>
-                </a:solidFill>
-                <a:latin typeface="Arial" charset="0"/>
-                <a:ea typeface="Arial" charset="0"/>
-                <a:cs typeface="Arial" charset="0"/>
-              </a:defRPr>
-            </a:lvl8pPr>
-            <a:lvl9pPr marL="3886200" indent="-228600" eaLnBrk="0" fontAlgn="base" hangingPunct="0">
-              <a:spcBef>
-                <a:spcPct val="0"/>
-              </a:spcBef>
-              <a:spcAft>
-                <a:spcPct val="0"/>
-              </a:spcAft>
-              <a:defRPr sz="2000">
-                <a:solidFill>
-                  <a:schemeClr val="tx1"/>
-                </a:solidFill>
-                <a:latin typeface="Arial" charset="0"/>
-                <a:ea typeface="Arial" charset="0"/>
-                <a:cs typeface="Arial" charset="0"/>
-              </a:defRPr>
-            </a:lvl9pPr>
-          </a:lstStyle>
-          <a:p>
-            <a:fld id="{20DA2CF0-24EB-E949-B390-BC054DE71E85}" type="slidenum">
-              <a:rPr lang="en-US" sz="1200"/>
-              <a:pPr/>
-              <a:t>17</a:t>
-            </a:fld>
-            <a:endParaRPr lang="en-US" sz="1200"/>
-          </a:p>
-        </p:txBody>
-      </p:sp>
-      <p:sp>
-        <p:nvSpPr>
-          <p:cNvPr id="157699" name="Rectangle 2"/>
-          <p:cNvSpPr>
-            <a:spLocks noGrp="1" noRot="1" noChangeAspect="1" noChangeArrowheads="1" noTextEdit="1"/>
-          </p:cNvSpPr>
-          <p:nvPr>
-            <p:ph type="sldImg"/>
-          </p:nvPr>
-        </p:nvSpPr>
-        <p:spPr>
-          <a:ln/>
-        </p:spPr>
-      </p:sp>
-      <p:sp>
-        <p:nvSpPr>
-          <p:cNvPr id="157700" name="Rectangle 3"/>
           <p:cNvSpPr>
             <a:spLocks noGrp="1" noChangeArrowheads="1"/>
           </p:cNvSpPr>
@@ -2809,7 +2654,7 @@
             <a:fld id="{20DA2CF0-24EB-E949-B390-BC054DE71E85}" type="slidenum">
               <a:rPr lang="en-US" sz="1200"/>
               <a:pPr/>
-              <a:t>18</a:t>
+              <a:t>17</a:t>
             </a:fld>
             <a:endParaRPr lang="en-US" sz="1200"/>
           </a:p>
@@ -3054,7 +2899,7 @@
             <a:fld id="{20DA2CF0-24EB-E949-B390-BC054DE71E85}" type="slidenum">
               <a:rPr lang="en-US" sz="1200"/>
               <a:pPr/>
-              <a:t>19</a:t>
+              <a:t>18</a:t>
             </a:fld>
             <a:endParaRPr lang="en-US" sz="1200"/>
           </a:p>
@@ -3115,37 +2960,7 @@
           <a:lstStyle/>
           <a:p>
             <a:pPr eaLnBrk="1" hangingPunct="1"/>
-            <a:r>
-              <a:rPr lang="en-US" dirty="0" smtClean="0">
-                <a:latin typeface="Arial" charset="0"/>
-              </a:rPr>
-              <a:t> (Note: </a:t>
-            </a:r>
-            <a:r>
-              <a:rPr lang="ja-JP" altLang="en-US" dirty="0" smtClean="0">
-                <a:latin typeface="Arial" charset="0"/>
-              </a:rPr>
-              <a:t>“</a:t>
-            </a:r>
-            <a:r>
-              <a:rPr lang="en-US" dirty="0" smtClean="0">
-                <a:latin typeface="Arial" charset="0"/>
-              </a:rPr>
-              <a:t>standard</a:t>
-            </a:r>
-            <a:r>
-              <a:rPr lang="ja-JP" altLang="en-US" dirty="0" smtClean="0">
-                <a:latin typeface="Arial" charset="0"/>
-              </a:rPr>
-              <a:t>”</a:t>
-            </a:r>
-            <a:r>
-              <a:rPr lang="en-US" dirty="0" smtClean="0">
-                <a:latin typeface="Arial" charset="0"/>
-              </a:rPr>
-              <a:t> algorithm is C4.5 [Quinlan 93])</a:t>
-            </a:r>
-            <a:endParaRPr lang="en-US" dirty="0"/>
+            <a:endParaRPr lang="en-US"/>
           </a:p>
         </p:txBody>
       </p:sp>
@@ -3158,6 +2973,521 @@
 </file>
 
 <file path=ppt/notesSlides/notesSlide19.xml><?xml version="1.0" encoding="utf-8"?>
+<p:notes xmlns:a="http://schemas.openxmlformats.org/drawingml/2006/main" xmlns:r="http://schemas.openxmlformats.org/officeDocument/2006/relationships" xmlns:p="http://schemas.openxmlformats.org/presentationml/2006/main">
+  <p:cSld>
+    <p:spTree>
+      <p:nvGrpSpPr>
+        <p:cNvPr id="1" name=""/>
+        <p:cNvGrpSpPr/>
+        <p:nvPr/>
+      </p:nvGrpSpPr>
+      <p:grpSpPr>
+        <a:xfrm>
+          <a:off x="0" y="0"/>
+          <a:ext cx="0" cy="0"/>
+          <a:chOff x="0" y="0"/>
+          <a:chExt cx="0" cy="0"/>
+        </a:xfrm>
+      </p:grpSpPr>
+      <p:sp>
+        <p:nvSpPr>
+          <p:cNvPr id="157698" name="Rectangle 7"/>
+          <p:cNvSpPr>
+            <a:spLocks noGrp="1" noChangeArrowheads="1"/>
+          </p:cNvSpPr>
+          <p:nvPr>
+            <p:ph type="sldNum" sz="quarter" idx="5"/>
+          </p:nvPr>
+        </p:nvSpPr>
+        <p:spPr>
+          <a:noFill/>
+          <a:ln/>
+          <a:extLst>
+            <a:ext uri="{909E8E84-426E-40dd-AFC4-6F175D3DCCD1}">
+              <a14:hiddenFill xmlns:a14="http://schemas.microsoft.com/office/drawing/2010/main">
+                <a:solidFill>
+                  <a:srgbClr val="FFFFFF"/>
+                </a:solidFill>
+              </a14:hiddenFill>
+            </a:ext>
+            <a:ext uri="{91240B29-F687-4f45-9708-019B960494DF}">
+              <a14:hiddenLine xmlns:a14="http://schemas.microsoft.com/office/drawing/2010/main" w="9525">
+                <a:solidFill>
+                  <a:srgbClr val="000000"/>
+                </a:solidFill>
+                <a:miter lim="800000"/>
+                <a:headEnd/>
+                <a:tailEnd/>
+              </a14:hiddenLine>
+            </a:ext>
+          </a:extLst>
+        </p:spPr>
+        <p:txBody>
+          <a:bodyPr/>
+          <a:lstStyle>
+            <a:lvl1pPr>
+              <a:defRPr sz="2000">
+                <a:solidFill>
+                  <a:schemeClr val="tx1"/>
+                </a:solidFill>
+                <a:latin typeface="Arial" charset="0"/>
+                <a:ea typeface="ＭＳ Ｐゴシック" charset="0"/>
+                <a:cs typeface="Arial" charset="0"/>
+              </a:defRPr>
+            </a:lvl1pPr>
+            <a:lvl2pPr marL="742950" indent="-285750">
+              <a:defRPr sz="2000">
+                <a:solidFill>
+                  <a:schemeClr val="tx1"/>
+                </a:solidFill>
+                <a:latin typeface="Arial" charset="0"/>
+                <a:ea typeface="Arial" charset="0"/>
+                <a:cs typeface="Arial" charset="0"/>
+              </a:defRPr>
+            </a:lvl2pPr>
+            <a:lvl3pPr marL="1143000" indent="-228600">
+              <a:defRPr sz="2000">
+                <a:solidFill>
+                  <a:schemeClr val="tx1"/>
+                </a:solidFill>
+                <a:latin typeface="Arial" charset="0"/>
+                <a:ea typeface="Arial" charset="0"/>
+                <a:cs typeface="Arial" charset="0"/>
+              </a:defRPr>
+            </a:lvl3pPr>
+            <a:lvl4pPr marL="1600200" indent="-228600">
+              <a:defRPr sz="2000">
+                <a:solidFill>
+                  <a:schemeClr val="tx1"/>
+                </a:solidFill>
+                <a:latin typeface="Arial" charset="0"/>
+                <a:ea typeface="Arial" charset="0"/>
+                <a:cs typeface="Arial" charset="0"/>
+              </a:defRPr>
+            </a:lvl4pPr>
+            <a:lvl5pPr marL="2057400" indent="-228600">
+              <a:defRPr sz="2000">
+                <a:solidFill>
+                  <a:schemeClr val="tx1"/>
+                </a:solidFill>
+                <a:latin typeface="Arial" charset="0"/>
+                <a:ea typeface="Arial" charset="0"/>
+                <a:cs typeface="Arial" charset="0"/>
+              </a:defRPr>
+            </a:lvl5pPr>
+            <a:lvl6pPr marL="2514600" indent="-228600" eaLnBrk="0" fontAlgn="base" hangingPunct="0">
+              <a:spcBef>
+                <a:spcPct val="0"/>
+              </a:spcBef>
+              <a:spcAft>
+                <a:spcPct val="0"/>
+              </a:spcAft>
+              <a:defRPr sz="2000">
+                <a:solidFill>
+                  <a:schemeClr val="tx1"/>
+                </a:solidFill>
+                <a:latin typeface="Arial" charset="0"/>
+                <a:ea typeface="Arial" charset="0"/>
+                <a:cs typeface="Arial" charset="0"/>
+              </a:defRPr>
+            </a:lvl6pPr>
+            <a:lvl7pPr marL="2971800" indent="-228600" eaLnBrk="0" fontAlgn="base" hangingPunct="0">
+              <a:spcBef>
+                <a:spcPct val="0"/>
+              </a:spcBef>
+              <a:spcAft>
+                <a:spcPct val="0"/>
+              </a:spcAft>
+              <a:defRPr sz="2000">
+                <a:solidFill>
+                  <a:schemeClr val="tx1"/>
+                </a:solidFill>
+                <a:latin typeface="Arial" charset="0"/>
+                <a:ea typeface="Arial" charset="0"/>
+                <a:cs typeface="Arial" charset="0"/>
+              </a:defRPr>
+            </a:lvl7pPr>
+            <a:lvl8pPr marL="3429000" indent="-228600" eaLnBrk="0" fontAlgn="base" hangingPunct="0">
+              <a:spcBef>
+                <a:spcPct val="0"/>
+              </a:spcBef>
+              <a:spcAft>
+                <a:spcPct val="0"/>
+              </a:spcAft>
+              <a:defRPr sz="2000">
+                <a:solidFill>
+                  <a:schemeClr val="tx1"/>
+                </a:solidFill>
+                <a:latin typeface="Arial" charset="0"/>
+                <a:ea typeface="Arial" charset="0"/>
+                <a:cs typeface="Arial" charset="0"/>
+              </a:defRPr>
+            </a:lvl8pPr>
+            <a:lvl9pPr marL="3886200" indent="-228600" eaLnBrk="0" fontAlgn="base" hangingPunct="0">
+              <a:spcBef>
+                <a:spcPct val="0"/>
+              </a:spcBef>
+              <a:spcAft>
+                <a:spcPct val="0"/>
+              </a:spcAft>
+              <a:defRPr sz="2000">
+                <a:solidFill>
+                  <a:schemeClr val="tx1"/>
+                </a:solidFill>
+                <a:latin typeface="Arial" charset="0"/>
+                <a:ea typeface="Arial" charset="0"/>
+                <a:cs typeface="Arial" charset="0"/>
+              </a:defRPr>
+            </a:lvl9pPr>
+          </a:lstStyle>
+          <a:p>
+            <a:fld id="{20DA2CF0-24EB-E949-B390-BC054DE71E85}" type="slidenum">
+              <a:rPr lang="en-US" sz="1200"/>
+              <a:pPr/>
+              <a:t>19</a:t>
+            </a:fld>
+            <a:endParaRPr lang="en-US" sz="1200"/>
+          </a:p>
+        </p:txBody>
+      </p:sp>
+      <p:sp>
+        <p:nvSpPr>
+          <p:cNvPr id="157699" name="Rectangle 2"/>
+          <p:cNvSpPr>
+            <a:spLocks noGrp="1" noRot="1" noChangeAspect="1" noChangeArrowheads="1" noTextEdit="1"/>
+          </p:cNvSpPr>
+          <p:nvPr>
+            <p:ph type="sldImg"/>
+          </p:nvPr>
+        </p:nvSpPr>
+        <p:spPr>
+          <a:ln/>
+        </p:spPr>
+      </p:sp>
+      <p:sp>
+        <p:nvSpPr>
+          <p:cNvPr id="157700" name="Rectangle 3"/>
+          <p:cNvSpPr>
+            <a:spLocks noGrp="1" noChangeArrowheads="1"/>
+          </p:cNvSpPr>
+          <p:nvPr>
+            <p:ph type="body" idx="1"/>
+          </p:nvPr>
+        </p:nvSpPr>
+        <p:spPr>
+          <a:noFill/>
+          <a:ln/>
+          <a:extLst>
+            <a:ext uri="{909E8E84-426E-40dd-AFC4-6F175D3DCCD1}">
+              <a14:hiddenFill xmlns:a14="http://schemas.microsoft.com/office/drawing/2010/main">
+                <a:solidFill>
+                  <a:srgbClr val="FFFFFF"/>
+                </a:solidFill>
+              </a14:hiddenFill>
+            </a:ext>
+            <a:ext uri="{91240B29-F687-4f45-9708-019B960494DF}">
+              <a14:hiddenLine xmlns:a14="http://schemas.microsoft.com/office/drawing/2010/main" w="9525">
+                <a:solidFill>
+                  <a:srgbClr val="000000"/>
+                </a:solidFill>
+                <a:miter lim="800000"/>
+                <a:headEnd/>
+                <a:tailEnd/>
+              </a14:hiddenLine>
+            </a:ext>
+            <a:ext uri="{FAA26D3D-D897-4be2-8F04-BA451C77F1D7}">
+              <ma14:placeholderFlag xmlns:ma14="http://schemas.microsoft.com/office/mac/drawingml/2011/main" val="1"/>
+            </a:ext>
+          </a:extLst>
+        </p:spPr>
+        <p:txBody>
+          <a:bodyPr/>
+          <a:lstStyle/>
+          <a:p>
+            <a:pPr eaLnBrk="1" hangingPunct="1"/>
+            <a:r>
+              <a:rPr lang="en-US" dirty="0" smtClean="0">
+                <a:latin typeface="Arial" charset="0"/>
+              </a:rPr>
+              <a:t> (Note: </a:t>
+            </a:r>
+            <a:r>
+              <a:rPr lang="ja-JP" altLang="en-US" dirty="0" smtClean="0">
+                <a:latin typeface="Arial" charset="0"/>
+              </a:rPr>
+              <a:t>“</a:t>
+            </a:r>
+            <a:r>
+              <a:rPr lang="en-US" dirty="0" smtClean="0">
+                <a:latin typeface="Arial" charset="0"/>
+              </a:rPr>
+              <a:t>standard</a:t>
+            </a:r>
+            <a:r>
+              <a:rPr lang="ja-JP" altLang="en-US" dirty="0" smtClean="0">
+                <a:latin typeface="Arial" charset="0"/>
+              </a:rPr>
+              <a:t>”</a:t>
+            </a:r>
+            <a:r>
+              <a:rPr lang="en-US" dirty="0" smtClean="0">
+                <a:latin typeface="Arial" charset="0"/>
+              </a:rPr>
+              <a:t> algorithm is C4.5 [Quinlan 93])</a:t>
+            </a:r>
+            <a:endParaRPr lang="en-US" dirty="0"/>
+          </a:p>
+        </p:txBody>
+      </p:sp>
+    </p:spTree>
+  </p:cSld>
+  <p:clrMapOvr>
+    <a:masterClrMapping/>
+  </p:clrMapOvr>
+</p:notes>
+</file>
+
+<file path=ppt/notesSlides/notesSlide2.xml><?xml version="1.0" encoding="utf-8"?>
+<p:notes xmlns:a="http://schemas.openxmlformats.org/drawingml/2006/main" xmlns:r="http://schemas.openxmlformats.org/officeDocument/2006/relationships" xmlns:p="http://schemas.openxmlformats.org/presentationml/2006/main">
+  <p:cSld>
+    <p:spTree>
+      <p:nvGrpSpPr>
+        <p:cNvPr id="1" name=""/>
+        <p:cNvGrpSpPr/>
+        <p:nvPr/>
+      </p:nvGrpSpPr>
+      <p:grpSpPr>
+        <a:xfrm>
+          <a:off x="0" y="0"/>
+          <a:ext cx="0" cy="0"/>
+          <a:chOff x="0" y="0"/>
+          <a:chExt cx="0" cy="0"/>
+        </a:xfrm>
+      </p:grpSpPr>
+      <p:sp>
+        <p:nvSpPr>
+          <p:cNvPr id="82946" name="Slide Image Placeholder 1"/>
+          <p:cNvSpPr>
+            <a:spLocks noGrp="1" noRot="1" noChangeAspect="1" noTextEdit="1"/>
+          </p:cNvSpPr>
+          <p:nvPr>
+            <p:ph type="sldImg"/>
+          </p:nvPr>
+        </p:nvSpPr>
+        <p:spPr>
+          <a:ln/>
+        </p:spPr>
+      </p:sp>
+      <p:sp>
+        <p:nvSpPr>
+          <p:cNvPr id="82947" name="Notes Placeholder 2"/>
+          <p:cNvSpPr>
+            <a:spLocks noGrp="1"/>
+          </p:cNvSpPr>
+          <p:nvPr>
+            <p:ph type="body" idx="1"/>
+          </p:nvPr>
+        </p:nvSpPr>
+        <p:spPr>
+          <a:noFill/>
+          <a:ln/>
+          <a:extLst>
+            <a:ext uri="{909E8E84-426E-40dd-AFC4-6F175D3DCCD1}">
+              <a14:hiddenFill xmlns:a14="http://schemas.microsoft.com/office/drawing/2010/main">
+                <a:solidFill>
+                  <a:srgbClr val="FFFFFF"/>
+                </a:solidFill>
+              </a14:hiddenFill>
+            </a:ext>
+            <a:ext uri="{91240B29-F687-4f45-9708-019B960494DF}">
+              <a14:hiddenLine xmlns:a14="http://schemas.microsoft.com/office/drawing/2010/main" w="9525">
+                <a:solidFill>
+                  <a:srgbClr val="000000"/>
+                </a:solidFill>
+                <a:miter lim="800000"/>
+                <a:headEnd/>
+                <a:tailEnd/>
+              </a14:hiddenLine>
+            </a:ext>
+            <a:ext uri="{FAA26D3D-D897-4be2-8F04-BA451C77F1D7}">
+              <ma14:placeholderFlag xmlns:ma14="http://schemas.microsoft.com/office/mac/drawingml/2011/main" val="1"/>
+            </a:ext>
+          </a:extLst>
+        </p:spPr>
+        <p:txBody>
+          <a:bodyPr/>
+          <a:lstStyle/>
+          <a:p>
+            <a:pPr eaLnBrk="1" hangingPunct="1">
+              <a:spcBef>
+                <a:spcPct val="0"/>
+              </a:spcBef>
+            </a:pPr>
+            <a:endParaRPr lang="en-US"/>
+          </a:p>
+        </p:txBody>
+      </p:sp>
+      <p:sp>
+        <p:nvSpPr>
+          <p:cNvPr id="82948" name="Slide Number Placeholder 3"/>
+          <p:cNvSpPr>
+            <a:spLocks noGrp="1"/>
+          </p:cNvSpPr>
+          <p:nvPr>
+            <p:ph type="sldNum" sz="quarter" idx="5"/>
+          </p:nvPr>
+        </p:nvSpPr>
+        <p:spPr>
+          <a:noFill/>
+          <a:ln/>
+          <a:extLst>
+            <a:ext uri="{909E8E84-426E-40dd-AFC4-6F175D3DCCD1}">
+              <a14:hiddenFill xmlns:a14="http://schemas.microsoft.com/office/drawing/2010/main">
+                <a:solidFill>
+                  <a:srgbClr val="FFFFFF"/>
+                </a:solidFill>
+              </a14:hiddenFill>
+            </a:ext>
+            <a:ext uri="{91240B29-F687-4f45-9708-019B960494DF}">
+              <a14:hiddenLine xmlns:a14="http://schemas.microsoft.com/office/drawing/2010/main" w="9525">
+                <a:solidFill>
+                  <a:srgbClr val="000000"/>
+                </a:solidFill>
+                <a:miter lim="800000"/>
+                <a:headEnd/>
+                <a:tailEnd/>
+              </a14:hiddenLine>
+            </a:ext>
+          </a:extLst>
+        </p:spPr>
+        <p:txBody>
+          <a:bodyPr/>
+          <a:lstStyle>
+            <a:lvl1pPr>
+              <a:defRPr>
+                <a:solidFill>
+                  <a:schemeClr val="tx1"/>
+                </a:solidFill>
+                <a:latin typeface="Arial" charset="0"/>
+                <a:ea typeface="ＭＳ Ｐゴシック" charset="0"/>
+              </a:defRPr>
+            </a:lvl1pPr>
+            <a:lvl2pPr marL="742950" indent="-285750">
+              <a:defRPr>
+                <a:solidFill>
+                  <a:schemeClr val="tx1"/>
+                </a:solidFill>
+                <a:latin typeface="Arial" charset="0"/>
+                <a:ea typeface="ＭＳ Ｐゴシック" charset="0"/>
+              </a:defRPr>
+            </a:lvl2pPr>
+            <a:lvl3pPr marL="1143000" indent="-228600">
+              <a:defRPr>
+                <a:solidFill>
+                  <a:schemeClr val="tx1"/>
+                </a:solidFill>
+                <a:latin typeface="Arial" charset="0"/>
+                <a:ea typeface="ＭＳ Ｐゴシック" charset="0"/>
+              </a:defRPr>
+            </a:lvl3pPr>
+            <a:lvl4pPr marL="1600200" indent="-228600">
+              <a:defRPr>
+                <a:solidFill>
+                  <a:schemeClr val="tx1"/>
+                </a:solidFill>
+                <a:latin typeface="Arial" charset="0"/>
+                <a:ea typeface="ＭＳ Ｐゴシック" charset="0"/>
+              </a:defRPr>
+            </a:lvl4pPr>
+            <a:lvl5pPr marL="2057400" indent="-228600">
+              <a:defRPr>
+                <a:solidFill>
+                  <a:schemeClr val="tx1"/>
+                </a:solidFill>
+                <a:latin typeface="Arial" charset="0"/>
+                <a:ea typeface="ＭＳ Ｐゴシック" charset="0"/>
+              </a:defRPr>
+            </a:lvl5pPr>
+            <a:lvl6pPr marL="2514600" indent="-228600" eaLnBrk="0" fontAlgn="base" hangingPunct="0">
+              <a:spcBef>
+                <a:spcPct val="0"/>
+              </a:spcBef>
+              <a:spcAft>
+                <a:spcPct val="0"/>
+              </a:spcAft>
+              <a:defRPr>
+                <a:solidFill>
+                  <a:schemeClr val="tx1"/>
+                </a:solidFill>
+                <a:latin typeface="Arial" charset="0"/>
+                <a:ea typeface="ＭＳ Ｐゴシック" charset="0"/>
+              </a:defRPr>
+            </a:lvl6pPr>
+            <a:lvl7pPr marL="2971800" indent="-228600" eaLnBrk="0" fontAlgn="base" hangingPunct="0">
+              <a:spcBef>
+                <a:spcPct val="0"/>
+              </a:spcBef>
+              <a:spcAft>
+                <a:spcPct val="0"/>
+              </a:spcAft>
+              <a:defRPr>
+                <a:solidFill>
+                  <a:schemeClr val="tx1"/>
+                </a:solidFill>
+                <a:latin typeface="Arial" charset="0"/>
+                <a:ea typeface="ＭＳ Ｐゴシック" charset="0"/>
+              </a:defRPr>
+            </a:lvl7pPr>
+            <a:lvl8pPr marL="3429000" indent="-228600" eaLnBrk="0" fontAlgn="base" hangingPunct="0">
+              <a:spcBef>
+                <a:spcPct val="0"/>
+              </a:spcBef>
+              <a:spcAft>
+                <a:spcPct val="0"/>
+              </a:spcAft>
+              <a:defRPr>
+                <a:solidFill>
+                  <a:schemeClr val="tx1"/>
+                </a:solidFill>
+                <a:latin typeface="Arial" charset="0"/>
+                <a:ea typeface="ＭＳ Ｐゴシック" charset="0"/>
+              </a:defRPr>
+            </a:lvl8pPr>
+            <a:lvl9pPr marL="3886200" indent="-228600" eaLnBrk="0" fontAlgn="base" hangingPunct="0">
+              <a:spcBef>
+                <a:spcPct val="0"/>
+              </a:spcBef>
+              <a:spcAft>
+                <a:spcPct val="0"/>
+              </a:spcAft>
+              <a:defRPr>
+                <a:solidFill>
+                  <a:schemeClr val="tx1"/>
+                </a:solidFill>
+                <a:latin typeface="Arial" charset="0"/>
+                <a:ea typeface="ＭＳ Ｐゴシック" charset="0"/>
+              </a:defRPr>
+            </a:lvl9pPr>
+          </a:lstStyle>
+          <a:p>
+            <a:fld id="{AC01AFFD-5309-0840-9026-DF762A30D275}" type="slidenum">
+              <a:rPr lang="en-US"/>
+              <a:pPr/>
+              <a:t>2</a:t>
+            </a:fld>
+            <a:endParaRPr lang="en-US"/>
+          </a:p>
+        </p:txBody>
+      </p:sp>
+    </p:spTree>
+  </p:cSld>
+  <p:clrMapOvr>
+    <a:masterClrMapping/>
+  </p:clrMapOvr>
+</p:notes>
+</file>
+
+<file path=ppt/notesSlides/notesSlide20.xml><?xml version="1.0" encoding="utf-8"?>
 <p:notes xmlns:a="http://schemas.openxmlformats.org/drawingml/2006/main" xmlns:r="http://schemas.openxmlformats.org/officeDocument/2006/relationships" xmlns:p="http://schemas.openxmlformats.org/presentationml/2006/main">
   <p:cSld>
     <p:spTree>
@@ -3402,252 +3732,7 @@
 </p:notes>
 </file>
 
-<file path=ppt/notesSlides/notesSlide2.xml><?xml version="1.0" encoding="utf-8"?>
-<p:notes xmlns:a="http://schemas.openxmlformats.org/drawingml/2006/main" xmlns:r="http://schemas.openxmlformats.org/officeDocument/2006/relationships" xmlns:p="http://schemas.openxmlformats.org/presentationml/2006/main">
-  <p:cSld>
-    <p:spTree>
-      <p:nvGrpSpPr>
-        <p:cNvPr id="1" name=""/>
-        <p:cNvGrpSpPr/>
-        <p:nvPr/>
-      </p:nvGrpSpPr>
-      <p:grpSpPr>
-        <a:xfrm>
-          <a:off x="0" y="0"/>
-          <a:ext cx="0" cy="0"/>
-          <a:chOff x="0" y="0"/>
-          <a:chExt cx="0" cy="0"/>
-        </a:xfrm>
-      </p:grpSpPr>
-      <p:sp>
-        <p:nvSpPr>
-          <p:cNvPr id="124930" name="Rectangle 7"/>
-          <p:cNvSpPr>
-            <a:spLocks noGrp="1" noChangeArrowheads="1"/>
-          </p:cNvSpPr>
-          <p:nvPr>
-            <p:ph type="sldNum" sz="quarter" idx="5"/>
-          </p:nvPr>
-        </p:nvSpPr>
-        <p:spPr>
-          <a:noFill/>
-          <a:ln/>
-          <a:extLst>
-            <a:ext uri="{909E8E84-426E-40dd-AFC4-6F175D3DCCD1}">
-              <a14:hiddenFill xmlns:a14="http://schemas.microsoft.com/office/drawing/2010/main">
-                <a:solidFill>
-                  <a:srgbClr val="FFFFFF"/>
-                </a:solidFill>
-              </a14:hiddenFill>
-            </a:ext>
-            <a:ext uri="{91240B29-F687-4f45-9708-019B960494DF}">
-              <a14:hiddenLine xmlns:a14="http://schemas.microsoft.com/office/drawing/2010/main" w="9525">
-                <a:solidFill>
-                  <a:srgbClr val="000000"/>
-                </a:solidFill>
-                <a:miter lim="800000"/>
-                <a:headEnd/>
-                <a:tailEnd/>
-              </a14:hiddenLine>
-            </a:ext>
-          </a:extLst>
-        </p:spPr>
-        <p:txBody>
-          <a:bodyPr/>
-          <a:lstStyle>
-            <a:lvl1pPr>
-              <a:defRPr sz="2000">
-                <a:solidFill>
-                  <a:schemeClr val="tx1"/>
-                </a:solidFill>
-                <a:latin typeface="Arial" charset="0"/>
-                <a:ea typeface="ＭＳ Ｐゴシック" charset="0"/>
-                <a:cs typeface="Arial" charset="0"/>
-              </a:defRPr>
-            </a:lvl1pPr>
-            <a:lvl2pPr marL="742950" indent="-285750">
-              <a:defRPr sz="2000">
-                <a:solidFill>
-                  <a:schemeClr val="tx1"/>
-                </a:solidFill>
-                <a:latin typeface="Arial" charset="0"/>
-                <a:ea typeface="Arial" charset="0"/>
-                <a:cs typeface="Arial" charset="0"/>
-              </a:defRPr>
-            </a:lvl2pPr>
-            <a:lvl3pPr marL="1143000" indent="-228600">
-              <a:defRPr sz="2000">
-                <a:solidFill>
-                  <a:schemeClr val="tx1"/>
-                </a:solidFill>
-                <a:latin typeface="Arial" charset="0"/>
-                <a:ea typeface="Arial" charset="0"/>
-                <a:cs typeface="Arial" charset="0"/>
-              </a:defRPr>
-            </a:lvl3pPr>
-            <a:lvl4pPr marL="1600200" indent="-228600">
-              <a:defRPr sz="2000">
-                <a:solidFill>
-                  <a:schemeClr val="tx1"/>
-                </a:solidFill>
-                <a:latin typeface="Arial" charset="0"/>
-                <a:ea typeface="Arial" charset="0"/>
-                <a:cs typeface="Arial" charset="0"/>
-              </a:defRPr>
-            </a:lvl4pPr>
-            <a:lvl5pPr marL="2057400" indent="-228600">
-              <a:defRPr sz="2000">
-                <a:solidFill>
-                  <a:schemeClr val="tx1"/>
-                </a:solidFill>
-                <a:latin typeface="Arial" charset="0"/>
-                <a:ea typeface="Arial" charset="0"/>
-                <a:cs typeface="Arial" charset="0"/>
-              </a:defRPr>
-            </a:lvl5pPr>
-            <a:lvl6pPr marL="2514600" indent="-228600" eaLnBrk="0" fontAlgn="base" hangingPunct="0">
-              <a:spcBef>
-                <a:spcPct val="0"/>
-              </a:spcBef>
-              <a:spcAft>
-                <a:spcPct val="0"/>
-              </a:spcAft>
-              <a:defRPr sz="2000">
-                <a:solidFill>
-                  <a:schemeClr val="tx1"/>
-                </a:solidFill>
-                <a:latin typeface="Arial" charset="0"/>
-                <a:ea typeface="Arial" charset="0"/>
-                <a:cs typeface="Arial" charset="0"/>
-              </a:defRPr>
-            </a:lvl6pPr>
-            <a:lvl7pPr marL="2971800" indent="-228600" eaLnBrk="0" fontAlgn="base" hangingPunct="0">
-              <a:spcBef>
-                <a:spcPct val="0"/>
-              </a:spcBef>
-              <a:spcAft>
-                <a:spcPct val="0"/>
-              </a:spcAft>
-              <a:defRPr sz="2000">
-                <a:solidFill>
-                  <a:schemeClr val="tx1"/>
-                </a:solidFill>
-                <a:latin typeface="Arial" charset="0"/>
-                <a:ea typeface="Arial" charset="0"/>
-                <a:cs typeface="Arial" charset="0"/>
-              </a:defRPr>
-            </a:lvl7pPr>
-            <a:lvl8pPr marL="3429000" indent="-228600" eaLnBrk="0" fontAlgn="base" hangingPunct="0">
-              <a:spcBef>
-                <a:spcPct val="0"/>
-              </a:spcBef>
-              <a:spcAft>
-                <a:spcPct val="0"/>
-              </a:spcAft>
-              <a:defRPr sz="2000">
-                <a:solidFill>
-                  <a:schemeClr val="tx1"/>
-                </a:solidFill>
-                <a:latin typeface="Arial" charset="0"/>
-                <a:ea typeface="Arial" charset="0"/>
-                <a:cs typeface="Arial" charset="0"/>
-              </a:defRPr>
-            </a:lvl8pPr>
-            <a:lvl9pPr marL="3886200" indent="-228600" eaLnBrk="0" fontAlgn="base" hangingPunct="0">
-              <a:spcBef>
-                <a:spcPct val="0"/>
-              </a:spcBef>
-              <a:spcAft>
-                <a:spcPct val="0"/>
-              </a:spcAft>
-              <a:defRPr sz="2000">
-                <a:solidFill>
-                  <a:schemeClr val="tx1"/>
-                </a:solidFill>
-                <a:latin typeface="Arial" charset="0"/>
-                <a:ea typeface="Arial" charset="0"/>
-                <a:cs typeface="Arial" charset="0"/>
-              </a:defRPr>
-            </a:lvl9pPr>
-          </a:lstStyle>
-          <a:p>
-            <a:fld id="{33843085-C127-AB49-AEF8-959CA7F10BD8}" type="slidenum">
-              <a:rPr lang="en-US" sz="1200"/>
-              <a:pPr/>
-              <a:t>3</a:t>
-            </a:fld>
-            <a:endParaRPr lang="en-US" sz="1200"/>
-          </a:p>
-        </p:txBody>
-      </p:sp>
-      <p:sp>
-        <p:nvSpPr>
-          <p:cNvPr id="124931" name="Rectangle 2"/>
-          <p:cNvSpPr>
-            <a:spLocks noGrp="1" noRot="1" noChangeAspect="1" noChangeArrowheads="1" noTextEdit="1"/>
-          </p:cNvSpPr>
-          <p:nvPr>
-            <p:ph type="sldImg"/>
-          </p:nvPr>
-        </p:nvSpPr>
-        <p:spPr>
-          <a:ln/>
-        </p:spPr>
-      </p:sp>
-      <p:sp>
-        <p:nvSpPr>
-          <p:cNvPr id="124932" name="Rectangle 3"/>
-          <p:cNvSpPr>
-            <a:spLocks noGrp="1" noChangeArrowheads="1"/>
-          </p:cNvSpPr>
-          <p:nvPr>
-            <p:ph type="body" idx="1"/>
-          </p:nvPr>
-        </p:nvSpPr>
-        <p:spPr>
-          <a:noFill/>
-          <a:ln/>
-          <a:extLst>
-            <a:ext uri="{909E8E84-426E-40dd-AFC4-6F175D3DCCD1}">
-              <a14:hiddenFill xmlns:a14="http://schemas.microsoft.com/office/drawing/2010/main">
-                <a:solidFill>
-                  <a:srgbClr val="FFFFFF"/>
-                </a:solidFill>
-              </a14:hiddenFill>
-            </a:ext>
-            <a:ext uri="{91240B29-F687-4f45-9708-019B960494DF}">
-              <a14:hiddenLine xmlns:a14="http://schemas.microsoft.com/office/drawing/2010/main" w="9525">
-                <a:solidFill>
-                  <a:srgbClr val="000000"/>
-                </a:solidFill>
-                <a:miter lim="800000"/>
-                <a:headEnd/>
-                <a:tailEnd/>
-              </a14:hiddenLine>
-            </a:ext>
-            <a:ext uri="{FAA26D3D-D897-4be2-8F04-BA451C77F1D7}">
-              <ma14:placeholderFlag xmlns:ma14="http://schemas.microsoft.com/office/mac/drawingml/2011/main" val="1"/>
-            </a:ext>
-          </a:extLst>
-        </p:spPr>
-        <p:txBody>
-          <a:bodyPr/>
-          <a:lstStyle/>
-          <a:p>
-            <a:pPr eaLnBrk="1" hangingPunct="1"/>
-            <a:endParaRPr lang="en-US"/>
-          </a:p>
-        </p:txBody>
-      </p:sp>
-    </p:spTree>
-  </p:cSld>
-  <p:clrMapOvr>
-    <a:masterClrMapping/>
-  </p:clrMapOvr>
-</p:notes>
-</file>
-
-<file path=ppt/notesSlides/notesSlide20.xml><?xml version="1.0" encoding="utf-8"?>
+<file path=ppt/notesSlides/notesSlide21.xml><?xml version="1.0" encoding="utf-8"?>
 <p:notes xmlns:a="http://schemas.openxmlformats.org/drawingml/2006/main" xmlns:r="http://schemas.openxmlformats.org/officeDocument/2006/relationships" xmlns:p="http://schemas.openxmlformats.org/presentationml/2006/main">
   <p:cSld>
     <p:spTree>
@@ -3883,7 +3968,7 @@
 </p:notes>
 </file>
 
-<file path=ppt/notesSlides/notesSlide21.xml><?xml version="1.0" encoding="utf-8"?>
+<file path=ppt/notesSlides/notesSlide22.xml><?xml version="1.0" encoding="utf-8"?>
 <p:notes xmlns:a="http://schemas.openxmlformats.org/drawingml/2006/main" xmlns:r="http://schemas.openxmlformats.org/officeDocument/2006/relationships" xmlns:p="http://schemas.openxmlformats.org/presentationml/2006/main">
   <p:cSld>
     <p:spTree>
@@ -4119,7 +4204,7 @@
 </p:notes>
 </file>
 
-<file path=ppt/notesSlides/notesSlide22.xml><?xml version="1.0" encoding="utf-8"?>
+<file path=ppt/notesSlides/notesSlide23.xml><?xml version="1.0" encoding="utf-8"?>
 <p:notes xmlns:a="http://schemas.openxmlformats.org/drawingml/2006/main" xmlns:r="http://schemas.openxmlformats.org/officeDocument/2006/relationships" xmlns:p="http://schemas.openxmlformats.org/presentationml/2006/main">
   <p:cSld>
     <p:spTree>
@@ -4355,7 +4440,7 @@
 </p:notes>
 </file>
 
-<file path=ppt/notesSlides/notesSlide23.xml><?xml version="1.0" encoding="utf-8"?>
+<file path=ppt/notesSlides/notesSlide24.xml><?xml version="1.0" encoding="utf-8"?>
 <p:notes xmlns:a="http://schemas.openxmlformats.org/drawingml/2006/main" xmlns:r="http://schemas.openxmlformats.org/officeDocument/2006/relationships" xmlns:p="http://schemas.openxmlformats.org/presentationml/2006/main">
   <p:cSld>
     <p:spTree>
@@ -4584,153 +4669,6 @@
         </p:txBody>
       </p:sp>
     </p:spTree>
-  </p:cSld>
-  <p:clrMapOvr>
-    <a:masterClrMapping/>
-  </p:clrMapOvr>
-</p:notes>
-</file>
-
-<file path=ppt/notesSlides/notesSlide24.xml><?xml version="1.0" encoding="utf-8"?>
-<p:notes xmlns:a="http://schemas.openxmlformats.org/drawingml/2006/main" xmlns:r="http://schemas.openxmlformats.org/officeDocument/2006/relationships" xmlns:p="http://schemas.openxmlformats.org/presentationml/2006/main">
-  <p:cSld>
-    <p:spTree>
-      <p:nvGrpSpPr>
-        <p:cNvPr id="1" name=""/>
-        <p:cNvGrpSpPr/>
-        <p:nvPr/>
-      </p:nvGrpSpPr>
-      <p:grpSpPr>
-        <a:xfrm>
-          <a:off x="0" y="0"/>
-          <a:ext cx="0" cy="0"/>
-          <a:chOff x="0" y="0"/>
-          <a:chExt cx="0" cy="0"/>
-        </a:xfrm>
-      </p:grpSpPr>
-      <p:sp>
-        <p:nvSpPr>
-          <p:cNvPr id="2" name="Slide Image Placeholder 1"/>
-          <p:cNvSpPr>
-            <a:spLocks noGrp="1" noRot="1" noChangeAspect="1"/>
-          </p:cNvSpPr>
-          <p:nvPr>
-            <p:ph type="sldImg"/>
-          </p:nvPr>
-        </p:nvSpPr>
-        <p:spPr/>
-      </p:sp>
-      <p:sp>
-        <p:nvSpPr>
-          <p:cNvPr id="3" name="Notes Placeholder 2"/>
-          <p:cNvSpPr>
-            <a:spLocks noGrp="1"/>
-          </p:cNvSpPr>
-          <p:nvPr>
-            <p:ph type="body" idx="1"/>
-          </p:nvPr>
-        </p:nvSpPr>
-        <p:spPr/>
-        <p:txBody>
-          <a:bodyPr/>
-          <a:lstStyle/>
-          <a:p>
-            <a:pPr lvl="1" eaLnBrk="1" hangingPunct="1">
-              <a:lnSpc>
-                <a:spcPct val="90000"/>
-              </a:lnSpc>
-            </a:pPr>
-            <a:r>
-              <a:rPr lang="en-US" dirty="0" smtClean="0">
-                <a:latin typeface="Arial" charset="0"/>
-              </a:rPr>
-              <a:t>Similar principle to computing confidence</a:t>
-            </a:r>
-          </a:p>
-          <a:p>
-            <a:pPr lvl="1" eaLnBrk="1" hangingPunct="1">
-              <a:lnSpc>
-                <a:spcPct val="90000"/>
-              </a:lnSpc>
-            </a:pPr>
-            <a:r>
-              <a:rPr lang="en-US" dirty="0" smtClean="0">
-                <a:latin typeface="Arial" charset="0"/>
-              </a:rPr>
-              <a:t>Lowering the confidence value causes more pruning</a:t>
-            </a:r>
-          </a:p>
-          <a:p>
-            <a:pPr lvl="1" eaLnBrk="1" hangingPunct="1">
-              <a:lnSpc>
-                <a:spcPct val="90000"/>
-              </a:lnSpc>
-            </a:pPr>
-            <a:r>
-              <a:rPr lang="en-US" dirty="0" smtClean="0">
-                <a:latin typeface="Arial" charset="0"/>
-              </a:rPr>
-              <a:t>We use the estimate </a:t>
-            </a:r>
-            <a:r>
-              <a:rPr lang="ja-JP" altLang="en-US" dirty="0" smtClean="0">
-                <a:latin typeface="Arial" charset="0"/>
-              </a:rPr>
-              <a:t>“</a:t>
-            </a:r>
-            <a:r>
-              <a:rPr lang="en-US" dirty="0" smtClean="0">
-                <a:latin typeface="Arial" charset="0"/>
-              </a:rPr>
-              <a:t>pessimistically</a:t>
-            </a:r>
-            <a:r>
-              <a:rPr lang="ja-JP" altLang="en-US" dirty="0" smtClean="0">
-                <a:latin typeface="Arial" charset="0"/>
-              </a:rPr>
-              <a:t>”</a:t>
-            </a:r>
-            <a:r>
-              <a:rPr lang="en-US" dirty="0" smtClean="0">
-                <a:latin typeface="Arial" charset="0"/>
-              </a:rPr>
-              <a:t> by using the upper confidence limit on the error estimate</a:t>
-            </a:r>
-          </a:p>
-          <a:p>
-            <a:endParaRPr lang="en-US" dirty="0"/>
-          </a:p>
-        </p:txBody>
-      </p:sp>
-      <p:sp>
-        <p:nvSpPr>
-          <p:cNvPr id="4" name="Slide Number Placeholder 3"/>
-          <p:cNvSpPr>
-            <a:spLocks noGrp="1"/>
-          </p:cNvSpPr>
-          <p:nvPr>
-            <p:ph type="sldNum" sz="quarter" idx="10"/>
-          </p:nvPr>
-        </p:nvSpPr>
-        <p:spPr/>
-        <p:txBody>
-          <a:bodyPr/>
-          <a:lstStyle/>
-          <a:p>
-            <a:fld id="{FD66F34B-9C4D-8640-BB34-4C24A79C9FFB}" type="slidenum">
-              <a:rPr lang="en-US" smtClean="0"/>
-              <a:t>25</a:t>
-            </a:fld>
-            <a:endParaRPr lang="en-US"/>
-          </a:p>
-        </p:txBody>
-      </p:sp>
-    </p:spTree>
-    <p:extLst>
-      <p:ext uri="{BB962C8B-B14F-4D97-AF65-F5344CB8AC3E}">
-        <p14:creationId xmlns:p14="http://schemas.microsoft.com/office/powerpoint/2010/main" val="2435676291"/>
-      </p:ext>
-    </p:extLst>
   </p:cSld>
   <p:clrMapOvr>
     <a:masterClrMapping/>
@@ -4791,6 +4729,32 @@
               <a:rPr lang="en-US" dirty="0" smtClean="0">
                 <a:latin typeface="Arial" charset="0"/>
               </a:rPr>
+              <a:t>Similar principle to computing confidence</a:t>
+            </a:r>
+          </a:p>
+          <a:p>
+            <a:pPr lvl="1" eaLnBrk="1" hangingPunct="1">
+              <a:lnSpc>
+                <a:spcPct val="90000"/>
+              </a:lnSpc>
+            </a:pPr>
+            <a:r>
+              <a:rPr lang="en-US" dirty="0" smtClean="0">
+                <a:latin typeface="Arial" charset="0"/>
+              </a:rPr>
+              <a:t>Lowering the confidence value causes more pruning</a:t>
+            </a:r>
+          </a:p>
+          <a:p>
+            <a:pPr lvl="1" eaLnBrk="1" hangingPunct="1">
+              <a:lnSpc>
+                <a:spcPct val="90000"/>
+              </a:lnSpc>
+            </a:pPr>
+            <a:r>
+              <a:rPr lang="en-US" dirty="0" smtClean="0">
+                <a:latin typeface="Arial" charset="0"/>
+              </a:rPr>
               <a:t>We use the estimate </a:t>
             </a:r>
             <a:r>
@@ -4840,7 +4804,7 @@
           <a:p>
             <a:fld id="{FD66F34B-9C4D-8640-BB34-4C24A79C9FFB}" type="slidenum">
               <a:rPr lang="en-US" smtClean="0"/>
-              <a:t>26</a:t>
+              <a:t>25</a:t>
             </a:fld>
             <a:endParaRPr lang="en-US"/>
           </a:p>
@@ -4912,32 +4876,6 @@
               <a:rPr lang="en-US" dirty="0" smtClean="0">
                 <a:latin typeface="Arial" charset="0"/>
               </a:rPr>
-              <a:t>Similar principle to computing confidence</a:t>
-            </a:r>
-          </a:p>
-          <a:p>
-            <a:pPr lvl="1" eaLnBrk="1" hangingPunct="1">
-              <a:lnSpc>
-                <a:spcPct val="90000"/>
-              </a:lnSpc>
-            </a:pPr>
-            <a:r>
-              <a:rPr lang="en-US" dirty="0" smtClean="0">
-                <a:latin typeface="Arial" charset="0"/>
-              </a:rPr>
-              <a:t>Lowering the confidence value causes more pruning</a:t>
-            </a:r>
-          </a:p>
-          <a:p>
-            <a:pPr lvl="1" eaLnBrk="1" hangingPunct="1">
-              <a:lnSpc>
-                <a:spcPct val="90000"/>
-              </a:lnSpc>
-            </a:pPr>
-            <a:r>
-              <a:rPr lang="en-US" dirty="0" smtClean="0">
-                <a:latin typeface="Arial" charset="0"/>
-              </a:rPr>
               <a:t>We use the estimate </a:t>
             </a:r>
             <a:r>
@@ -4987,7 +4925,7 @@
           <a:p>
             <a:fld id="{FD66F34B-9C4D-8640-BB34-4C24A79C9FFB}" type="slidenum">
               <a:rPr lang="en-US" smtClean="0"/>
-              <a:t>27</a:t>
+              <a:t>26</a:t>
             </a:fld>
             <a:endParaRPr lang="en-US"/>
           </a:p>
@@ -5050,20 +4988,66 @@
           <a:bodyPr/>
           <a:lstStyle/>
           <a:p>
-            <a:r>
-              <a:rPr lang="en-US" dirty="0" smtClean="0"/>
-              <a:t>If the difference is big enough then we feel it is worth the risk of additional complexity/</a:t>
-            </a:r>
-            <a:r>
-              <a:rPr lang="en-US" dirty="0" err="1" smtClean="0"/>
-              <a:t>overfitting</a:t>
-            </a:r>
-            <a:endParaRPr lang="en-US" dirty="0" smtClean="0"/>
-          </a:p>
-          <a:p>
-            <a:r>
-              <a:rPr lang="en-US" dirty="0" smtClean="0"/>
-              <a:t>Otherwise we cannot conclude that the difference in accuracy is real</a:t>
+            <a:pPr lvl="1" eaLnBrk="1" hangingPunct="1">
+              <a:lnSpc>
+                <a:spcPct val="90000"/>
+              </a:lnSpc>
+            </a:pPr>
+            <a:r>
+              <a:rPr lang="en-US" dirty="0" smtClean="0">
+                <a:latin typeface="Arial" charset="0"/>
+              </a:rPr>
+              <a:t>Similar principle to computing confidence</a:t>
+            </a:r>
+          </a:p>
+          <a:p>
+            <a:pPr lvl="1" eaLnBrk="1" hangingPunct="1">
+              <a:lnSpc>
+                <a:spcPct val="90000"/>
+              </a:lnSpc>
+            </a:pPr>
+            <a:r>
+              <a:rPr lang="en-US" dirty="0" smtClean="0">
+                <a:latin typeface="Arial" charset="0"/>
+              </a:rPr>
+              <a:t>Lowering the confidence value causes more pruning</a:t>
+            </a:r>
+          </a:p>
+          <a:p>
+            <a:pPr lvl="1" eaLnBrk="1" hangingPunct="1">
+              <a:lnSpc>
+                <a:spcPct val="90000"/>
+              </a:lnSpc>
+            </a:pPr>
+            <a:r>
+              <a:rPr lang="en-US" dirty="0" smtClean="0">
+                <a:latin typeface="Arial" charset="0"/>
+              </a:rPr>
+              <a:t>We use the estimate </a:t>
+            </a:r>
+            <a:r>
+              <a:rPr lang="ja-JP" altLang="en-US" dirty="0" smtClean="0">
+                <a:latin typeface="Arial" charset="0"/>
+              </a:rPr>
+              <a:t>“</a:t>
+            </a:r>
+            <a:r>
+              <a:rPr lang="en-US" dirty="0" smtClean="0">
+                <a:latin typeface="Arial" charset="0"/>
+              </a:rPr>
+              <a:t>pessimistically</a:t>
+            </a:r>
+            <a:r>
+              <a:rPr lang="ja-JP" altLang="en-US" dirty="0" smtClean="0">
+                <a:latin typeface="Arial" charset="0"/>
+              </a:rPr>
+              <a:t>”</a:t>
+            </a:r>
+            <a:r>
+              <a:rPr lang="en-US" dirty="0" smtClean="0">
+                <a:latin typeface="Arial" charset="0"/>
+              </a:rPr>
+              <a:t> by using the upper confidence limit on the error estimate</a:t>
             </a:r>
           </a:p>
           <a:p>
@@ -5088,6 +5072,107 @@
           <a:p>
             <a:fld id="{FD66F34B-9C4D-8640-BB34-4C24A79C9FFB}" type="slidenum">
               <a:rPr lang="en-US" smtClean="0"/>
+              <a:t>27</a:t>
+            </a:fld>
+            <a:endParaRPr lang="en-US"/>
+          </a:p>
+        </p:txBody>
+      </p:sp>
+    </p:spTree>
+    <p:extLst>
+      <p:ext uri="{BB962C8B-B14F-4D97-AF65-F5344CB8AC3E}">
+        <p14:creationId xmlns:p14="http://schemas.microsoft.com/office/powerpoint/2010/main" val="2435676291"/>
+      </p:ext>
+    </p:extLst>
+  </p:cSld>
+  <p:clrMapOvr>
+    <a:masterClrMapping/>
+  </p:clrMapOvr>
+</p:notes>
+</file>
+
+<file path=ppt/notesSlides/notesSlide28.xml><?xml version="1.0" encoding="utf-8"?>
+<p:notes xmlns:a="http://schemas.openxmlformats.org/drawingml/2006/main" xmlns:r="http://schemas.openxmlformats.org/officeDocument/2006/relationships" xmlns:p="http://schemas.openxmlformats.org/presentationml/2006/main">
+  <p:cSld>
+    <p:spTree>
+      <p:nvGrpSpPr>
+        <p:cNvPr id="1" name=""/>
+        <p:cNvGrpSpPr/>
+        <p:nvPr/>
+      </p:nvGrpSpPr>
+      <p:grpSpPr>
+        <a:xfrm>
+          <a:off x="0" y="0"/>
+          <a:ext cx="0" cy="0"/>
+          <a:chOff x="0" y="0"/>
+          <a:chExt cx="0" cy="0"/>
+        </a:xfrm>
+      </p:grpSpPr>
+      <p:sp>
+        <p:nvSpPr>
+          <p:cNvPr id="2" name="Slide Image Placeholder 1"/>
+          <p:cNvSpPr>
+            <a:spLocks noGrp="1" noRot="1" noChangeAspect="1"/>
+          </p:cNvSpPr>
+          <p:nvPr>
+            <p:ph type="sldImg"/>
+          </p:nvPr>
+        </p:nvSpPr>
+        <p:spPr/>
+      </p:sp>
+      <p:sp>
+        <p:nvSpPr>
+          <p:cNvPr id="3" name="Notes Placeholder 2"/>
+          <p:cNvSpPr>
+            <a:spLocks noGrp="1"/>
+          </p:cNvSpPr>
+          <p:nvPr>
+            <p:ph type="body" idx="1"/>
+          </p:nvPr>
+        </p:nvSpPr>
+        <p:spPr/>
+        <p:txBody>
+          <a:bodyPr/>
+          <a:lstStyle/>
+          <a:p>
+            <a:r>
+              <a:rPr lang="en-US" dirty="0" smtClean="0"/>
+              <a:t>If the difference is big enough then we feel it is worth the risk of additional complexity/</a:t>
+            </a:r>
+            <a:r>
+              <a:rPr lang="en-US" dirty="0" err="1" smtClean="0"/>
+              <a:t>overfitting</a:t>
+            </a:r>
+            <a:endParaRPr lang="en-US" dirty="0" smtClean="0"/>
+          </a:p>
+          <a:p>
+            <a:r>
+              <a:rPr lang="en-US" dirty="0" smtClean="0"/>
+              <a:t>Otherwise we cannot conclude that the difference in accuracy is real</a:t>
+            </a:r>
+          </a:p>
+          <a:p>
+            <a:endParaRPr lang="en-US" dirty="0"/>
+          </a:p>
+        </p:txBody>
+      </p:sp>
+      <p:sp>
+        <p:nvSpPr>
+          <p:cNvPr id="4" name="Slide Number Placeholder 3"/>
+          <p:cNvSpPr>
+            <a:spLocks noGrp="1"/>
+          </p:cNvSpPr>
+          <p:nvPr>
+            <p:ph type="sldNum" sz="quarter" idx="10"/>
+          </p:nvPr>
+        </p:nvSpPr>
+        <p:spPr/>
+        <p:txBody>
+          <a:bodyPr/>
+          <a:lstStyle/>
+          <a:p>
+            <a:fld id="{FD66F34B-9C4D-8640-BB34-4C24A79C9FFB}" type="slidenum">
+              <a:rPr lang="en-US" smtClean="0"/>
               <a:t>29</a:t>
             </a:fld>
             <a:endParaRPr lang="en-US"/>
@@ -5107,7 +5192,7 @@
 </p:notes>
 </file>
 
-<file path=ppt/notesSlides/notesSlide28.xml><?xml version="1.0" encoding="utf-8"?>
+<file path=ppt/notesSlides/notesSlide29.xml><?xml version="1.0" encoding="utf-8"?>
 <p:notes xmlns:a="http://schemas.openxmlformats.org/drawingml/2006/main" xmlns:r="http://schemas.openxmlformats.org/officeDocument/2006/relationships" xmlns:p="http://schemas.openxmlformats.org/presentationml/2006/main">
   <p:cSld>
     <p:spTree>
@@ -5343,7 +5428,252 @@
 </p:notes>
 </file>
 
-<file path=ppt/notesSlides/notesSlide29.xml><?xml version="1.0" encoding="utf-8"?>
+<file path=ppt/notesSlides/notesSlide3.xml><?xml version="1.0" encoding="utf-8"?>
+<p:notes xmlns:a="http://schemas.openxmlformats.org/drawingml/2006/main" xmlns:r="http://schemas.openxmlformats.org/officeDocument/2006/relationships" xmlns:p="http://schemas.openxmlformats.org/presentationml/2006/main">
+  <p:cSld>
+    <p:spTree>
+      <p:nvGrpSpPr>
+        <p:cNvPr id="1" name=""/>
+        <p:cNvGrpSpPr/>
+        <p:nvPr/>
+      </p:nvGrpSpPr>
+      <p:grpSpPr>
+        <a:xfrm>
+          <a:off x="0" y="0"/>
+          <a:ext cx="0" cy="0"/>
+          <a:chOff x="0" y="0"/>
+          <a:chExt cx="0" cy="0"/>
+        </a:xfrm>
+      </p:grpSpPr>
+      <p:sp>
+        <p:nvSpPr>
+          <p:cNvPr id="124930" name="Rectangle 7"/>
+          <p:cNvSpPr>
+            <a:spLocks noGrp="1" noChangeArrowheads="1"/>
+          </p:cNvSpPr>
+          <p:nvPr>
+            <p:ph type="sldNum" sz="quarter" idx="5"/>
+          </p:nvPr>
+        </p:nvSpPr>
+        <p:spPr>
+          <a:noFill/>
+          <a:ln/>
+          <a:extLst>
+            <a:ext uri="{909E8E84-426E-40dd-AFC4-6F175D3DCCD1}">
+              <a14:hiddenFill xmlns:a14="http://schemas.microsoft.com/office/drawing/2010/main">
+                <a:solidFill>
+                  <a:srgbClr val="FFFFFF"/>
+                </a:solidFill>
+              </a14:hiddenFill>
+            </a:ext>
+            <a:ext uri="{91240B29-F687-4f45-9708-019B960494DF}">
+              <a14:hiddenLine xmlns:a14="http://schemas.microsoft.com/office/drawing/2010/main" w="9525">
+                <a:solidFill>
+                  <a:srgbClr val="000000"/>
+                </a:solidFill>
+                <a:miter lim="800000"/>
+                <a:headEnd/>
+                <a:tailEnd/>
+              </a14:hiddenLine>
+            </a:ext>
+          </a:extLst>
+        </p:spPr>
+        <p:txBody>
+          <a:bodyPr/>
+          <a:lstStyle>
+            <a:lvl1pPr>
+              <a:defRPr sz="2000">
+                <a:solidFill>
+                  <a:schemeClr val="tx1"/>
+                </a:solidFill>
+                <a:latin typeface="Arial" charset="0"/>
+                <a:ea typeface="ＭＳ Ｐゴシック" charset="0"/>
+                <a:cs typeface="Arial" charset="0"/>
+              </a:defRPr>
+            </a:lvl1pPr>
+            <a:lvl2pPr marL="742950" indent="-285750">
+              <a:defRPr sz="2000">
+                <a:solidFill>
+                  <a:schemeClr val="tx1"/>
+                </a:solidFill>
+                <a:latin typeface="Arial" charset="0"/>
+                <a:ea typeface="Arial" charset="0"/>
+                <a:cs typeface="Arial" charset="0"/>
+              </a:defRPr>
+            </a:lvl2pPr>
+            <a:lvl3pPr marL="1143000" indent="-228600">
+              <a:defRPr sz="2000">
+                <a:solidFill>
+                  <a:schemeClr val="tx1"/>
+                </a:solidFill>
+                <a:latin typeface="Arial" charset="0"/>
+                <a:ea typeface="Arial" charset="0"/>
+                <a:cs typeface="Arial" charset="0"/>
+              </a:defRPr>
+            </a:lvl3pPr>
+            <a:lvl4pPr marL="1600200" indent="-228600">
+              <a:defRPr sz="2000">
+                <a:solidFill>
+                  <a:schemeClr val="tx1"/>
+                </a:solidFill>
+                <a:latin typeface="Arial" charset="0"/>
+                <a:ea typeface="Arial" charset="0"/>
+                <a:cs typeface="Arial" charset="0"/>
+              </a:defRPr>
+            </a:lvl4pPr>
+            <a:lvl5pPr marL="2057400" indent="-228600">
+              <a:defRPr sz="2000">
+                <a:solidFill>
+                  <a:schemeClr val="tx1"/>
+                </a:solidFill>
+                <a:latin typeface="Arial" charset="0"/>
+                <a:ea typeface="Arial" charset="0"/>
+                <a:cs typeface="Arial" charset="0"/>
+              </a:defRPr>
+            </a:lvl5pPr>
+            <a:lvl6pPr marL="2514600" indent="-228600" eaLnBrk="0" fontAlgn="base" hangingPunct="0">
+              <a:spcBef>
+                <a:spcPct val="0"/>
+              </a:spcBef>
+              <a:spcAft>
+                <a:spcPct val="0"/>
+              </a:spcAft>
+              <a:defRPr sz="2000">
+                <a:solidFill>
+                  <a:schemeClr val="tx1"/>
+                </a:solidFill>
+                <a:latin typeface="Arial" charset="0"/>
+                <a:ea typeface="Arial" charset="0"/>
+                <a:cs typeface="Arial" charset="0"/>
+              </a:defRPr>
+            </a:lvl6pPr>
+            <a:lvl7pPr marL="2971800" indent="-228600" eaLnBrk="0" fontAlgn="base" hangingPunct="0">
+              <a:spcBef>
+                <a:spcPct val="0"/>
+              </a:spcBef>
+              <a:spcAft>
+                <a:spcPct val="0"/>
+              </a:spcAft>
+              <a:defRPr sz="2000">
+                <a:solidFill>
+                  <a:schemeClr val="tx1"/>
+                </a:solidFill>
+                <a:latin typeface="Arial" charset="0"/>
+                <a:ea typeface="Arial" charset="0"/>
+                <a:cs typeface="Arial" charset="0"/>
+              </a:defRPr>
+            </a:lvl7pPr>
+            <a:lvl8pPr marL="3429000" indent="-228600" eaLnBrk="0" fontAlgn="base" hangingPunct="0">
+              <a:spcBef>
+                <a:spcPct val="0"/>
+              </a:spcBef>
+              <a:spcAft>
+                <a:spcPct val="0"/>
+              </a:spcAft>
+              <a:defRPr sz="2000">
+                <a:solidFill>
+                  <a:schemeClr val="tx1"/>
+                </a:solidFill>
+                <a:latin typeface="Arial" charset="0"/>
+                <a:ea typeface="Arial" charset="0"/>
+                <a:cs typeface="Arial" charset="0"/>
+              </a:defRPr>
+            </a:lvl8pPr>
+            <a:lvl9pPr marL="3886200" indent="-228600" eaLnBrk="0" fontAlgn="base" hangingPunct="0">
+              <a:spcBef>
+                <a:spcPct val="0"/>
+              </a:spcBef>
+              <a:spcAft>
+                <a:spcPct val="0"/>
+              </a:spcAft>
+              <a:defRPr sz="2000">
+                <a:solidFill>
+                  <a:schemeClr val="tx1"/>
+                </a:solidFill>
+                <a:latin typeface="Arial" charset="0"/>
+                <a:ea typeface="Arial" charset="0"/>
+                <a:cs typeface="Arial" charset="0"/>
+              </a:defRPr>
+            </a:lvl9pPr>
+          </a:lstStyle>
+          <a:p>
+            <a:fld id="{33843085-C127-AB49-AEF8-959CA7F10BD8}" type="slidenum">
+              <a:rPr lang="en-US" sz="1200"/>
+              <a:pPr/>
+              <a:t>3</a:t>
+            </a:fld>
+            <a:endParaRPr lang="en-US" sz="1200"/>
+          </a:p>
+        </p:txBody>
+      </p:sp>
+      <p:sp>
+        <p:nvSpPr>
+          <p:cNvPr id="124931" name="Rectangle 2"/>
+          <p:cNvSpPr>
+            <a:spLocks noGrp="1" noRot="1" noChangeAspect="1" noChangeArrowheads="1" noTextEdit="1"/>
+          </p:cNvSpPr>
+          <p:nvPr>
+            <p:ph type="sldImg"/>
+          </p:nvPr>
+        </p:nvSpPr>
+        <p:spPr>
+          <a:ln/>
+        </p:spPr>
+      </p:sp>
+      <p:sp>
+        <p:nvSpPr>
+          <p:cNvPr id="124932" name="Rectangle 3"/>
+          <p:cNvSpPr>
+            <a:spLocks noGrp="1" noChangeArrowheads="1"/>
+          </p:cNvSpPr>
+          <p:nvPr>
+            <p:ph type="body" idx="1"/>
+          </p:nvPr>
+        </p:nvSpPr>
+        <p:spPr>
+          <a:noFill/>
+          <a:ln/>
+          <a:extLst>
+            <a:ext uri="{909E8E84-426E-40dd-AFC4-6F175D3DCCD1}">
+              <a14:hiddenFill xmlns:a14="http://schemas.microsoft.com/office/drawing/2010/main">
+                <a:solidFill>
+                  <a:srgbClr val="FFFFFF"/>
+                </a:solidFill>
+              </a14:hiddenFill>
+            </a:ext>
+            <a:ext uri="{91240B29-F687-4f45-9708-019B960494DF}">
+              <a14:hiddenLine xmlns:a14="http://schemas.microsoft.com/office/drawing/2010/main" w="9525">
+                <a:solidFill>
+                  <a:srgbClr val="000000"/>
+                </a:solidFill>
+                <a:miter lim="800000"/>
+                <a:headEnd/>
+                <a:tailEnd/>
+              </a14:hiddenLine>
+            </a:ext>
+            <a:ext uri="{FAA26D3D-D897-4be2-8F04-BA451C77F1D7}">
+              <ma14:placeholderFlag xmlns:ma14="http://schemas.microsoft.com/office/mac/drawingml/2011/main" val="1"/>
+            </a:ext>
+          </a:extLst>
+        </p:spPr>
+        <p:txBody>
+          <a:bodyPr/>
+          <a:lstStyle/>
+          <a:p>
+            <a:pPr eaLnBrk="1" hangingPunct="1"/>
+            <a:endParaRPr lang="en-US"/>
+          </a:p>
+        </p:txBody>
+      </p:sp>
+    </p:spTree>
+  </p:cSld>
+  <p:clrMapOvr>
+    <a:masterClrMapping/>
+  </p:clrMapOvr>
+</p:notes>
+</file>
+
+<file path=ppt/notesSlides/notesSlide30.xml><?xml version="1.0" encoding="utf-8"?>
 <p:notes xmlns:a="http://schemas.openxmlformats.org/drawingml/2006/main" xmlns:r="http://schemas.openxmlformats.org/officeDocument/2006/relationships" xmlns:p="http://schemas.openxmlformats.org/presentationml/2006/main">
   <p:cSld>
     <p:spTree>
@@ -5588,320 +5918,7 @@
 </p:notes>
 </file>
 
-<file path=ppt/notesSlides/notesSlide3.xml><?xml version="1.0" encoding="utf-8"?>
-<p:notes xmlns:a="http://schemas.openxmlformats.org/drawingml/2006/main" xmlns:r="http://schemas.openxmlformats.org/officeDocument/2006/relationships" xmlns:p="http://schemas.openxmlformats.org/presentationml/2006/main">
-  <p:cSld>
-    <p:spTree>
-      <p:nvGrpSpPr>
-        <p:cNvPr id="1" name=""/>
-        <p:cNvGrpSpPr/>
-        <p:nvPr/>
-      </p:nvGrpSpPr>
-      <p:grpSpPr>
-        <a:xfrm>
-          <a:off x="0" y="0"/>
-          <a:ext cx="0" cy="0"/>
-          <a:chOff x="0" y="0"/>
-          <a:chExt cx="0" cy="0"/>
-        </a:xfrm>
-      </p:grpSpPr>
-      <p:sp>
-        <p:nvSpPr>
-          <p:cNvPr id="81922" name="Slide Image Placeholder 1"/>
-          <p:cNvSpPr>
-            <a:spLocks noGrp="1" noRot="1" noChangeAspect="1" noTextEdit="1"/>
-          </p:cNvSpPr>
-          <p:nvPr>
-            <p:ph type="sldImg"/>
-          </p:nvPr>
-        </p:nvSpPr>
-        <p:spPr>
-          <a:ln/>
-        </p:spPr>
-      </p:sp>
-      <p:sp>
-        <p:nvSpPr>
-          <p:cNvPr id="81923" name="Notes Placeholder 2"/>
-          <p:cNvSpPr>
-            <a:spLocks noGrp="1"/>
-          </p:cNvSpPr>
-          <p:nvPr>
-            <p:ph type="body" idx="1"/>
-          </p:nvPr>
-        </p:nvSpPr>
-        <p:spPr>
-          <a:noFill/>
-          <a:ln/>
-          <a:extLst>
-            <a:ext uri="{909E8E84-426E-40dd-AFC4-6F175D3DCCD1}">
-              <a14:hiddenFill xmlns:a14="http://schemas.microsoft.com/office/drawing/2010/main">
-                <a:solidFill>
-                  <a:srgbClr val="FFFFFF"/>
-                </a:solidFill>
-              </a14:hiddenFill>
-            </a:ext>
-            <a:ext uri="{91240B29-F687-4f45-9708-019B960494DF}">
-              <a14:hiddenLine xmlns:a14="http://schemas.microsoft.com/office/drawing/2010/main" w="9525">
-                <a:solidFill>
-                  <a:srgbClr val="000000"/>
-                </a:solidFill>
-                <a:miter lim="800000"/>
-                <a:headEnd/>
-                <a:tailEnd/>
-              </a14:hiddenLine>
-            </a:ext>
-            <a:ext uri="{FAA26D3D-D897-4be2-8F04-BA451C77F1D7}">
-              <ma14:placeholderFlag xmlns:ma14="http://schemas.microsoft.com/office/mac/drawingml/2011/main" val="1"/>
-            </a:ext>
-          </a:extLst>
-        </p:spPr>
-        <p:txBody>
-          <a:bodyPr/>
-          <a:lstStyle/>
-          <a:p>
-            <a:pPr eaLnBrk="1" hangingPunct="1">
-              <a:buFont typeface="Wingdings" charset="0"/>
-              <a:buNone/>
-            </a:pPr>
-            <a:r>
-              <a:rPr lang="en-US" dirty="0" smtClean="0">
-                <a:latin typeface="Arial" charset="0"/>
-              </a:rPr>
-              <a:t>Uses simple nested conditional structure</a:t>
-            </a:r>
-          </a:p>
-          <a:p>
-            <a:pPr lvl="1" eaLnBrk="1" hangingPunct="1"/>
-            <a:r>
-              <a:rPr lang="en-US" dirty="0" smtClean="0">
-                <a:latin typeface="Arial" charset="0"/>
-              </a:rPr>
-              <a:t>Tree structured</a:t>
-            </a:r>
-          </a:p>
-          <a:p>
-            <a:pPr lvl="1" eaLnBrk="1" hangingPunct="1"/>
-            <a:r>
-              <a:rPr lang="en-US" dirty="0" smtClean="0">
-                <a:latin typeface="Arial" charset="0"/>
-              </a:rPr>
-              <a:t>At each interior node we look at one feature </a:t>
-            </a:r>
-          </a:p>
-          <a:p>
-            <a:pPr lvl="1" eaLnBrk="1" hangingPunct="1"/>
-            <a:r>
-              <a:rPr lang="en-US" dirty="0" smtClean="0">
-                <a:latin typeface="Arial" charset="0"/>
-              </a:rPr>
-              <a:t>Value of this feature selects a sub-tree for making the rest of the decision </a:t>
-            </a:r>
-            <a:r>
-              <a:rPr lang="en-US" sz="2000" dirty="0" smtClean="0">
-                <a:latin typeface="Arial" charset="0"/>
-              </a:rPr>
-              <a:t>(so edges are labeled with feature values)</a:t>
-            </a:r>
-          </a:p>
-          <a:p>
-            <a:pPr lvl="1" eaLnBrk="1" hangingPunct="1"/>
-            <a:r>
-              <a:rPr lang="en-US" dirty="0" smtClean="0">
-                <a:latin typeface="Arial" charset="0"/>
-              </a:rPr>
-              <a:t>At leaves we make a classification (assign the class)</a:t>
-            </a:r>
-          </a:p>
-          <a:p>
-            <a:pPr lvl="1" eaLnBrk="1" hangingPunct="1">
-              <a:buFontTx/>
-              <a:buNone/>
-            </a:pPr>
-            <a:endParaRPr lang="en-US" dirty="0" smtClean="0">
-              <a:latin typeface="Arial" charset="0"/>
-            </a:endParaRPr>
-          </a:p>
-          <a:p>
-            <a:pPr eaLnBrk="1" hangingPunct="1">
-              <a:buFont typeface="Wingdings" charset="0"/>
-              <a:buNone/>
-            </a:pPr>
-            <a:endParaRPr lang="en-US" dirty="0" smtClean="0">
-              <a:latin typeface="Arial" charset="0"/>
-            </a:endParaRPr>
-          </a:p>
-          <a:p>
-            <a:pPr eaLnBrk="1" hangingPunct="1">
-              <a:buFont typeface="Wingdings" charset="0"/>
-              <a:buNone/>
-            </a:pPr>
-            <a:endParaRPr lang="en-US" dirty="0">
-              <a:latin typeface="Arial" charset="0"/>
-            </a:endParaRPr>
-          </a:p>
-        </p:txBody>
-      </p:sp>
-      <p:sp>
-        <p:nvSpPr>
-          <p:cNvPr id="81924" name="Slide Number Placeholder 3"/>
-          <p:cNvSpPr>
-            <a:spLocks noGrp="1"/>
-          </p:cNvSpPr>
-          <p:nvPr>
-            <p:ph type="sldNum" sz="quarter" idx="5"/>
-          </p:nvPr>
-        </p:nvSpPr>
-        <p:spPr>
-          <a:noFill/>
-          <a:ln/>
-          <a:extLst>
-            <a:ext uri="{909E8E84-426E-40dd-AFC4-6F175D3DCCD1}">
-              <a14:hiddenFill xmlns:a14="http://schemas.microsoft.com/office/drawing/2010/main">
-                <a:solidFill>
-                  <a:srgbClr val="FFFFFF"/>
-                </a:solidFill>
-              </a14:hiddenFill>
-            </a:ext>
-            <a:ext uri="{91240B29-F687-4f45-9708-019B960494DF}">
-              <a14:hiddenLine xmlns:a14="http://schemas.microsoft.com/office/drawing/2010/main" w="9525">
-                <a:solidFill>
-                  <a:srgbClr val="000000"/>
-                </a:solidFill>
-                <a:miter lim="800000"/>
-                <a:headEnd/>
-                <a:tailEnd/>
-              </a14:hiddenLine>
-            </a:ext>
-          </a:extLst>
-        </p:spPr>
-        <p:txBody>
-          <a:bodyPr/>
-          <a:lstStyle>
-            <a:lvl1pPr>
-              <a:defRPr>
-                <a:solidFill>
-                  <a:schemeClr val="tx1"/>
-                </a:solidFill>
-                <a:latin typeface="Arial" charset="0"/>
-                <a:ea typeface="ＭＳ Ｐゴシック" charset="0"/>
-              </a:defRPr>
-            </a:lvl1pPr>
-            <a:lvl2pPr marL="742950" indent="-285750">
-              <a:defRPr>
-                <a:solidFill>
-                  <a:schemeClr val="tx1"/>
-                </a:solidFill>
-                <a:latin typeface="Arial" charset="0"/>
-                <a:ea typeface="ＭＳ Ｐゴシック" charset="0"/>
-              </a:defRPr>
-            </a:lvl2pPr>
-            <a:lvl3pPr marL="1143000" indent="-228600">
-              <a:defRPr>
-                <a:solidFill>
-                  <a:schemeClr val="tx1"/>
-                </a:solidFill>
-                <a:latin typeface="Arial" charset="0"/>
-                <a:ea typeface="ＭＳ Ｐゴシック" charset="0"/>
-              </a:defRPr>
-            </a:lvl3pPr>
-            <a:lvl4pPr marL="1600200" indent="-228600">
-              <a:defRPr>
-                <a:solidFill>
-                  <a:schemeClr val="tx1"/>
-                </a:solidFill>
-                <a:latin typeface="Arial" charset="0"/>
-                <a:ea typeface="ＭＳ Ｐゴシック" charset="0"/>
-              </a:defRPr>
-            </a:lvl4pPr>
-            <a:lvl5pPr marL="2057400" indent="-228600">
-              <a:defRPr>
-                <a:solidFill>
-                  <a:schemeClr val="tx1"/>
-                </a:solidFill>
-                <a:latin typeface="Arial" charset="0"/>
-                <a:ea typeface="ＭＳ Ｐゴシック" charset="0"/>
-              </a:defRPr>
-            </a:lvl5pPr>
-            <a:lvl6pPr marL="2514600" indent="-228600" eaLnBrk="0" fontAlgn="base" hangingPunct="0">
-              <a:spcBef>
-                <a:spcPct val="0"/>
-              </a:spcBef>
-              <a:spcAft>
-                <a:spcPct val="0"/>
-              </a:spcAft>
-              <a:defRPr>
-                <a:solidFill>
-                  <a:schemeClr val="tx1"/>
-                </a:solidFill>
-                <a:latin typeface="Arial" charset="0"/>
-                <a:ea typeface="ＭＳ Ｐゴシック" charset="0"/>
-              </a:defRPr>
-            </a:lvl6pPr>
-            <a:lvl7pPr marL="2971800" indent="-228600" eaLnBrk="0" fontAlgn="base" hangingPunct="0">
-              <a:spcBef>
-                <a:spcPct val="0"/>
-              </a:spcBef>
-              <a:spcAft>
-                <a:spcPct val="0"/>
-              </a:spcAft>
-              <a:defRPr>
-                <a:solidFill>
-                  <a:schemeClr val="tx1"/>
-                </a:solidFill>
-                <a:latin typeface="Arial" charset="0"/>
-                <a:ea typeface="ＭＳ Ｐゴシック" charset="0"/>
-              </a:defRPr>
-            </a:lvl7pPr>
-            <a:lvl8pPr marL="3429000" indent="-228600" eaLnBrk="0" fontAlgn="base" hangingPunct="0">
-              <a:spcBef>
-                <a:spcPct val="0"/>
-              </a:spcBef>
-              <a:spcAft>
-                <a:spcPct val="0"/>
-              </a:spcAft>
-              <a:defRPr>
-                <a:solidFill>
-                  <a:schemeClr val="tx1"/>
-                </a:solidFill>
-                <a:latin typeface="Arial" charset="0"/>
-                <a:ea typeface="ＭＳ Ｐゴシック" charset="0"/>
-              </a:defRPr>
-            </a:lvl8pPr>
-            <a:lvl9pPr marL="3886200" indent="-228600" eaLnBrk="0" fontAlgn="base" hangingPunct="0">
-              <a:spcBef>
-                <a:spcPct val="0"/>
-              </a:spcBef>
-              <a:spcAft>
-                <a:spcPct val="0"/>
-              </a:spcAft>
-              <a:defRPr>
-                <a:solidFill>
-                  <a:schemeClr val="tx1"/>
-                </a:solidFill>
-                <a:latin typeface="Arial" charset="0"/>
-                <a:ea typeface="ＭＳ Ｐゴシック" charset="0"/>
-              </a:defRPr>
-            </a:lvl9pPr>
-          </a:lstStyle>
-          <a:p>
-            <a:fld id="{67798AC4-2F23-3D4A-A799-2E16510E92B0}" type="slidenum">
-              <a:rPr lang="en-US"/>
-              <a:pPr/>
-              <a:t>4</a:t>
-            </a:fld>
-            <a:endParaRPr lang="en-US"/>
-          </a:p>
-        </p:txBody>
-      </p:sp>
-    </p:spTree>
-  </p:cSld>
-  <p:clrMapOvr>
-    <a:masterClrMapping/>
-  </p:clrMapOvr>
-</p:notes>
-</file>
-
-<file path=ppt/notesSlides/notesSlide30.xml><?xml version="1.0" encoding="utf-8"?>
+<file path=ppt/notesSlides/notesSlide31.xml><?xml version="1.0" encoding="utf-8"?>
 <p:notes xmlns:a="http://schemas.openxmlformats.org/drawingml/2006/main" xmlns:r="http://schemas.openxmlformats.org/officeDocument/2006/relationships" xmlns:p="http://schemas.openxmlformats.org/presentationml/2006/main">
   <p:cSld>
     <p:spTree>
@@ -6146,7 +6163,7 @@
 </p:notes>
 </file>
 
-<file path=ppt/notesSlides/notesSlide31.xml><?xml version="1.0" encoding="utf-8"?>
+<file path=ppt/notesSlides/notesSlide32.xml><?xml version="1.0" encoding="utf-8"?>
 <p:notes xmlns:a="http://schemas.openxmlformats.org/drawingml/2006/main" xmlns:r="http://schemas.openxmlformats.org/officeDocument/2006/relationships" xmlns:p="http://schemas.openxmlformats.org/presentationml/2006/main">
   <p:cSld>
     <p:spTree>
@@ -6378,251 +6395,6 @@
               <a:rPr lang="en-US" sz="1200"/>
               <a:pPr/>
               <a:t>33</a:t>
-            </a:fld>
-            <a:endParaRPr lang="en-US" sz="1200"/>
-          </a:p>
-        </p:txBody>
-      </p:sp>
-    </p:spTree>
-  </p:cSld>
-  <p:clrMapOvr>
-    <a:masterClrMapping/>
-  </p:clrMapOvr>
-</p:notes>
-</file>
-
-<file path=ppt/notesSlides/notesSlide32.xml><?xml version="1.0" encoding="utf-8"?>
-<p:notes xmlns:a="http://schemas.openxmlformats.org/drawingml/2006/main" xmlns:r="http://schemas.openxmlformats.org/officeDocument/2006/relationships" xmlns:p="http://schemas.openxmlformats.org/presentationml/2006/main">
-  <p:cSld>
-    <p:spTree>
-      <p:nvGrpSpPr>
-        <p:cNvPr id="1" name=""/>
-        <p:cNvGrpSpPr/>
-        <p:nvPr/>
-      </p:nvGrpSpPr>
-      <p:grpSpPr>
-        <a:xfrm>
-          <a:off x="0" y="0"/>
-          <a:ext cx="0" cy="0"/>
-          <a:chOff x="0" y="0"/>
-          <a:chExt cx="0" cy="0"/>
-        </a:xfrm>
-      </p:grpSpPr>
-      <p:sp>
-        <p:nvSpPr>
-          <p:cNvPr id="135170" name="Slide Image Placeholder 1"/>
-          <p:cNvSpPr>
-            <a:spLocks noGrp="1" noRot="1" noChangeAspect="1" noTextEdit="1"/>
-          </p:cNvSpPr>
-          <p:nvPr>
-            <p:ph type="sldImg"/>
-          </p:nvPr>
-        </p:nvSpPr>
-        <p:spPr>
-          <a:ln/>
-        </p:spPr>
-      </p:sp>
-      <p:sp>
-        <p:nvSpPr>
-          <p:cNvPr id="135171" name="Notes Placeholder 2"/>
-          <p:cNvSpPr>
-            <a:spLocks noGrp="1"/>
-          </p:cNvSpPr>
-          <p:nvPr>
-            <p:ph type="body" idx="1"/>
-          </p:nvPr>
-        </p:nvSpPr>
-        <p:spPr>
-          <a:noFill/>
-          <a:ln/>
-          <a:extLst>
-            <a:ext uri="{909E8E84-426E-40dd-AFC4-6F175D3DCCD1}">
-              <a14:hiddenFill xmlns:a14="http://schemas.microsoft.com/office/drawing/2010/main">
-                <a:solidFill>
-                  <a:srgbClr val="FFFFFF"/>
-                </a:solidFill>
-              </a14:hiddenFill>
-            </a:ext>
-            <a:ext uri="{91240B29-F687-4f45-9708-019B960494DF}">
-              <a14:hiddenLine xmlns:a14="http://schemas.microsoft.com/office/drawing/2010/main" w="9525">
-                <a:solidFill>
-                  <a:srgbClr val="000000"/>
-                </a:solidFill>
-                <a:miter lim="800000"/>
-                <a:headEnd/>
-                <a:tailEnd/>
-              </a14:hiddenLine>
-            </a:ext>
-            <a:ext uri="{FAA26D3D-D897-4be2-8F04-BA451C77F1D7}">
-              <ma14:placeholderFlag xmlns:ma14="http://schemas.microsoft.com/office/mac/drawingml/2011/main" val="1"/>
-            </a:ext>
-          </a:extLst>
-        </p:spPr>
-        <p:txBody>
-          <a:bodyPr/>
-          <a:lstStyle/>
-          <a:p>
-            <a:pPr eaLnBrk="1" hangingPunct="1"/>
-            <a:endParaRPr lang="en-US"/>
-          </a:p>
-        </p:txBody>
-      </p:sp>
-      <p:sp>
-        <p:nvSpPr>
-          <p:cNvPr id="135172" name="Slide Number Placeholder 3"/>
-          <p:cNvSpPr>
-            <a:spLocks noGrp="1"/>
-          </p:cNvSpPr>
-          <p:nvPr>
-            <p:ph type="sldNum" sz="quarter" idx="5"/>
-          </p:nvPr>
-        </p:nvSpPr>
-        <p:spPr>
-          <a:noFill/>
-          <a:ln/>
-          <a:extLst>
-            <a:ext uri="{909E8E84-426E-40dd-AFC4-6F175D3DCCD1}">
-              <a14:hiddenFill xmlns:a14="http://schemas.microsoft.com/office/drawing/2010/main">
-                <a:solidFill>
-                  <a:srgbClr val="FFFFFF"/>
-                </a:solidFill>
-              </a14:hiddenFill>
-            </a:ext>
-            <a:ext uri="{91240B29-F687-4f45-9708-019B960494DF}">
-              <a14:hiddenLine xmlns:a14="http://schemas.microsoft.com/office/drawing/2010/main" w="9525">
-                <a:solidFill>
-                  <a:srgbClr val="000000"/>
-                </a:solidFill>
-                <a:miter lim="800000"/>
-                <a:headEnd/>
-                <a:tailEnd/>
-              </a14:hiddenLine>
-            </a:ext>
-          </a:extLst>
-        </p:spPr>
-        <p:txBody>
-          <a:bodyPr/>
-          <a:lstStyle>
-            <a:lvl1pPr>
-              <a:defRPr sz="2000">
-                <a:solidFill>
-                  <a:schemeClr val="tx1"/>
-                </a:solidFill>
-                <a:latin typeface="Arial" charset="0"/>
-                <a:ea typeface="ＭＳ Ｐゴシック" charset="0"/>
-                <a:cs typeface="Arial" charset="0"/>
-              </a:defRPr>
-            </a:lvl1pPr>
-            <a:lvl2pPr marL="742950" indent="-285750">
-              <a:defRPr sz="2000">
-                <a:solidFill>
-                  <a:schemeClr val="tx1"/>
-                </a:solidFill>
-                <a:latin typeface="Arial" charset="0"/>
-                <a:ea typeface="Arial" charset="0"/>
-                <a:cs typeface="Arial" charset="0"/>
-              </a:defRPr>
-            </a:lvl2pPr>
-            <a:lvl3pPr marL="1143000" indent="-228600">
-              <a:defRPr sz="2000">
-                <a:solidFill>
-                  <a:schemeClr val="tx1"/>
-                </a:solidFill>
-                <a:latin typeface="Arial" charset="0"/>
-                <a:ea typeface="Arial" charset="0"/>
-                <a:cs typeface="Arial" charset="0"/>
-              </a:defRPr>
-            </a:lvl3pPr>
-            <a:lvl4pPr marL="1600200" indent="-228600">
-              <a:defRPr sz="2000">
-                <a:solidFill>
-                  <a:schemeClr val="tx1"/>
-                </a:solidFill>
-                <a:latin typeface="Arial" charset="0"/>
-                <a:ea typeface="Arial" charset="0"/>
-                <a:cs typeface="Arial" charset="0"/>
-              </a:defRPr>
-            </a:lvl4pPr>
-            <a:lvl5pPr marL="2057400" indent="-228600">
-              <a:defRPr sz="2000">
-                <a:solidFill>
-                  <a:schemeClr val="tx1"/>
-                </a:solidFill>
-                <a:latin typeface="Arial" charset="0"/>
-                <a:ea typeface="Arial" charset="0"/>
-                <a:cs typeface="Arial" charset="0"/>
-              </a:defRPr>
-            </a:lvl5pPr>
-            <a:lvl6pPr marL="2514600" indent="-228600" eaLnBrk="0" fontAlgn="base" hangingPunct="0">
-              <a:spcBef>
-                <a:spcPct val="0"/>
-              </a:spcBef>
-              <a:spcAft>
-                <a:spcPct val="0"/>
-              </a:spcAft>
-              <a:defRPr sz="2000">
-                <a:solidFill>
-                  <a:schemeClr val="tx1"/>
-                </a:solidFill>
-                <a:latin typeface="Arial" charset="0"/>
-                <a:ea typeface="Arial" charset="0"/>
-                <a:cs typeface="Arial" charset="0"/>
-              </a:defRPr>
-            </a:lvl6pPr>
-            <a:lvl7pPr marL="2971800" indent="-228600" eaLnBrk="0" fontAlgn="base" hangingPunct="0">
-              <a:spcBef>
-                <a:spcPct val="0"/>
-              </a:spcBef>
-              <a:spcAft>
-                <a:spcPct val="0"/>
-              </a:spcAft>
-              <a:defRPr sz="2000">
-                <a:solidFill>
-                  <a:schemeClr val="tx1"/>
-                </a:solidFill>
-                <a:latin typeface="Arial" charset="0"/>
-                <a:ea typeface="Arial" charset="0"/>
-                <a:cs typeface="Arial" charset="0"/>
-              </a:defRPr>
-            </a:lvl7pPr>
-            <a:lvl8pPr marL="3429000" indent="-228600" eaLnBrk="0" fontAlgn="base" hangingPunct="0">
-              <a:spcBef>
-                <a:spcPct val="0"/>
-              </a:spcBef>
-              <a:spcAft>
-                <a:spcPct val="0"/>
-              </a:spcAft>
-              <a:defRPr sz="2000">
-                <a:solidFill>
-                  <a:schemeClr val="tx1"/>
-                </a:solidFill>
-                <a:latin typeface="Arial" charset="0"/>
-                <a:ea typeface="Arial" charset="0"/>
-                <a:cs typeface="Arial" charset="0"/>
-              </a:defRPr>
-            </a:lvl8pPr>
-            <a:lvl9pPr marL="3886200" indent="-228600" eaLnBrk="0" fontAlgn="base" hangingPunct="0">
-              <a:spcBef>
-                <a:spcPct val="0"/>
-              </a:spcBef>
-              <a:spcAft>
-                <a:spcPct val="0"/>
-              </a:spcAft>
-              <a:defRPr sz="2000">
-                <a:solidFill>
-                  <a:schemeClr val="tx1"/>
-                </a:solidFill>
-                <a:latin typeface="Arial" charset="0"/>
-                <a:ea typeface="Arial" charset="0"/>
-                <a:cs typeface="Arial" charset="0"/>
-              </a:defRPr>
-            </a:lvl9pPr>
-          </a:lstStyle>
-          <a:p>
-            <a:fld id="{1420CC6F-B2DE-C144-9ECF-BCD1BEF8687D}" type="slidenum">
-              <a:rPr lang="en-US" sz="1200"/>
-              <a:pPr/>
-              <a:t>34</a:t>
             </a:fld>
             <a:endParaRPr lang="en-US" sz="1200"/>
           </a:p>
@@ -6867,7 +6639,7 @@
             <a:fld id="{1420CC6F-B2DE-C144-9ECF-BCD1BEF8687D}" type="slidenum">
               <a:rPr lang="en-US" sz="1200"/>
               <a:pPr/>
-              <a:t>35</a:t>
+              <a:t>34</a:t>
             </a:fld>
             <a:endParaRPr lang="en-US" sz="1200"/>
           </a:p>
@@ -7112,7 +6884,7 @@
             <a:fld id="{1420CC6F-B2DE-C144-9ECF-BCD1BEF8687D}" type="slidenum">
               <a:rPr lang="en-US" sz="1200"/>
               <a:pPr/>
-              <a:t>36</a:t>
+              <a:t>35</a:t>
             </a:fld>
             <a:endParaRPr lang="en-US" sz="1200"/>
           </a:p>
@@ -7127,6 +6899,251 @@
 </file>
 
 <file path=ppt/notesSlides/notesSlide35.xml><?xml version="1.0" encoding="utf-8"?>
+<p:notes xmlns:a="http://schemas.openxmlformats.org/drawingml/2006/main" xmlns:r="http://schemas.openxmlformats.org/officeDocument/2006/relationships" xmlns:p="http://schemas.openxmlformats.org/presentationml/2006/main">
+  <p:cSld>
+    <p:spTree>
+      <p:nvGrpSpPr>
+        <p:cNvPr id="1" name=""/>
+        <p:cNvGrpSpPr/>
+        <p:nvPr/>
+      </p:nvGrpSpPr>
+      <p:grpSpPr>
+        <a:xfrm>
+          <a:off x="0" y="0"/>
+          <a:ext cx="0" cy="0"/>
+          <a:chOff x="0" y="0"/>
+          <a:chExt cx="0" cy="0"/>
+        </a:xfrm>
+      </p:grpSpPr>
+      <p:sp>
+        <p:nvSpPr>
+          <p:cNvPr id="135170" name="Slide Image Placeholder 1"/>
+          <p:cNvSpPr>
+            <a:spLocks noGrp="1" noRot="1" noChangeAspect="1" noTextEdit="1"/>
+          </p:cNvSpPr>
+          <p:nvPr>
+            <p:ph type="sldImg"/>
+          </p:nvPr>
+        </p:nvSpPr>
+        <p:spPr>
+          <a:ln/>
+        </p:spPr>
+      </p:sp>
+      <p:sp>
+        <p:nvSpPr>
+          <p:cNvPr id="135171" name="Notes Placeholder 2"/>
+          <p:cNvSpPr>
+            <a:spLocks noGrp="1"/>
+          </p:cNvSpPr>
+          <p:nvPr>
+            <p:ph type="body" idx="1"/>
+          </p:nvPr>
+        </p:nvSpPr>
+        <p:spPr>
+          <a:noFill/>
+          <a:ln/>
+          <a:extLst>
+            <a:ext uri="{909E8E84-426E-40dd-AFC4-6F175D3DCCD1}">
+              <a14:hiddenFill xmlns:a14="http://schemas.microsoft.com/office/drawing/2010/main">
+                <a:solidFill>
+                  <a:srgbClr val="FFFFFF"/>
+                </a:solidFill>
+              </a14:hiddenFill>
+            </a:ext>
+            <a:ext uri="{91240B29-F687-4f45-9708-019B960494DF}">
+              <a14:hiddenLine xmlns:a14="http://schemas.microsoft.com/office/drawing/2010/main" w="9525">
+                <a:solidFill>
+                  <a:srgbClr val="000000"/>
+                </a:solidFill>
+                <a:miter lim="800000"/>
+                <a:headEnd/>
+                <a:tailEnd/>
+              </a14:hiddenLine>
+            </a:ext>
+            <a:ext uri="{FAA26D3D-D897-4be2-8F04-BA451C77F1D7}">
+              <ma14:placeholderFlag xmlns:ma14="http://schemas.microsoft.com/office/mac/drawingml/2011/main" val="1"/>
+            </a:ext>
+          </a:extLst>
+        </p:spPr>
+        <p:txBody>
+          <a:bodyPr/>
+          <a:lstStyle/>
+          <a:p>
+            <a:pPr eaLnBrk="1" hangingPunct="1"/>
+            <a:endParaRPr lang="en-US"/>
+          </a:p>
+        </p:txBody>
+      </p:sp>
+      <p:sp>
+        <p:nvSpPr>
+          <p:cNvPr id="135172" name="Slide Number Placeholder 3"/>
+          <p:cNvSpPr>
+            <a:spLocks noGrp="1"/>
+          </p:cNvSpPr>
+          <p:nvPr>
+            <p:ph type="sldNum" sz="quarter" idx="5"/>
+          </p:nvPr>
+        </p:nvSpPr>
+        <p:spPr>
+          <a:noFill/>
+          <a:ln/>
+          <a:extLst>
+            <a:ext uri="{909E8E84-426E-40dd-AFC4-6F175D3DCCD1}">
+              <a14:hiddenFill xmlns:a14="http://schemas.microsoft.com/office/drawing/2010/main">
+                <a:solidFill>
+                  <a:srgbClr val="FFFFFF"/>
+                </a:solidFill>
+              </a14:hiddenFill>
+            </a:ext>
+            <a:ext uri="{91240B29-F687-4f45-9708-019B960494DF}">
+              <a14:hiddenLine xmlns:a14="http://schemas.microsoft.com/office/drawing/2010/main" w="9525">
+                <a:solidFill>
+                  <a:srgbClr val="000000"/>
+                </a:solidFill>
+                <a:miter lim="800000"/>
+                <a:headEnd/>
+                <a:tailEnd/>
+              </a14:hiddenLine>
+            </a:ext>
+          </a:extLst>
+        </p:spPr>
+        <p:txBody>
+          <a:bodyPr/>
+          <a:lstStyle>
+            <a:lvl1pPr>
+              <a:defRPr sz="2000">
+                <a:solidFill>
+                  <a:schemeClr val="tx1"/>
+                </a:solidFill>
+                <a:latin typeface="Arial" charset="0"/>
+                <a:ea typeface="ＭＳ Ｐゴシック" charset="0"/>
+                <a:cs typeface="Arial" charset="0"/>
+              </a:defRPr>
+            </a:lvl1pPr>
+            <a:lvl2pPr marL="742950" indent="-285750">
+              <a:defRPr sz="2000">
+                <a:solidFill>
+                  <a:schemeClr val="tx1"/>
+                </a:solidFill>
+                <a:latin typeface="Arial" charset="0"/>
+                <a:ea typeface="Arial" charset="0"/>
+                <a:cs typeface="Arial" charset="0"/>
+              </a:defRPr>
+            </a:lvl2pPr>
+            <a:lvl3pPr marL="1143000" indent="-228600">
+              <a:defRPr sz="2000">
+                <a:solidFill>
+                  <a:schemeClr val="tx1"/>
+                </a:solidFill>
+                <a:latin typeface="Arial" charset="0"/>
+                <a:ea typeface="Arial" charset="0"/>
+                <a:cs typeface="Arial" charset="0"/>
+              </a:defRPr>
+            </a:lvl3pPr>
+            <a:lvl4pPr marL="1600200" indent="-228600">
+              <a:defRPr sz="2000">
+                <a:solidFill>
+                  <a:schemeClr val="tx1"/>
+                </a:solidFill>
+                <a:latin typeface="Arial" charset="0"/>
+                <a:ea typeface="Arial" charset="0"/>
+                <a:cs typeface="Arial" charset="0"/>
+              </a:defRPr>
+            </a:lvl4pPr>
+            <a:lvl5pPr marL="2057400" indent="-228600">
+              <a:defRPr sz="2000">
+                <a:solidFill>
+                  <a:schemeClr val="tx1"/>
+                </a:solidFill>
+                <a:latin typeface="Arial" charset="0"/>
+                <a:ea typeface="Arial" charset="0"/>
+                <a:cs typeface="Arial" charset="0"/>
+              </a:defRPr>
+            </a:lvl5pPr>
+            <a:lvl6pPr marL="2514600" indent="-228600" eaLnBrk="0" fontAlgn="base" hangingPunct="0">
+              <a:spcBef>
+                <a:spcPct val="0"/>
+              </a:spcBef>
+              <a:spcAft>
+                <a:spcPct val="0"/>
+              </a:spcAft>
+              <a:defRPr sz="2000">
+                <a:solidFill>
+                  <a:schemeClr val="tx1"/>
+                </a:solidFill>
+                <a:latin typeface="Arial" charset="0"/>
+                <a:ea typeface="Arial" charset="0"/>
+                <a:cs typeface="Arial" charset="0"/>
+              </a:defRPr>
+            </a:lvl6pPr>
+            <a:lvl7pPr marL="2971800" indent="-228600" eaLnBrk="0" fontAlgn="base" hangingPunct="0">
+              <a:spcBef>
+                <a:spcPct val="0"/>
+              </a:spcBef>
+              <a:spcAft>
+                <a:spcPct val="0"/>
+              </a:spcAft>
+              <a:defRPr sz="2000">
+                <a:solidFill>
+                  <a:schemeClr val="tx1"/>
+                </a:solidFill>
+                <a:latin typeface="Arial" charset="0"/>
+                <a:ea typeface="Arial" charset="0"/>
+                <a:cs typeface="Arial" charset="0"/>
+              </a:defRPr>
+            </a:lvl7pPr>
+            <a:lvl8pPr marL="3429000" indent="-228600" eaLnBrk="0" fontAlgn="base" hangingPunct="0">
+              <a:spcBef>
+                <a:spcPct val="0"/>
+              </a:spcBef>
+              <a:spcAft>
+                <a:spcPct val="0"/>
+              </a:spcAft>
+              <a:defRPr sz="2000">
+                <a:solidFill>
+                  <a:schemeClr val="tx1"/>
+                </a:solidFill>
+                <a:latin typeface="Arial" charset="0"/>
+                <a:ea typeface="Arial" charset="0"/>
+                <a:cs typeface="Arial" charset="0"/>
+              </a:defRPr>
+            </a:lvl8pPr>
+            <a:lvl9pPr marL="3886200" indent="-228600" eaLnBrk="0" fontAlgn="base" hangingPunct="0">
+              <a:spcBef>
+                <a:spcPct val="0"/>
+              </a:spcBef>
+              <a:spcAft>
+                <a:spcPct val="0"/>
+              </a:spcAft>
+              <a:defRPr sz="2000">
+                <a:solidFill>
+                  <a:schemeClr val="tx1"/>
+                </a:solidFill>
+                <a:latin typeface="Arial" charset="0"/>
+                <a:ea typeface="Arial" charset="0"/>
+                <a:cs typeface="Arial" charset="0"/>
+              </a:defRPr>
+            </a:lvl9pPr>
+          </a:lstStyle>
+          <a:p>
+            <a:fld id="{1420CC6F-B2DE-C144-9ECF-BCD1BEF8687D}" type="slidenum">
+              <a:rPr lang="en-US" sz="1200"/>
+              <a:pPr/>
+              <a:t>36</a:t>
+            </a:fld>
+            <a:endParaRPr lang="en-US" sz="1200"/>
+          </a:p>
+        </p:txBody>
+      </p:sp>
+    </p:spTree>
+  </p:cSld>
+  <p:clrMapOvr>
+    <a:masterClrMapping/>
+  </p:clrMapOvr>
+</p:notes>
+</file>
+
+<file path=ppt/notesSlides/notesSlide36.xml><?xml version="1.0" encoding="utf-8"?>
 <p:notes xmlns:a="http://schemas.openxmlformats.org/drawingml/2006/main" xmlns:r="http://schemas.openxmlformats.org/officeDocument/2006/relationships" xmlns:p="http://schemas.openxmlformats.org/presentationml/2006/main">
   <p:cSld>
     <p:spTree>
@@ -7371,7 +7388,7 @@
 </p:notes>
 </file>
 
-<file path=ppt/notesSlides/notesSlide36.xml><?xml version="1.0" encoding="utf-8"?>
+<file path=ppt/notesSlides/notesSlide37.xml><?xml version="1.0" encoding="utf-8"?>
 <p:notes xmlns:a="http://schemas.openxmlformats.org/drawingml/2006/main" xmlns:r="http://schemas.openxmlformats.org/officeDocument/2006/relationships" xmlns:p="http://schemas.openxmlformats.org/presentationml/2006/main">
   <p:cSld>
     <p:spTree>
@@ -7616,7 +7633,7 @@
 </p:notes>
 </file>
 
-<file path=ppt/notesSlides/notesSlide37.xml><?xml version="1.0" encoding="utf-8"?>
+<file path=ppt/notesSlides/notesSlide38.xml><?xml version="1.0" encoding="utf-8"?>
 <p:notes xmlns:a="http://schemas.openxmlformats.org/drawingml/2006/main" xmlns:r="http://schemas.openxmlformats.org/officeDocument/2006/relationships" xmlns:p="http://schemas.openxmlformats.org/presentationml/2006/main">
   <p:cSld>
     <p:spTree>
@@ -7811,251 +7828,6 @@
       <p:sp>
         <p:nvSpPr>
           <p:cNvPr id="140292" name="Rectangle 3"/>
-          <p:cNvSpPr>
-            <a:spLocks noGrp="1" noChangeArrowheads="1"/>
-          </p:cNvSpPr>
-          <p:nvPr>
-            <p:ph type="body" idx="1"/>
-          </p:nvPr>
-        </p:nvSpPr>
-        <p:spPr>
-          <a:noFill/>
-          <a:ln/>
-          <a:extLst>
-            <a:ext uri="{909E8E84-426E-40dd-AFC4-6F175D3DCCD1}">
-              <a14:hiddenFill xmlns:a14="http://schemas.microsoft.com/office/drawing/2010/main">
-                <a:solidFill>
-                  <a:srgbClr val="FFFFFF"/>
-                </a:solidFill>
-              </a14:hiddenFill>
-            </a:ext>
-            <a:ext uri="{91240B29-F687-4f45-9708-019B960494DF}">
-              <a14:hiddenLine xmlns:a14="http://schemas.microsoft.com/office/drawing/2010/main" w="9525">
-                <a:solidFill>
-                  <a:srgbClr val="000000"/>
-                </a:solidFill>
-                <a:miter lim="800000"/>
-                <a:headEnd/>
-                <a:tailEnd/>
-              </a14:hiddenLine>
-            </a:ext>
-            <a:ext uri="{FAA26D3D-D897-4be2-8F04-BA451C77F1D7}">
-              <ma14:placeholderFlag xmlns:ma14="http://schemas.microsoft.com/office/mac/drawingml/2011/main" val="1"/>
-            </a:ext>
-          </a:extLst>
-        </p:spPr>
-        <p:txBody>
-          <a:bodyPr/>
-          <a:lstStyle/>
-          <a:p>
-            <a:pPr eaLnBrk="1" hangingPunct="1"/>
-            <a:endParaRPr lang="en-US"/>
-          </a:p>
-        </p:txBody>
-      </p:sp>
-    </p:spTree>
-  </p:cSld>
-  <p:clrMapOvr>
-    <a:masterClrMapping/>
-  </p:clrMapOvr>
-</p:notes>
-</file>
-
-<file path=ppt/notesSlides/notesSlide38.xml><?xml version="1.0" encoding="utf-8"?>
-<p:notes xmlns:a="http://schemas.openxmlformats.org/drawingml/2006/main" xmlns:r="http://schemas.openxmlformats.org/officeDocument/2006/relationships" xmlns:p="http://schemas.openxmlformats.org/presentationml/2006/main">
-  <p:cSld>
-    <p:spTree>
-      <p:nvGrpSpPr>
-        <p:cNvPr id="1" name=""/>
-        <p:cNvGrpSpPr/>
-        <p:nvPr/>
-      </p:nvGrpSpPr>
-      <p:grpSpPr>
-        <a:xfrm>
-          <a:off x="0" y="0"/>
-          <a:ext cx="0" cy="0"/>
-          <a:chOff x="0" y="0"/>
-          <a:chExt cx="0" cy="0"/>
-        </a:xfrm>
-      </p:grpSpPr>
-      <p:sp>
-        <p:nvSpPr>
-          <p:cNvPr id="141314" name="Rectangle 7"/>
-          <p:cNvSpPr>
-            <a:spLocks noGrp="1" noChangeArrowheads="1"/>
-          </p:cNvSpPr>
-          <p:nvPr>
-            <p:ph type="sldNum" sz="quarter" idx="5"/>
-          </p:nvPr>
-        </p:nvSpPr>
-        <p:spPr>
-          <a:noFill/>
-          <a:ln/>
-          <a:extLst>
-            <a:ext uri="{909E8E84-426E-40dd-AFC4-6F175D3DCCD1}">
-              <a14:hiddenFill xmlns:a14="http://schemas.microsoft.com/office/drawing/2010/main">
-                <a:solidFill>
-                  <a:srgbClr val="FFFFFF"/>
-                </a:solidFill>
-              </a14:hiddenFill>
-            </a:ext>
-            <a:ext uri="{91240B29-F687-4f45-9708-019B960494DF}">
-              <a14:hiddenLine xmlns:a14="http://schemas.microsoft.com/office/drawing/2010/main" w="9525">
-                <a:solidFill>
-                  <a:srgbClr val="000000"/>
-                </a:solidFill>
-                <a:miter lim="800000"/>
-                <a:headEnd/>
-                <a:tailEnd/>
-              </a14:hiddenLine>
-            </a:ext>
-          </a:extLst>
-        </p:spPr>
-        <p:txBody>
-          <a:bodyPr/>
-          <a:lstStyle>
-            <a:lvl1pPr>
-              <a:defRPr sz="2000">
-                <a:solidFill>
-                  <a:schemeClr val="tx1"/>
-                </a:solidFill>
-                <a:latin typeface="Arial" charset="0"/>
-                <a:ea typeface="ＭＳ Ｐゴシック" charset="0"/>
-                <a:cs typeface="Arial" charset="0"/>
-              </a:defRPr>
-            </a:lvl1pPr>
-            <a:lvl2pPr marL="742950" indent="-285750">
-              <a:defRPr sz="2000">
-                <a:solidFill>
-                  <a:schemeClr val="tx1"/>
-                </a:solidFill>
-                <a:latin typeface="Arial" charset="0"/>
-                <a:ea typeface="Arial" charset="0"/>
-                <a:cs typeface="Arial" charset="0"/>
-              </a:defRPr>
-            </a:lvl2pPr>
-            <a:lvl3pPr marL="1143000" indent="-228600">
-              <a:defRPr sz="2000">
-                <a:solidFill>
-                  <a:schemeClr val="tx1"/>
-                </a:solidFill>
-                <a:latin typeface="Arial" charset="0"/>
-                <a:ea typeface="Arial" charset="0"/>
-                <a:cs typeface="Arial" charset="0"/>
-              </a:defRPr>
-            </a:lvl3pPr>
-            <a:lvl4pPr marL="1600200" indent="-228600">
-              <a:defRPr sz="2000">
-                <a:solidFill>
-                  <a:schemeClr val="tx1"/>
-                </a:solidFill>
-                <a:latin typeface="Arial" charset="0"/>
-                <a:ea typeface="Arial" charset="0"/>
-                <a:cs typeface="Arial" charset="0"/>
-              </a:defRPr>
-            </a:lvl4pPr>
-            <a:lvl5pPr marL="2057400" indent="-228600">
-              <a:defRPr sz="2000">
-                <a:solidFill>
-                  <a:schemeClr val="tx1"/>
-                </a:solidFill>
-                <a:latin typeface="Arial" charset="0"/>
-                <a:ea typeface="Arial" charset="0"/>
-                <a:cs typeface="Arial" charset="0"/>
-              </a:defRPr>
-            </a:lvl5pPr>
-            <a:lvl6pPr marL="2514600" indent="-228600" eaLnBrk="0" fontAlgn="base" hangingPunct="0">
-              <a:spcBef>
-                <a:spcPct val="0"/>
-              </a:spcBef>
-              <a:spcAft>
-                <a:spcPct val="0"/>
-              </a:spcAft>
-              <a:defRPr sz="2000">
-                <a:solidFill>
-                  <a:schemeClr val="tx1"/>
-                </a:solidFill>
-                <a:latin typeface="Arial" charset="0"/>
-                <a:ea typeface="Arial" charset="0"/>
-                <a:cs typeface="Arial" charset="0"/>
-              </a:defRPr>
-            </a:lvl6pPr>
-            <a:lvl7pPr marL="2971800" indent="-228600" eaLnBrk="0" fontAlgn="base" hangingPunct="0">
-              <a:spcBef>
-                <a:spcPct val="0"/>
-              </a:spcBef>
-              <a:spcAft>
-                <a:spcPct val="0"/>
-              </a:spcAft>
-              <a:defRPr sz="2000">
-                <a:solidFill>
-                  <a:schemeClr val="tx1"/>
-                </a:solidFill>
-                <a:latin typeface="Arial" charset="0"/>
-                <a:ea typeface="Arial" charset="0"/>
-                <a:cs typeface="Arial" charset="0"/>
-              </a:defRPr>
-            </a:lvl7pPr>
-            <a:lvl8pPr marL="3429000" indent="-228600" eaLnBrk="0" fontAlgn="base" hangingPunct="0">
-              <a:spcBef>
-                <a:spcPct val="0"/>
-              </a:spcBef>
-              <a:spcAft>
-                <a:spcPct val="0"/>
-              </a:spcAft>
-              <a:defRPr sz="2000">
-                <a:solidFill>
-                  <a:schemeClr val="tx1"/>
-                </a:solidFill>
-                <a:latin typeface="Arial" charset="0"/>
-                <a:ea typeface="Arial" charset="0"/>
-                <a:cs typeface="Arial" charset="0"/>
-              </a:defRPr>
-            </a:lvl8pPr>
-            <a:lvl9pPr marL="3886200" indent="-228600" eaLnBrk="0" fontAlgn="base" hangingPunct="0">
-              <a:spcBef>
-                <a:spcPct val="0"/>
-              </a:spcBef>
-              <a:spcAft>
-                <a:spcPct val="0"/>
-              </a:spcAft>
-              <a:defRPr sz="2000">
-                <a:solidFill>
-                  <a:schemeClr val="tx1"/>
-                </a:solidFill>
-                <a:latin typeface="Arial" charset="0"/>
-                <a:ea typeface="Arial" charset="0"/>
-                <a:cs typeface="Arial" charset="0"/>
-              </a:defRPr>
-            </a:lvl9pPr>
-          </a:lstStyle>
-          <a:p>
-            <a:fld id="{F94C8FE9-153E-0148-913A-CECABAE17ADA}" type="slidenum">
-              <a:rPr lang="en-US" sz="1200"/>
-              <a:pPr/>
-              <a:t>40</a:t>
-            </a:fld>
-            <a:endParaRPr lang="en-US" sz="1200"/>
-          </a:p>
-        </p:txBody>
-      </p:sp>
-      <p:sp>
-        <p:nvSpPr>
-          <p:cNvPr id="141315" name="Rectangle 2"/>
-          <p:cNvSpPr>
-            <a:spLocks noGrp="1" noRot="1" noChangeAspect="1" noChangeArrowheads="1" noTextEdit="1"/>
-          </p:cNvSpPr>
-          <p:nvPr>
-            <p:ph type="sldImg"/>
-          </p:nvPr>
-        </p:nvSpPr>
-        <p:spPr>
-          <a:ln/>
-        </p:spPr>
-      </p:sp>
-      <p:sp>
-        <p:nvSpPr>
-          <p:cNvPr id="141316" name="Rectangle 3"/>
           <p:cNvSpPr>
             <a:spLocks noGrp="1" noChangeArrowheads="1"/>
           </p:cNvSpPr>
@@ -8278,7 +8050,7 @@
             <a:fld id="{F94C8FE9-153E-0148-913A-CECABAE17ADA}" type="slidenum">
               <a:rPr lang="en-US" sz="1200"/>
               <a:pPr/>
-              <a:t>41</a:t>
+              <a:t>40</a:t>
             </a:fld>
             <a:endParaRPr lang="en-US" sz="1200"/>
           </a:p>
@@ -8650,7 +8422,7 @@
             <a:fld id="{67798AC4-2F23-3D4A-A799-2E16510E92B0}" type="slidenum">
               <a:rPr lang="en-US"/>
               <a:pPr/>
-              <a:t>5</a:t>
+              <a:t>4</a:t>
             </a:fld>
             <a:endParaRPr lang="en-US"/>
           </a:p>
@@ -8836,7 +8608,7 @@
             <a:fld id="{F94C8FE9-153E-0148-913A-CECABAE17ADA}" type="slidenum">
               <a:rPr lang="en-US" sz="1200"/>
               <a:pPr/>
-              <a:t>42</a:t>
+              <a:t>41</a:t>
             </a:fld>
             <a:endParaRPr lang="en-US" sz="1200"/>
           </a:p>
@@ -9081,7 +8853,7 @@
             <a:fld id="{F94C8FE9-153E-0148-913A-CECABAE17ADA}" type="slidenum">
               <a:rPr lang="en-US" sz="1200"/>
               <a:pPr/>
-              <a:t>43</a:t>
+              <a:t>42</a:t>
             </a:fld>
             <a:endParaRPr lang="en-US" sz="1200"/>
           </a:p>
@@ -9326,7 +9098,7 @@
             <a:fld id="{F94C8FE9-153E-0148-913A-CECABAE17ADA}" type="slidenum">
               <a:rPr lang="en-US" sz="1200"/>
               <a:pPr/>
-              <a:t>44</a:t>
+              <a:t>43</a:t>
             </a:fld>
             <a:endParaRPr lang="en-US" sz="1200"/>
           </a:p>
@@ -9418,7 +9190,7 @@
       </p:grpSpPr>
       <p:sp>
         <p:nvSpPr>
-          <p:cNvPr id="146434" name="Rectangle 7"/>
+          <p:cNvPr id="141314" name="Rectangle 7"/>
           <p:cNvSpPr>
             <a:spLocks noGrp="1" noChangeArrowheads="1"/>
           </p:cNvSpPr>
@@ -9568,10 +9340,10 @@
             </a:lvl9pPr>
           </a:lstStyle>
           <a:p>
-            <a:fld id="{0958A87A-0384-2747-95A6-216779FFD183}" type="slidenum">
+            <a:fld id="{F94C8FE9-153E-0148-913A-CECABAE17ADA}" type="slidenum">
               <a:rPr lang="en-US" sz="1200"/>
               <a:pPr/>
-              <a:t>45</a:t>
+              <a:t>44</a:t>
             </a:fld>
             <a:endParaRPr lang="en-US" sz="1200"/>
           </a:p>
@@ -9579,7 +9351,7 @@
       </p:sp>
       <p:sp>
         <p:nvSpPr>
-          <p:cNvPr id="146435" name="Rectangle 2"/>
+          <p:cNvPr id="141315" name="Rectangle 2"/>
           <p:cNvSpPr>
             <a:spLocks noGrp="1" noRot="1" noChangeAspect="1" noChangeArrowheads="1" noTextEdit="1"/>
           </p:cNvSpPr>
@@ -9593,7 +9365,7 @@
       </p:sp>
       <p:sp>
         <p:nvSpPr>
-          <p:cNvPr id="146436" name="Rectangle 3"/>
+          <p:cNvPr id="141316" name="Rectangle 3"/>
           <p:cNvSpPr>
             <a:spLocks noGrp="1" noChangeArrowheads="1"/>
           </p:cNvSpPr>
@@ -9816,7 +9588,7 @@
             <a:fld id="{0958A87A-0384-2747-95A6-216779FFD183}" type="slidenum">
               <a:rPr lang="en-US" sz="1200"/>
               <a:pPr/>
-              <a:t>46</a:t>
+              <a:t>45</a:t>
             </a:fld>
             <a:endParaRPr lang="en-US" sz="1200"/>
           </a:p>
@@ -10061,7 +9833,7 @@
             <a:fld id="{0958A87A-0384-2747-95A6-216779FFD183}" type="slidenum">
               <a:rPr lang="en-US" sz="1200"/>
               <a:pPr/>
-              <a:t>47</a:t>
+              <a:t>46</a:t>
             </a:fld>
             <a:endParaRPr lang="en-US" sz="1200"/>
           </a:p>
@@ -10153,6 +9925,251 @@
       </p:grpSpPr>
       <p:sp>
         <p:nvSpPr>
+          <p:cNvPr id="146434" name="Rectangle 7"/>
+          <p:cNvSpPr>
+            <a:spLocks noGrp="1" noChangeArrowheads="1"/>
+          </p:cNvSpPr>
+          <p:nvPr>
+            <p:ph type="sldNum" sz="quarter" idx="5"/>
+          </p:nvPr>
+        </p:nvSpPr>
+        <p:spPr>
+          <a:noFill/>
+          <a:ln/>
+          <a:extLst>
+            <a:ext uri="{909E8E84-426E-40dd-AFC4-6F175D3DCCD1}">
+              <a14:hiddenFill xmlns:a14="http://schemas.microsoft.com/office/drawing/2010/main">
+                <a:solidFill>
+                  <a:srgbClr val="FFFFFF"/>
+                </a:solidFill>
+              </a14:hiddenFill>
+            </a:ext>
+            <a:ext uri="{91240B29-F687-4f45-9708-019B960494DF}">
+              <a14:hiddenLine xmlns:a14="http://schemas.microsoft.com/office/drawing/2010/main" w="9525">
+                <a:solidFill>
+                  <a:srgbClr val="000000"/>
+                </a:solidFill>
+                <a:miter lim="800000"/>
+                <a:headEnd/>
+                <a:tailEnd/>
+              </a14:hiddenLine>
+            </a:ext>
+          </a:extLst>
+        </p:spPr>
+        <p:txBody>
+          <a:bodyPr/>
+          <a:lstStyle>
+            <a:lvl1pPr>
+              <a:defRPr sz="2000">
+                <a:solidFill>
+                  <a:schemeClr val="tx1"/>
+                </a:solidFill>
+                <a:latin typeface="Arial" charset="0"/>
+                <a:ea typeface="ＭＳ Ｐゴシック" charset="0"/>
+                <a:cs typeface="Arial" charset="0"/>
+              </a:defRPr>
+            </a:lvl1pPr>
+            <a:lvl2pPr marL="742950" indent="-285750">
+              <a:defRPr sz="2000">
+                <a:solidFill>
+                  <a:schemeClr val="tx1"/>
+                </a:solidFill>
+                <a:latin typeface="Arial" charset="0"/>
+                <a:ea typeface="Arial" charset="0"/>
+                <a:cs typeface="Arial" charset="0"/>
+              </a:defRPr>
+            </a:lvl2pPr>
+            <a:lvl3pPr marL="1143000" indent="-228600">
+              <a:defRPr sz="2000">
+                <a:solidFill>
+                  <a:schemeClr val="tx1"/>
+                </a:solidFill>
+                <a:latin typeface="Arial" charset="0"/>
+                <a:ea typeface="Arial" charset="0"/>
+                <a:cs typeface="Arial" charset="0"/>
+              </a:defRPr>
+            </a:lvl3pPr>
+            <a:lvl4pPr marL="1600200" indent="-228600">
+              <a:defRPr sz="2000">
+                <a:solidFill>
+                  <a:schemeClr val="tx1"/>
+                </a:solidFill>
+                <a:latin typeface="Arial" charset="0"/>
+                <a:ea typeface="Arial" charset="0"/>
+                <a:cs typeface="Arial" charset="0"/>
+              </a:defRPr>
+            </a:lvl4pPr>
+            <a:lvl5pPr marL="2057400" indent="-228600">
+              <a:defRPr sz="2000">
+                <a:solidFill>
+                  <a:schemeClr val="tx1"/>
+                </a:solidFill>
+                <a:latin typeface="Arial" charset="0"/>
+                <a:ea typeface="Arial" charset="0"/>
+                <a:cs typeface="Arial" charset="0"/>
+              </a:defRPr>
+            </a:lvl5pPr>
+            <a:lvl6pPr marL="2514600" indent="-228600" eaLnBrk="0" fontAlgn="base" hangingPunct="0">
+              <a:spcBef>
+                <a:spcPct val="0"/>
+              </a:spcBef>
+              <a:spcAft>
+                <a:spcPct val="0"/>
+              </a:spcAft>
+              <a:defRPr sz="2000">
+                <a:solidFill>
+                  <a:schemeClr val="tx1"/>
+                </a:solidFill>
+                <a:latin typeface="Arial" charset="0"/>
+                <a:ea typeface="Arial" charset="0"/>
+                <a:cs typeface="Arial" charset="0"/>
+              </a:defRPr>
+            </a:lvl6pPr>
+            <a:lvl7pPr marL="2971800" indent="-228600" eaLnBrk="0" fontAlgn="base" hangingPunct="0">
+              <a:spcBef>
+                <a:spcPct val="0"/>
+              </a:spcBef>
+              <a:spcAft>
+                <a:spcPct val="0"/>
+              </a:spcAft>
+              <a:defRPr sz="2000">
+                <a:solidFill>
+                  <a:schemeClr val="tx1"/>
+                </a:solidFill>
+                <a:latin typeface="Arial" charset="0"/>
+                <a:ea typeface="Arial" charset="0"/>
+                <a:cs typeface="Arial" charset="0"/>
+              </a:defRPr>
+            </a:lvl7pPr>
+            <a:lvl8pPr marL="3429000" indent="-228600" eaLnBrk="0" fontAlgn="base" hangingPunct="0">
+              <a:spcBef>
+                <a:spcPct val="0"/>
+              </a:spcBef>
+              <a:spcAft>
+                <a:spcPct val="0"/>
+              </a:spcAft>
+              <a:defRPr sz="2000">
+                <a:solidFill>
+                  <a:schemeClr val="tx1"/>
+                </a:solidFill>
+                <a:latin typeface="Arial" charset="0"/>
+                <a:ea typeface="Arial" charset="0"/>
+                <a:cs typeface="Arial" charset="0"/>
+              </a:defRPr>
+            </a:lvl8pPr>
+            <a:lvl9pPr marL="3886200" indent="-228600" eaLnBrk="0" fontAlgn="base" hangingPunct="0">
+              <a:spcBef>
+                <a:spcPct val="0"/>
+              </a:spcBef>
+              <a:spcAft>
+                <a:spcPct val="0"/>
+              </a:spcAft>
+              <a:defRPr sz="2000">
+                <a:solidFill>
+                  <a:schemeClr val="tx1"/>
+                </a:solidFill>
+                <a:latin typeface="Arial" charset="0"/>
+                <a:ea typeface="Arial" charset="0"/>
+                <a:cs typeface="Arial" charset="0"/>
+              </a:defRPr>
+            </a:lvl9pPr>
+          </a:lstStyle>
+          <a:p>
+            <a:fld id="{0958A87A-0384-2747-95A6-216779FFD183}" type="slidenum">
+              <a:rPr lang="en-US" sz="1200"/>
+              <a:pPr/>
+              <a:t>47</a:t>
+            </a:fld>
+            <a:endParaRPr lang="en-US" sz="1200"/>
+          </a:p>
+        </p:txBody>
+      </p:sp>
+      <p:sp>
+        <p:nvSpPr>
+          <p:cNvPr id="146435" name="Rectangle 2"/>
+          <p:cNvSpPr>
+            <a:spLocks noGrp="1" noRot="1" noChangeAspect="1" noChangeArrowheads="1" noTextEdit="1"/>
+          </p:cNvSpPr>
+          <p:nvPr>
+            <p:ph type="sldImg"/>
+          </p:nvPr>
+        </p:nvSpPr>
+        <p:spPr>
+          <a:ln/>
+        </p:spPr>
+      </p:sp>
+      <p:sp>
+        <p:nvSpPr>
+          <p:cNvPr id="146436" name="Rectangle 3"/>
+          <p:cNvSpPr>
+            <a:spLocks noGrp="1" noChangeArrowheads="1"/>
+          </p:cNvSpPr>
+          <p:nvPr>
+            <p:ph type="body" idx="1"/>
+          </p:nvPr>
+        </p:nvSpPr>
+        <p:spPr>
+          <a:noFill/>
+          <a:ln/>
+          <a:extLst>
+            <a:ext uri="{909E8E84-426E-40dd-AFC4-6F175D3DCCD1}">
+              <a14:hiddenFill xmlns:a14="http://schemas.microsoft.com/office/drawing/2010/main">
+                <a:solidFill>
+                  <a:srgbClr val="FFFFFF"/>
+                </a:solidFill>
+              </a14:hiddenFill>
+            </a:ext>
+            <a:ext uri="{91240B29-F687-4f45-9708-019B960494DF}">
+              <a14:hiddenLine xmlns:a14="http://schemas.microsoft.com/office/drawing/2010/main" w="9525">
+                <a:solidFill>
+                  <a:srgbClr val="000000"/>
+                </a:solidFill>
+                <a:miter lim="800000"/>
+                <a:headEnd/>
+                <a:tailEnd/>
+              </a14:hiddenLine>
+            </a:ext>
+            <a:ext uri="{FAA26D3D-D897-4be2-8F04-BA451C77F1D7}">
+              <ma14:placeholderFlag xmlns:ma14="http://schemas.microsoft.com/office/mac/drawingml/2011/main" val="1"/>
+            </a:ext>
+          </a:extLst>
+        </p:spPr>
+        <p:txBody>
+          <a:bodyPr/>
+          <a:lstStyle/>
+          <a:p>
+            <a:pPr eaLnBrk="1" hangingPunct="1"/>
+            <a:endParaRPr lang="en-US"/>
+          </a:p>
+        </p:txBody>
+      </p:sp>
+    </p:spTree>
+  </p:cSld>
+  <p:clrMapOvr>
+    <a:masterClrMapping/>
+  </p:clrMapOvr>
+</p:notes>
+</file>
+
+<file path=ppt/notesSlides/notesSlide47.xml><?xml version="1.0" encoding="utf-8"?>
+<p:notes xmlns:a="http://schemas.openxmlformats.org/drawingml/2006/main" xmlns:r="http://schemas.openxmlformats.org/officeDocument/2006/relationships" xmlns:p="http://schemas.openxmlformats.org/presentationml/2006/main">
+  <p:cSld>
+    <p:spTree>
+      <p:nvGrpSpPr>
+        <p:cNvPr id="1" name=""/>
+        <p:cNvGrpSpPr/>
+        <p:nvPr/>
+      </p:nvGrpSpPr>
+      <p:grpSpPr>
+        <a:xfrm>
+          <a:off x="0" y="0"/>
+          <a:ext cx="0" cy="0"/>
+          <a:chOff x="0" y="0"/>
+          <a:chExt cx="0" cy="0"/>
+        </a:xfrm>
+      </p:grpSpPr>
+      <p:sp>
+        <p:nvSpPr>
           <p:cNvPr id="148482" name="Rectangle 7"/>
           <p:cNvSpPr>
             <a:spLocks noGrp="1" noChangeArrowheads="1"/>
@@ -10379,7 +10396,7 @@
 </p:notes>
 </file>
 
-<file path=ppt/notesSlides/notesSlide47.xml><?xml version="1.0" encoding="utf-8"?>
+<file path=ppt/notesSlides/notesSlide48.xml><?xml version="1.0" encoding="utf-8"?>
 <p:notes xmlns:a="http://schemas.openxmlformats.org/drawingml/2006/main" xmlns:r="http://schemas.openxmlformats.org/officeDocument/2006/relationships" xmlns:p="http://schemas.openxmlformats.org/presentationml/2006/main">
   <p:cSld>
     <p:spTree>
@@ -10624,7 +10641,7 @@
 </p:notes>
 </file>
 
-<file path=ppt/notesSlides/notesSlide48.xml><?xml version="1.0" encoding="utf-8"?>
+<file path=ppt/notesSlides/notesSlide49.xml><?xml version="1.0" encoding="utf-8"?>
 <p:notes xmlns:a="http://schemas.openxmlformats.org/drawingml/2006/main" xmlns:r="http://schemas.openxmlformats.org/officeDocument/2006/relationships" xmlns:p="http://schemas.openxmlformats.org/presentationml/2006/main">
   <p:cSld>
     <p:spTree>
@@ -10857,289 +10874,6 @@
           <a:lstStyle/>
           <a:p>
             <a:pPr eaLnBrk="1" hangingPunct="1"/>
-            <a:endParaRPr lang="en-US"/>
-          </a:p>
-        </p:txBody>
-      </p:sp>
-    </p:spTree>
-  </p:cSld>
-  <p:clrMapOvr>
-    <a:masterClrMapping/>
-  </p:clrMapOvr>
-</p:notes>
-</file>
-
-<file path=ppt/notesSlides/notesSlide49.xml><?xml version="1.0" encoding="utf-8"?>
-<p:notes xmlns:a="http://schemas.openxmlformats.org/drawingml/2006/main" xmlns:r="http://schemas.openxmlformats.org/officeDocument/2006/relationships" xmlns:p="http://schemas.openxmlformats.org/presentationml/2006/main">
-  <p:cSld>
-    <p:spTree>
-      <p:nvGrpSpPr>
-        <p:cNvPr id="1" name=""/>
-        <p:cNvGrpSpPr/>
-        <p:nvPr/>
-      </p:nvGrpSpPr>
-      <p:grpSpPr>
-        <a:xfrm>
-          <a:off x="0" y="0"/>
-          <a:ext cx="0" cy="0"/>
-          <a:chOff x="0" y="0"/>
-          <a:chExt cx="0" cy="0"/>
-        </a:xfrm>
-      </p:grpSpPr>
-      <p:sp>
-        <p:nvSpPr>
-          <p:cNvPr id="69634" name="Slide Image Placeholder 1"/>
-          <p:cNvSpPr>
-            <a:spLocks noGrp="1" noRot="1" noChangeAspect="1" noTextEdit="1"/>
-          </p:cNvSpPr>
-          <p:nvPr>
-            <p:ph type="sldImg"/>
-          </p:nvPr>
-        </p:nvSpPr>
-        <p:spPr>
-          <a:ln/>
-        </p:spPr>
-      </p:sp>
-      <p:sp>
-        <p:nvSpPr>
-          <p:cNvPr id="69635" name="Notes Placeholder 2"/>
-          <p:cNvSpPr>
-            <a:spLocks noGrp="1"/>
-          </p:cNvSpPr>
-          <p:nvPr>
-            <p:ph type="body" idx="1"/>
-          </p:nvPr>
-        </p:nvSpPr>
-        <p:spPr>
-          <a:noFill/>
-          <a:ln/>
-          <a:extLst>
-            <a:ext uri="{909E8E84-426E-40dd-AFC4-6F175D3DCCD1}">
-              <a14:hiddenFill xmlns:a14="http://schemas.microsoft.com/office/drawing/2010/main">
-                <a:solidFill>
-                  <a:srgbClr val="FFFFFF"/>
-                </a:solidFill>
-              </a14:hiddenFill>
-            </a:ext>
-            <a:ext uri="{91240B29-F687-4f45-9708-019B960494DF}">
-              <a14:hiddenLine xmlns:a14="http://schemas.microsoft.com/office/drawing/2010/main" w="9525">
-                <a:solidFill>
-                  <a:srgbClr val="000000"/>
-                </a:solidFill>
-                <a:miter lim="800000"/>
-                <a:headEnd/>
-                <a:tailEnd/>
-              </a14:hiddenLine>
-            </a:ext>
-            <a:ext uri="{FAA26D3D-D897-4be2-8F04-BA451C77F1D7}">
-              <ma14:placeholderFlag xmlns:ma14="http://schemas.microsoft.com/office/mac/drawingml/2011/main" val="1"/>
-            </a:ext>
-          </a:extLst>
-        </p:spPr>
-        <p:txBody>
-          <a:bodyPr/>
-          <a:lstStyle/>
-          <a:p>
-            <a:pPr lvl="1"/>
-            <a:r>
-              <a:rPr lang="en-US" dirty="0" smtClean="0">
-                <a:latin typeface="Arial" charset="0"/>
-              </a:rPr>
-              <a:t>In practice statistical approach </a:t>
-            </a:r>
-            <a:r>
-              <a:rPr lang="en-US" dirty="0" err="1" smtClean="0">
-                <a:latin typeface="Arial" charset="0"/>
-              </a:rPr>
-              <a:t>doesn</a:t>
-            </a:r>
-            <a:r>
-              <a:rPr lang="ja-JP" altLang="en-US" dirty="0" smtClean="0">
-                <a:latin typeface="Arial" charset="0"/>
-              </a:rPr>
-              <a:t>’</a:t>
-            </a:r>
-            <a:r>
-              <a:rPr lang="en-US" dirty="0" smtClean="0">
-                <a:latin typeface="Arial" charset="0"/>
-              </a:rPr>
-              <a:t>t work better than </a:t>
-            </a:r>
-            <a:r>
-              <a:rPr lang="ja-JP" altLang="en-US" dirty="0" smtClean="0">
-                <a:latin typeface="Arial" charset="0"/>
-              </a:rPr>
-              <a:t>“</a:t>
-            </a:r>
-            <a:r>
-              <a:rPr lang="en-US" dirty="0" smtClean="0">
-                <a:latin typeface="Arial" charset="0"/>
-              </a:rPr>
-              <a:t>ad-hoc</a:t>
-            </a:r>
-            <a:r>
-              <a:rPr lang="ja-JP" altLang="en-US" dirty="0" smtClean="0">
-                <a:latin typeface="Arial" charset="0"/>
-              </a:rPr>
-              <a:t>”</a:t>
-            </a:r>
-            <a:r>
-              <a:rPr lang="en-US" dirty="0" smtClean="0">
-                <a:latin typeface="Arial" charset="0"/>
-              </a:rPr>
-              <a:t> methods</a:t>
-            </a:r>
-          </a:p>
-        </p:txBody>
-      </p:sp>
-      <p:sp>
-        <p:nvSpPr>
-          <p:cNvPr id="69636" name="Slide Number Placeholder 3"/>
-          <p:cNvSpPr>
-            <a:spLocks noGrp="1"/>
-          </p:cNvSpPr>
-          <p:nvPr>
-            <p:ph type="sldNum" sz="quarter" idx="5"/>
-          </p:nvPr>
-        </p:nvSpPr>
-        <p:spPr>
-          <a:noFill/>
-          <a:ln/>
-          <a:extLst>
-            <a:ext uri="{909E8E84-426E-40dd-AFC4-6F175D3DCCD1}">
-              <a14:hiddenFill xmlns:a14="http://schemas.microsoft.com/office/drawing/2010/main">
-                <a:solidFill>
-                  <a:srgbClr val="FFFFFF"/>
-                </a:solidFill>
-              </a14:hiddenFill>
-            </a:ext>
-            <a:ext uri="{91240B29-F687-4f45-9708-019B960494DF}">
-              <a14:hiddenLine xmlns:a14="http://schemas.microsoft.com/office/drawing/2010/main" w="9525">
-                <a:solidFill>
-                  <a:srgbClr val="000000"/>
-                </a:solidFill>
-                <a:miter lim="800000"/>
-                <a:headEnd/>
-                <a:tailEnd/>
-              </a14:hiddenLine>
-            </a:ext>
-          </a:extLst>
-        </p:spPr>
-        <p:txBody>
-          <a:bodyPr/>
-          <a:lstStyle>
-            <a:lvl1pPr>
-              <a:defRPr>
-                <a:solidFill>
-                  <a:schemeClr val="tx1"/>
-                </a:solidFill>
-                <a:latin typeface="Arial" charset="0"/>
-                <a:ea typeface="ＭＳ Ｐゴシック" charset="0"/>
-              </a:defRPr>
-            </a:lvl1pPr>
-            <a:lvl2pPr marL="742950" indent="-285750">
-              <a:defRPr>
-                <a:solidFill>
-                  <a:schemeClr val="tx1"/>
-                </a:solidFill>
-                <a:latin typeface="Arial" charset="0"/>
-                <a:ea typeface="ＭＳ Ｐゴシック" charset="0"/>
-              </a:defRPr>
-            </a:lvl2pPr>
-            <a:lvl3pPr marL="1143000" indent="-228600">
-              <a:defRPr>
-                <a:solidFill>
-                  <a:schemeClr val="tx1"/>
-                </a:solidFill>
-                <a:latin typeface="Arial" charset="0"/>
-                <a:ea typeface="ＭＳ Ｐゴシック" charset="0"/>
-              </a:defRPr>
-            </a:lvl3pPr>
-            <a:lvl4pPr marL="1600200" indent="-228600">
-              <a:defRPr>
-                <a:solidFill>
-                  <a:schemeClr val="tx1"/>
-                </a:solidFill>
-                <a:latin typeface="Arial" charset="0"/>
-                <a:ea typeface="ＭＳ Ｐゴシック" charset="0"/>
-              </a:defRPr>
-            </a:lvl4pPr>
-            <a:lvl5pPr marL="2057400" indent="-228600">
-              <a:defRPr>
-                <a:solidFill>
-                  <a:schemeClr val="tx1"/>
-                </a:solidFill>
-                <a:latin typeface="Arial" charset="0"/>
-                <a:ea typeface="ＭＳ Ｐゴシック" charset="0"/>
-              </a:defRPr>
-            </a:lvl5pPr>
-            <a:lvl6pPr marL="2514600" indent="-228600" eaLnBrk="0" fontAlgn="base" hangingPunct="0">
-              <a:spcBef>
-                <a:spcPct val="0"/>
-              </a:spcBef>
-              <a:spcAft>
-                <a:spcPct val="0"/>
-              </a:spcAft>
-              <a:defRPr>
-                <a:solidFill>
-                  <a:schemeClr val="tx1"/>
-                </a:solidFill>
-                <a:latin typeface="Arial" charset="0"/>
-                <a:ea typeface="ＭＳ Ｐゴシック" charset="0"/>
-              </a:defRPr>
-            </a:lvl6pPr>
-            <a:lvl7pPr marL="2971800" indent="-228600" eaLnBrk="0" fontAlgn="base" hangingPunct="0">
-              <a:spcBef>
-                <a:spcPct val="0"/>
-              </a:spcBef>
-              <a:spcAft>
-                <a:spcPct val="0"/>
-              </a:spcAft>
-              <a:defRPr>
-                <a:solidFill>
-                  <a:schemeClr val="tx1"/>
-                </a:solidFill>
-                <a:latin typeface="Arial" charset="0"/>
-                <a:ea typeface="ＭＳ Ｐゴシック" charset="0"/>
-              </a:defRPr>
-            </a:lvl7pPr>
-            <a:lvl8pPr marL="3429000" indent="-228600" eaLnBrk="0" fontAlgn="base" hangingPunct="0">
-              <a:spcBef>
-                <a:spcPct val="0"/>
-              </a:spcBef>
-              <a:spcAft>
-                <a:spcPct val="0"/>
-              </a:spcAft>
-              <a:defRPr>
-                <a:solidFill>
-                  <a:schemeClr val="tx1"/>
-                </a:solidFill>
-                <a:latin typeface="Arial" charset="0"/>
-                <a:ea typeface="ＭＳ Ｐゴシック" charset="0"/>
-              </a:defRPr>
-            </a:lvl8pPr>
-            <a:lvl9pPr marL="3886200" indent="-228600" eaLnBrk="0" fontAlgn="base" hangingPunct="0">
-              <a:spcBef>
-                <a:spcPct val="0"/>
-              </a:spcBef>
-              <a:spcAft>
-                <a:spcPct val="0"/>
-              </a:spcAft>
-              <a:defRPr>
-                <a:solidFill>
-                  <a:schemeClr val="tx1"/>
-                </a:solidFill>
-                <a:latin typeface="Arial" charset="0"/>
-                <a:ea typeface="ＭＳ Ｐゴシック" charset="0"/>
-              </a:defRPr>
-            </a:lvl9pPr>
-          </a:lstStyle>
-          <a:p>
-            <a:fld id="{BFB2EED5-9D73-204C-BCD0-404BDD278E84}" type="slidenum">
-              <a:rPr lang="en-US"/>
-              <a:pPr/>
-              <a:t>51</a:t>
-            </a:fld>
             <a:endParaRPr lang="en-US"/>
           </a:p>
         </p:txBody>
@@ -11451,7 +11185,7 @@
             <a:fld id="{67798AC4-2F23-3D4A-A799-2E16510E92B0}" type="slidenum">
               <a:rPr lang="en-US"/>
               <a:pPr/>
-              <a:t>6</a:t>
+              <a:t>5</a:t>
             </a:fld>
             <a:endParaRPr lang="en-US"/>
           </a:p>
@@ -11466,6 +11200,289 @@
 </file>
 
 <file path=ppt/notesSlides/notesSlide50.xml><?xml version="1.0" encoding="utf-8"?>
+<p:notes xmlns:a="http://schemas.openxmlformats.org/drawingml/2006/main" xmlns:r="http://schemas.openxmlformats.org/officeDocument/2006/relationships" xmlns:p="http://schemas.openxmlformats.org/presentationml/2006/main">
+  <p:cSld>
+    <p:spTree>
+      <p:nvGrpSpPr>
+        <p:cNvPr id="1" name=""/>
+        <p:cNvGrpSpPr/>
+        <p:nvPr/>
+      </p:nvGrpSpPr>
+      <p:grpSpPr>
+        <a:xfrm>
+          <a:off x="0" y="0"/>
+          <a:ext cx="0" cy="0"/>
+          <a:chOff x="0" y="0"/>
+          <a:chExt cx="0" cy="0"/>
+        </a:xfrm>
+      </p:grpSpPr>
+      <p:sp>
+        <p:nvSpPr>
+          <p:cNvPr id="69634" name="Slide Image Placeholder 1"/>
+          <p:cNvSpPr>
+            <a:spLocks noGrp="1" noRot="1" noChangeAspect="1" noTextEdit="1"/>
+          </p:cNvSpPr>
+          <p:nvPr>
+            <p:ph type="sldImg"/>
+          </p:nvPr>
+        </p:nvSpPr>
+        <p:spPr>
+          <a:ln/>
+        </p:spPr>
+      </p:sp>
+      <p:sp>
+        <p:nvSpPr>
+          <p:cNvPr id="69635" name="Notes Placeholder 2"/>
+          <p:cNvSpPr>
+            <a:spLocks noGrp="1"/>
+          </p:cNvSpPr>
+          <p:nvPr>
+            <p:ph type="body" idx="1"/>
+          </p:nvPr>
+        </p:nvSpPr>
+        <p:spPr>
+          <a:noFill/>
+          <a:ln/>
+          <a:extLst>
+            <a:ext uri="{909E8E84-426E-40dd-AFC4-6F175D3DCCD1}">
+              <a14:hiddenFill xmlns:a14="http://schemas.microsoft.com/office/drawing/2010/main">
+                <a:solidFill>
+                  <a:srgbClr val="FFFFFF"/>
+                </a:solidFill>
+              </a14:hiddenFill>
+            </a:ext>
+            <a:ext uri="{91240B29-F687-4f45-9708-019B960494DF}">
+              <a14:hiddenLine xmlns:a14="http://schemas.microsoft.com/office/drawing/2010/main" w="9525">
+                <a:solidFill>
+                  <a:srgbClr val="000000"/>
+                </a:solidFill>
+                <a:miter lim="800000"/>
+                <a:headEnd/>
+                <a:tailEnd/>
+              </a14:hiddenLine>
+            </a:ext>
+            <a:ext uri="{FAA26D3D-D897-4be2-8F04-BA451C77F1D7}">
+              <ma14:placeholderFlag xmlns:ma14="http://schemas.microsoft.com/office/mac/drawingml/2011/main" val="1"/>
+            </a:ext>
+          </a:extLst>
+        </p:spPr>
+        <p:txBody>
+          <a:bodyPr/>
+          <a:lstStyle/>
+          <a:p>
+            <a:pPr lvl="1"/>
+            <a:r>
+              <a:rPr lang="en-US" dirty="0" smtClean="0">
+                <a:latin typeface="Arial" charset="0"/>
+              </a:rPr>
+              <a:t>In practice statistical approach </a:t>
+            </a:r>
+            <a:r>
+              <a:rPr lang="en-US" dirty="0" err="1" smtClean="0">
+                <a:latin typeface="Arial" charset="0"/>
+              </a:rPr>
+              <a:t>doesn</a:t>
+            </a:r>
+            <a:r>
+              <a:rPr lang="ja-JP" altLang="en-US" dirty="0" smtClean="0">
+                <a:latin typeface="Arial" charset="0"/>
+              </a:rPr>
+              <a:t>’</a:t>
+            </a:r>
+            <a:r>
+              <a:rPr lang="en-US" dirty="0" smtClean="0">
+                <a:latin typeface="Arial" charset="0"/>
+              </a:rPr>
+              <a:t>t work better than </a:t>
+            </a:r>
+            <a:r>
+              <a:rPr lang="ja-JP" altLang="en-US" dirty="0" smtClean="0">
+                <a:latin typeface="Arial" charset="0"/>
+              </a:rPr>
+              <a:t>“</a:t>
+            </a:r>
+            <a:r>
+              <a:rPr lang="en-US" dirty="0" smtClean="0">
+                <a:latin typeface="Arial" charset="0"/>
+              </a:rPr>
+              <a:t>ad-hoc</a:t>
+            </a:r>
+            <a:r>
+              <a:rPr lang="ja-JP" altLang="en-US" dirty="0" smtClean="0">
+                <a:latin typeface="Arial" charset="0"/>
+              </a:rPr>
+              <a:t>”</a:t>
+            </a:r>
+            <a:r>
+              <a:rPr lang="en-US" dirty="0" smtClean="0">
+                <a:latin typeface="Arial" charset="0"/>
+              </a:rPr>
+              <a:t> methods</a:t>
+            </a:r>
+          </a:p>
+        </p:txBody>
+      </p:sp>
+      <p:sp>
+        <p:nvSpPr>
+          <p:cNvPr id="69636" name="Slide Number Placeholder 3"/>
+          <p:cNvSpPr>
+            <a:spLocks noGrp="1"/>
+          </p:cNvSpPr>
+          <p:nvPr>
+            <p:ph type="sldNum" sz="quarter" idx="5"/>
+          </p:nvPr>
+        </p:nvSpPr>
+        <p:spPr>
+          <a:noFill/>
+          <a:ln/>
+          <a:extLst>
+            <a:ext uri="{909E8E84-426E-40dd-AFC4-6F175D3DCCD1}">
+              <a14:hiddenFill xmlns:a14="http://schemas.microsoft.com/office/drawing/2010/main">
+                <a:solidFill>
+                  <a:srgbClr val="FFFFFF"/>
+                </a:solidFill>
+              </a14:hiddenFill>
+            </a:ext>
+            <a:ext uri="{91240B29-F687-4f45-9708-019B960494DF}">
+              <a14:hiddenLine xmlns:a14="http://schemas.microsoft.com/office/drawing/2010/main" w="9525">
+                <a:solidFill>
+                  <a:srgbClr val="000000"/>
+                </a:solidFill>
+                <a:miter lim="800000"/>
+                <a:headEnd/>
+                <a:tailEnd/>
+              </a14:hiddenLine>
+            </a:ext>
+          </a:extLst>
+        </p:spPr>
+        <p:txBody>
+          <a:bodyPr/>
+          <a:lstStyle>
+            <a:lvl1pPr>
+              <a:defRPr>
+                <a:solidFill>
+                  <a:schemeClr val="tx1"/>
+                </a:solidFill>
+                <a:latin typeface="Arial" charset="0"/>
+                <a:ea typeface="ＭＳ Ｐゴシック" charset="0"/>
+              </a:defRPr>
+            </a:lvl1pPr>
+            <a:lvl2pPr marL="742950" indent="-285750">
+              <a:defRPr>
+                <a:solidFill>
+                  <a:schemeClr val="tx1"/>
+                </a:solidFill>
+                <a:latin typeface="Arial" charset="0"/>
+                <a:ea typeface="ＭＳ Ｐゴシック" charset="0"/>
+              </a:defRPr>
+            </a:lvl2pPr>
+            <a:lvl3pPr marL="1143000" indent="-228600">
+              <a:defRPr>
+                <a:solidFill>
+                  <a:schemeClr val="tx1"/>
+                </a:solidFill>
+                <a:latin typeface="Arial" charset="0"/>
+                <a:ea typeface="ＭＳ Ｐゴシック" charset="0"/>
+              </a:defRPr>
+            </a:lvl3pPr>
+            <a:lvl4pPr marL="1600200" indent="-228600">
+              <a:defRPr>
+                <a:solidFill>
+                  <a:schemeClr val="tx1"/>
+                </a:solidFill>
+                <a:latin typeface="Arial" charset="0"/>
+                <a:ea typeface="ＭＳ Ｐゴシック" charset="0"/>
+              </a:defRPr>
+            </a:lvl4pPr>
+            <a:lvl5pPr marL="2057400" indent="-228600">
+              <a:defRPr>
+                <a:solidFill>
+                  <a:schemeClr val="tx1"/>
+                </a:solidFill>
+                <a:latin typeface="Arial" charset="0"/>
+                <a:ea typeface="ＭＳ Ｐゴシック" charset="0"/>
+              </a:defRPr>
+            </a:lvl5pPr>
+            <a:lvl6pPr marL="2514600" indent="-228600" eaLnBrk="0" fontAlgn="base" hangingPunct="0">
+              <a:spcBef>
+                <a:spcPct val="0"/>
+              </a:spcBef>
+              <a:spcAft>
+                <a:spcPct val="0"/>
+              </a:spcAft>
+              <a:defRPr>
+                <a:solidFill>
+                  <a:schemeClr val="tx1"/>
+                </a:solidFill>
+                <a:latin typeface="Arial" charset="0"/>
+                <a:ea typeface="ＭＳ Ｐゴシック" charset="0"/>
+              </a:defRPr>
+            </a:lvl6pPr>
+            <a:lvl7pPr marL="2971800" indent="-228600" eaLnBrk="0" fontAlgn="base" hangingPunct="0">
+              <a:spcBef>
+                <a:spcPct val="0"/>
+              </a:spcBef>
+              <a:spcAft>
+                <a:spcPct val="0"/>
+              </a:spcAft>
+              <a:defRPr>
+                <a:solidFill>
+                  <a:schemeClr val="tx1"/>
+                </a:solidFill>
+                <a:latin typeface="Arial" charset="0"/>
+                <a:ea typeface="ＭＳ Ｐゴシック" charset="0"/>
+              </a:defRPr>
+            </a:lvl7pPr>
+            <a:lvl8pPr marL="3429000" indent="-228600" eaLnBrk="0" fontAlgn="base" hangingPunct="0">
+              <a:spcBef>
+                <a:spcPct val="0"/>
+              </a:spcBef>
+              <a:spcAft>
+                <a:spcPct val="0"/>
+              </a:spcAft>
+              <a:defRPr>
+                <a:solidFill>
+                  <a:schemeClr val="tx1"/>
+                </a:solidFill>
+                <a:latin typeface="Arial" charset="0"/>
+                <a:ea typeface="ＭＳ Ｐゴシック" charset="0"/>
+              </a:defRPr>
+            </a:lvl8pPr>
+            <a:lvl9pPr marL="3886200" indent="-228600" eaLnBrk="0" fontAlgn="base" hangingPunct="0">
+              <a:spcBef>
+                <a:spcPct val="0"/>
+              </a:spcBef>
+              <a:spcAft>
+                <a:spcPct val="0"/>
+              </a:spcAft>
+              <a:defRPr>
+                <a:solidFill>
+                  <a:schemeClr val="tx1"/>
+                </a:solidFill>
+                <a:latin typeface="Arial" charset="0"/>
+                <a:ea typeface="ＭＳ Ｐゴシック" charset="0"/>
+              </a:defRPr>
+            </a:lvl9pPr>
+          </a:lstStyle>
+          <a:p>
+            <a:fld id="{BFB2EED5-9D73-204C-BCD0-404BDD278E84}" type="slidenum">
+              <a:rPr lang="en-US"/>
+              <a:pPr/>
+              <a:t>51</a:t>
+            </a:fld>
+            <a:endParaRPr lang="en-US"/>
+          </a:p>
+        </p:txBody>
+      </p:sp>
+    </p:spTree>
+  </p:cSld>
+  <p:clrMapOvr>
+    <a:masterClrMapping/>
+  </p:clrMapOvr>
+</p:notes>
+</file>
+
+<file path=ppt/notesSlides/notesSlide51.xml><?xml version="1.0" encoding="utf-8"?>
 <p:notes xmlns:a="http://schemas.openxmlformats.org/drawingml/2006/main" xmlns:r="http://schemas.openxmlformats.org/officeDocument/2006/relationships" xmlns:p="http://schemas.openxmlformats.org/presentationml/2006/main">
   <p:cSld>
     <p:spTree>
@@ -11701,7 +11718,7 @@
 </p:notes>
 </file>
 
-<file path=ppt/notesSlides/notesSlide51.xml><?xml version="1.0" encoding="utf-8"?>
+<file path=ppt/notesSlides/notesSlide52.xml><?xml version="1.0" encoding="utf-8"?>
 <p:notes xmlns:a="http://schemas.openxmlformats.org/drawingml/2006/main" xmlns:r="http://schemas.openxmlformats.org/officeDocument/2006/relationships" xmlns:p="http://schemas.openxmlformats.org/presentationml/2006/main">
   <p:cSld>
     <p:spTree>
@@ -11923,7 +11940,7 @@
             <a:fld id="{DA4D1B00-FFE3-1440-8A72-B672AC7ABAE9}" type="slidenum">
               <a:rPr lang="en-US"/>
               <a:pPr/>
-              <a:t>53</a:t>
+              <a:t>54</a:t>
             </a:fld>
             <a:endParaRPr lang="en-US"/>
           </a:p>
@@ -12236,7 +12253,7 @@
             <a:fld id="{67798AC4-2F23-3D4A-A799-2E16510E92B0}" type="slidenum">
               <a:rPr lang="en-US"/>
               <a:pPr/>
-              <a:t>7</a:t>
+              <a:t>6</a:t>
             </a:fld>
             <a:endParaRPr lang="en-US"/>
           </a:p>
@@ -12251,6 +12268,319 @@
 </file>
 
 <file path=ppt/notesSlides/notesSlide7.xml><?xml version="1.0" encoding="utf-8"?>
+<p:notes xmlns:a="http://schemas.openxmlformats.org/drawingml/2006/main" xmlns:r="http://schemas.openxmlformats.org/officeDocument/2006/relationships" xmlns:p="http://schemas.openxmlformats.org/presentationml/2006/main">
+  <p:cSld>
+    <p:spTree>
+      <p:nvGrpSpPr>
+        <p:cNvPr id="1" name=""/>
+        <p:cNvGrpSpPr/>
+        <p:nvPr/>
+      </p:nvGrpSpPr>
+      <p:grpSpPr>
+        <a:xfrm>
+          <a:off x="0" y="0"/>
+          <a:ext cx="0" cy="0"/>
+          <a:chOff x="0" y="0"/>
+          <a:chExt cx="0" cy="0"/>
+        </a:xfrm>
+      </p:grpSpPr>
+      <p:sp>
+        <p:nvSpPr>
+          <p:cNvPr id="81922" name="Slide Image Placeholder 1"/>
+          <p:cNvSpPr>
+            <a:spLocks noGrp="1" noRot="1" noChangeAspect="1" noTextEdit="1"/>
+          </p:cNvSpPr>
+          <p:nvPr>
+            <p:ph type="sldImg"/>
+          </p:nvPr>
+        </p:nvSpPr>
+        <p:spPr>
+          <a:ln/>
+        </p:spPr>
+      </p:sp>
+      <p:sp>
+        <p:nvSpPr>
+          <p:cNvPr id="81923" name="Notes Placeholder 2"/>
+          <p:cNvSpPr>
+            <a:spLocks noGrp="1"/>
+          </p:cNvSpPr>
+          <p:nvPr>
+            <p:ph type="body" idx="1"/>
+          </p:nvPr>
+        </p:nvSpPr>
+        <p:spPr>
+          <a:noFill/>
+          <a:ln/>
+          <a:extLst>
+            <a:ext uri="{909E8E84-426E-40dd-AFC4-6F175D3DCCD1}">
+              <a14:hiddenFill xmlns:a14="http://schemas.microsoft.com/office/drawing/2010/main">
+                <a:solidFill>
+                  <a:srgbClr val="FFFFFF"/>
+                </a:solidFill>
+              </a14:hiddenFill>
+            </a:ext>
+            <a:ext uri="{91240B29-F687-4f45-9708-019B960494DF}">
+              <a14:hiddenLine xmlns:a14="http://schemas.microsoft.com/office/drawing/2010/main" w="9525">
+                <a:solidFill>
+                  <a:srgbClr val="000000"/>
+                </a:solidFill>
+                <a:miter lim="800000"/>
+                <a:headEnd/>
+                <a:tailEnd/>
+              </a14:hiddenLine>
+            </a:ext>
+            <a:ext uri="{FAA26D3D-D897-4be2-8F04-BA451C77F1D7}">
+              <ma14:placeholderFlag xmlns:ma14="http://schemas.microsoft.com/office/mac/drawingml/2011/main" val="1"/>
+            </a:ext>
+          </a:extLst>
+        </p:spPr>
+        <p:txBody>
+          <a:bodyPr/>
+          <a:lstStyle/>
+          <a:p>
+            <a:pPr eaLnBrk="1" hangingPunct="1">
+              <a:buFont typeface="Wingdings" charset="0"/>
+              <a:buNone/>
+            </a:pPr>
+            <a:r>
+              <a:rPr lang="en-US" dirty="0" smtClean="0">
+                <a:latin typeface="Arial" charset="0"/>
+              </a:rPr>
+              <a:t>Uses simple nested conditional structure</a:t>
+            </a:r>
+          </a:p>
+          <a:p>
+            <a:pPr lvl="1" eaLnBrk="1" hangingPunct="1"/>
+            <a:r>
+              <a:rPr lang="en-US" dirty="0" smtClean="0">
+                <a:latin typeface="Arial" charset="0"/>
+              </a:rPr>
+              <a:t>Tree structured</a:t>
+            </a:r>
+          </a:p>
+          <a:p>
+            <a:pPr lvl="1" eaLnBrk="1" hangingPunct="1"/>
+            <a:r>
+              <a:rPr lang="en-US" dirty="0" smtClean="0">
+                <a:latin typeface="Arial" charset="0"/>
+              </a:rPr>
+              <a:t>At each interior node we look at one feature </a:t>
+            </a:r>
+          </a:p>
+          <a:p>
+            <a:pPr lvl="1" eaLnBrk="1" hangingPunct="1"/>
+            <a:r>
+              <a:rPr lang="en-US" dirty="0" smtClean="0">
+                <a:latin typeface="Arial" charset="0"/>
+              </a:rPr>
+              <a:t>Value of this feature selects a sub-tree for making the rest of the decision </a:t>
+            </a:r>
+            <a:r>
+              <a:rPr lang="en-US" sz="2000" dirty="0" smtClean="0">
+                <a:latin typeface="Arial" charset="0"/>
+              </a:rPr>
+              <a:t>(so edges are labeled with feature values)</a:t>
+            </a:r>
+          </a:p>
+          <a:p>
+            <a:pPr lvl="1" eaLnBrk="1" hangingPunct="1"/>
+            <a:r>
+              <a:rPr lang="en-US" dirty="0" smtClean="0">
+                <a:latin typeface="Arial" charset="0"/>
+              </a:rPr>
+              <a:t>At leaves we make a classification (assign the class)</a:t>
+            </a:r>
+          </a:p>
+          <a:p>
+            <a:pPr lvl="1" eaLnBrk="1" hangingPunct="1">
+              <a:buFontTx/>
+              <a:buNone/>
+            </a:pPr>
+            <a:endParaRPr lang="en-US" dirty="0" smtClean="0">
+              <a:latin typeface="Arial" charset="0"/>
+            </a:endParaRPr>
+          </a:p>
+          <a:p>
+            <a:pPr eaLnBrk="1" hangingPunct="1">
+              <a:buFont typeface="Wingdings" charset="0"/>
+              <a:buNone/>
+            </a:pPr>
+            <a:endParaRPr lang="en-US" dirty="0" smtClean="0">
+              <a:latin typeface="Arial" charset="0"/>
+            </a:endParaRPr>
+          </a:p>
+          <a:p>
+            <a:pPr eaLnBrk="1" hangingPunct="1">
+              <a:buFont typeface="Wingdings" charset="0"/>
+              <a:buNone/>
+            </a:pPr>
+            <a:endParaRPr lang="en-US" dirty="0">
+              <a:latin typeface="Arial" charset="0"/>
+            </a:endParaRPr>
+          </a:p>
+        </p:txBody>
+      </p:sp>
+      <p:sp>
+        <p:nvSpPr>
+          <p:cNvPr id="81924" name="Slide Number Placeholder 3"/>
+          <p:cNvSpPr>
+            <a:spLocks noGrp="1"/>
+          </p:cNvSpPr>
+          <p:nvPr>
+            <p:ph type="sldNum" sz="quarter" idx="5"/>
+          </p:nvPr>
+        </p:nvSpPr>
+        <p:spPr>
+          <a:noFill/>
+          <a:ln/>
+          <a:extLst>
+            <a:ext uri="{909E8E84-426E-40dd-AFC4-6F175D3DCCD1}">
+              <a14:hiddenFill xmlns:a14="http://schemas.microsoft.com/office/drawing/2010/main">
+                <a:solidFill>
+                  <a:srgbClr val="FFFFFF"/>
+                </a:solidFill>
+              </a14:hiddenFill>
+            </a:ext>
+            <a:ext uri="{91240B29-F687-4f45-9708-019B960494DF}">
+              <a14:hiddenLine xmlns:a14="http://schemas.microsoft.com/office/drawing/2010/main" w="9525">
+                <a:solidFill>
+                  <a:srgbClr val="000000"/>
+                </a:solidFill>
+                <a:miter lim="800000"/>
+                <a:headEnd/>
+                <a:tailEnd/>
+              </a14:hiddenLine>
+            </a:ext>
+          </a:extLst>
+        </p:spPr>
+        <p:txBody>
+          <a:bodyPr/>
+          <a:lstStyle>
+            <a:lvl1pPr>
+              <a:defRPr>
+                <a:solidFill>
+                  <a:schemeClr val="tx1"/>
+                </a:solidFill>
+                <a:latin typeface="Arial" charset="0"/>
+                <a:ea typeface="ＭＳ Ｐゴシック" charset="0"/>
+              </a:defRPr>
+            </a:lvl1pPr>
+            <a:lvl2pPr marL="742950" indent="-285750">
+              <a:defRPr>
+                <a:solidFill>
+                  <a:schemeClr val="tx1"/>
+                </a:solidFill>
+                <a:latin typeface="Arial" charset="0"/>
+                <a:ea typeface="ＭＳ Ｐゴシック" charset="0"/>
+              </a:defRPr>
+            </a:lvl2pPr>
+            <a:lvl3pPr marL="1143000" indent="-228600">
+              <a:defRPr>
+                <a:solidFill>
+                  <a:schemeClr val="tx1"/>
+                </a:solidFill>
+                <a:latin typeface="Arial" charset="0"/>
+                <a:ea typeface="ＭＳ Ｐゴシック" charset="0"/>
+              </a:defRPr>
+            </a:lvl3pPr>
+            <a:lvl4pPr marL="1600200" indent="-228600">
+              <a:defRPr>
+                <a:solidFill>
+                  <a:schemeClr val="tx1"/>
+                </a:solidFill>
+                <a:latin typeface="Arial" charset="0"/>
+                <a:ea typeface="ＭＳ Ｐゴシック" charset="0"/>
+              </a:defRPr>
+            </a:lvl4pPr>
+            <a:lvl5pPr marL="2057400" indent="-228600">
+              <a:defRPr>
+                <a:solidFill>
+                  <a:schemeClr val="tx1"/>
+                </a:solidFill>
+                <a:latin typeface="Arial" charset="0"/>
+                <a:ea typeface="ＭＳ Ｐゴシック" charset="0"/>
+              </a:defRPr>
+            </a:lvl5pPr>
+            <a:lvl6pPr marL="2514600" indent="-228600" eaLnBrk="0" fontAlgn="base" hangingPunct="0">
+              <a:spcBef>
+                <a:spcPct val="0"/>
+              </a:spcBef>
+              <a:spcAft>
+                <a:spcPct val="0"/>
+              </a:spcAft>
+              <a:defRPr>
+                <a:solidFill>
+                  <a:schemeClr val="tx1"/>
+                </a:solidFill>
+                <a:latin typeface="Arial" charset="0"/>
+                <a:ea typeface="ＭＳ Ｐゴシック" charset="0"/>
+              </a:defRPr>
+            </a:lvl6pPr>
+            <a:lvl7pPr marL="2971800" indent="-228600" eaLnBrk="0" fontAlgn="base" hangingPunct="0">
+              <a:spcBef>
+                <a:spcPct val="0"/>
+              </a:spcBef>
+              <a:spcAft>
+                <a:spcPct val="0"/>
+              </a:spcAft>
+              <a:defRPr>
+                <a:solidFill>
+                  <a:schemeClr val="tx1"/>
+                </a:solidFill>
+                <a:latin typeface="Arial" charset="0"/>
+                <a:ea typeface="ＭＳ Ｐゴシック" charset="0"/>
+              </a:defRPr>
+            </a:lvl7pPr>
+            <a:lvl8pPr marL="3429000" indent="-228600" eaLnBrk="0" fontAlgn="base" hangingPunct="0">
+              <a:spcBef>
+                <a:spcPct val="0"/>
+              </a:spcBef>
+              <a:spcAft>
+                <a:spcPct val="0"/>
+              </a:spcAft>
+              <a:defRPr>
+                <a:solidFill>
+                  <a:schemeClr val="tx1"/>
+                </a:solidFill>
+                <a:latin typeface="Arial" charset="0"/>
+                <a:ea typeface="ＭＳ Ｐゴシック" charset="0"/>
+              </a:defRPr>
+            </a:lvl8pPr>
+            <a:lvl9pPr marL="3886200" indent="-228600" eaLnBrk="0" fontAlgn="base" hangingPunct="0">
+              <a:spcBef>
+                <a:spcPct val="0"/>
+              </a:spcBef>
+              <a:spcAft>
+                <a:spcPct val="0"/>
+              </a:spcAft>
+              <a:defRPr>
+                <a:solidFill>
+                  <a:schemeClr val="tx1"/>
+                </a:solidFill>
+                <a:latin typeface="Arial" charset="0"/>
+                <a:ea typeface="ＭＳ Ｐゴシック" charset="0"/>
+              </a:defRPr>
+            </a:lvl9pPr>
+          </a:lstStyle>
+          <a:p>
+            <a:fld id="{67798AC4-2F23-3D4A-A799-2E16510E92B0}" type="slidenum">
+              <a:rPr lang="en-US"/>
+              <a:pPr/>
+              <a:t>7</a:t>
+            </a:fld>
+            <a:endParaRPr lang="en-US"/>
+          </a:p>
+        </p:txBody>
+      </p:sp>
+    </p:spTree>
+  </p:cSld>
+  <p:clrMapOvr>
+    <a:masterClrMapping/>
+  </p:clrMapOvr>
+</p:notes>
+</file>
+
+<file path=ppt/notesSlides/notesSlide8.xml><?xml version="1.0" encoding="utf-8"?>
 <p:notes xmlns:a="http://schemas.openxmlformats.org/drawingml/2006/main" xmlns:r="http://schemas.openxmlformats.org/officeDocument/2006/relationships" xmlns:p="http://schemas.openxmlformats.org/presentationml/2006/main">
   <p:cSld>
     <p:spTree>
@@ -12495,7 +12825,7 @@
 </p:notes>
 </file>
 
-<file path=ppt/notesSlides/notesSlide8.xml><?xml version="1.0" encoding="utf-8"?>
+<file path=ppt/notesSlides/notesSlide9.xml><?xml version="1.0" encoding="utf-8"?>
 <p:notes xmlns:a="http://schemas.openxmlformats.org/drawingml/2006/main" xmlns:r="http://schemas.openxmlformats.org/officeDocument/2006/relationships" xmlns:p="http://schemas.openxmlformats.org/presentationml/2006/main">
   <p:cSld>
     <p:spTree>
@@ -12791,251 +13121,6 @@
           <a:p>
             <a:pPr eaLnBrk="1" hangingPunct="1"/>
             <a:endParaRPr lang="en-US" dirty="0"/>
-          </a:p>
-        </p:txBody>
-      </p:sp>
-    </p:spTree>
-  </p:cSld>
-  <p:clrMapOvr>
-    <a:masterClrMapping/>
-  </p:clrMapOvr>
-</p:notes>
-</file>
-
-<file path=ppt/notesSlides/notesSlide9.xml><?xml version="1.0" encoding="utf-8"?>
-<p:notes xmlns:a="http://schemas.openxmlformats.org/drawingml/2006/main" xmlns:r="http://schemas.openxmlformats.org/officeDocument/2006/relationships" xmlns:p="http://schemas.openxmlformats.org/presentationml/2006/main">
-  <p:cSld>
-    <p:spTree>
-      <p:nvGrpSpPr>
-        <p:cNvPr id="1" name=""/>
-        <p:cNvGrpSpPr/>
-        <p:nvPr/>
-      </p:nvGrpSpPr>
-      <p:grpSpPr>
-        <a:xfrm>
-          <a:off x="0" y="0"/>
-          <a:ext cx="0" cy="0"/>
-          <a:chOff x="0" y="0"/>
-          <a:chExt cx="0" cy="0"/>
-        </a:xfrm>
-      </p:grpSpPr>
-      <p:sp>
-        <p:nvSpPr>
-          <p:cNvPr id="159746" name="Rectangle 7"/>
-          <p:cNvSpPr>
-            <a:spLocks noGrp="1" noChangeArrowheads="1"/>
-          </p:cNvSpPr>
-          <p:nvPr>
-            <p:ph type="sldNum" sz="quarter" idx="5"/>
-          </p:nvPr>
-        </p:nvSpPr>
-        <p:spPr>
-          <a:noFill/>
-          <a:ln/>
-          <a:extLst>
-            <a:ext uri="{909E8E84-426E-40dd-AFC4-6F175D3DCCD1}">
-              <a14:hiddenFill xmlns:a14="http://schemas.microsoft.com/office/drawing/2010/main">
-                <a:solidFill>
-                  <a:srgbClr val="FFFFFF"/>
-                </a:solidFill>
-              </a14:hiddenFill>
-            </a:ext>
-            <a:ext uri="{91240B29-F687-4f45-9708-019B960494DF}">
-              <a14:hiddenLine xmlns:a14="http://schemas.microsoft.com/office/drawing/2010/main" w="9525">
-                <a:solidFill>
-                  <a:srgbClr val="000000"/>
-                </a:solidFill>
-                <a:miter lim="800000"/>
-                <a:headEnd/>
-                <a:tailEnd/>
-              </a14:hiddenLine>
-            </a:ext>
-          </a:extLst>
-        </p:spPr>
-        <p:txBody>
-          <a:bodyPr/>
-          <a:lstStyle>
-            <a:lvl1pPr>
-              <a:defRPr sz="2000">
-                <a:solidFill>
-                  <a:schemeClr val="tx1"/>
-                </a:solidFill>
-                <a:latin typeface="Arial" charset="0"/>
-                <a:ea typeface="ＭＳ Ｐゴシック" charset="0"/>
-                <a:cs typeface="Arial" charset="0"/>
-              </a:defRPr>
-            </a:lvl1pPr>
-            <a:lvl2pPr marL="742950" indent="-285750">
-              <a:defRPr sz="2000">
-                <a:solidFill>
-                  <a:schemeClr val="tx1"/>
-                </a:solidFill>
-                <a:latin typeface="Arial" charset="0"/>
-                <a:ea typeface="Arial" charset="0"/>
-                <a:cs typeface="Arial" charset="0"/>
-              </a:defRPr>
-            </a:lvl2pPr>
-            <a:lvl3pPr marL="1143000" indent="-228600">
-              <a:defRPr sz="2000">
-                <a:solidFill>
-                  <a:schemeClr val="tx1"/>
-                </a:solidFill>
-                <a:latin typeface="Arial" charset="0"/>
-                <a:ea typeface="Arial" charset="0"/>
-                <a:cs typeface="Arial" charset="0"/>
-              </a:defRPr>
-            </a:lvl3pPr>
-            <a:lvl4pPr marL="1600200" indent="-228600">
-              <a:defRPr sz="2000">
-                <a:solidFill>
-                  <a:schemeClr val="tx1"/>
-                </a:solidFill>
-                <a:latin typeface="Arial" charset="0"/>
-                <a:ea typeface="Arial" charset="0"/>
-                <a:cs typeface="Arial" charset="0"/>
-              </a:defRPr>
-            </a:lvl4pPr>
-            <a:lvl5pPr marL="2057400" indent="-228600">
-              <a:defRPr sz="2000">
-                <a:solidFill>
-                  <a:schemeClr val="tx1"/>
-                </a:solidFill>
-                <a:latin typeface="Arial" charset="0"/>
-                <a:ea typeface="Arial" charset="0"/>
-                <a:cs typeface="Arial" charset="0"/>
-              </a:defRPr>
-            </a:lvl5pPr>
-            <a:lvl6pPr marL="2514600" indent="-228600" eaLnBrk="0" fontAlgn="base" hangingPunct="0">
-              <a:spcBef>
-                <a:spcPct val="0"/>
-              </a:spcBef>
-              <a:spcAft>
-                <a:spcPct val="0"/>
-              </a:spcAft>
-              <a:defRPr sz="2000">
-                <a:solidFill>
-                  <a:schemeClr val="tx1"/>
-                </a:solidFill>
-                <a:latin typeface="Arial" charset="0"/>
-                <a:ea typeface="Arial" charset="0"/>
-                <a:cs typeface="Arial" charset="0"/>
-              </a:defRPr>
-            </a:lvl6pPr>
-            <a:lvl7pPr marL="2971800" indent="-228600" eaLnBrk="0" fontAlgn="base" hangingPunct="0">
-              <a:spcBef>
-                <a:spcPct val="0"/>
-              </a:spcBef>
-              <a:spcAft>
-                <a:spcPct val="0"/>
-              </a:spcAft>
-              <a:defRPr sz="2000">
-                <a:solidFill>
-                  <a:schemeClr val="tx1"/>
-                </a:solidFill>
-                <a:latin typeface="Arial" charset="0"/>
-                <a:ea typeface="Arial" charset="0"/>
-                <a:cs typeface="Arial" charset="0"/>
-              </a:defRPr>
-            </a:lvl7pPr>
-            <a:lvl8pPr marL="3429000" indent="-228600" eaLnBrk="0" fontAlgn="base" hangingPunct="0">
-              <a:spcBef>
-                <a:spcPct val="0"/>
-              </a:spcBef>
-              <a:spcAft>
-                <a:spcPct val="0"/>
-              </a:spcAft>
-              <a:defRPr sz="2000">
-                <a:solidFill>
-                  <a:schemeClr val="tx1"/>
-                </a:solidFill>
-                <a:latin typeface="Arial" charset="0"/>
-                <a:ea typeface="Arial" charset="0"/>
-                <a:cs typeface="Arial" charset="0"/>
-              </a:defRPr>
-            </a:lvl8pPr>
-            <a:lvl9pPr marL="3886200" indent="-228600" eaLnBrk="0" fontAlgn="base" hangingPunct="0">
-              <a:spcBef>
-                <a:spcPct val="0"/>
-              </a:spcBef>
-              <a:spcAft>
-                <a:spcPct val="0"/>
-              </a:spcAft>
-              <a:defRPr sz="2000">
-                <a:solidFill>
-                  <a:schemeClr val="tx1"/>
-                </a:solidFill>
-                <a:latin typeface="Arial" charset="0"/>
-                <a:ea typeface="Arial" charset="0"/>
-                <a:cs typeface="Arial" charset="0"/>
-              </a:defRPr>
-            </a:lvl9pPr>
-          </a:lstStyle>
-          <a:p>
-            <a:fld id="{E466AD6A-0C79-6B45-BD81-96C0113D7540}" type="slidenum">
-              <a:rPr lang="en-US" sz="1200"/>
-              <a:pPr/>
-              <a:t>10</a:t>
-            </a:fld>
-            <a:endParaRPr lang="en-US" sz="1200"/>
-          </a:p>
-        </p:txBody>
-      </p:sp>
-      <p:sp>
-        <p:nvSpPr>
-          <p:cNvPr id="159747" name="Rectangle 2"/>
-          <p:cNvSpPr>
-            <a:spLocks noGrp="1" noRot="1" noChangeAspect="1" noChangeArrowheads="1" noTextEdit="1"/>
-          </p:cNvSpPr>
-          <p:nvPr>
-            <p:ph type="sldImg"/>
-          </p:nvPr>
-        </p:nvSpPr>
-        <p:spPr>
-          <a:ln/>
-        </p:spPr>
-      </p:sp>
-      <p:sp>
-        <p:nvSpPr>
-          <p:cNvPr id="159748" name="Rectangle 3"/>
-          <p:cNvSpPr>
-            <a:spLocks noGrp="1" noChangeArrowheads="1"/>
-          </p:cNvSpPr>
-          <p:nvPr>
-            <p:ph type="body" idx="1"/>
-          </p:nvPr>
-        </p:nvSpPr>
-        <p:spPr>
-          <a:noFill/>
-          <a:ln/>
-          <a:extLst>
-            <a:ext uri="{909E8E84-426E-40dd-AFC4-6F175D3DCCD1}">
-              <a14:hiddenFill xmlns:a14="http://schemas.microsoft.com/office/drawing/2010/main">
-                <a:solidFill>
-                  <a:srgbClr val="FFFFFF"/>
-                </a:solidFill>
-              </a14:hiddenFill>
-            </a:ext>
-            <a:ext uri="{91240B29-F687-4f45-9708-019B960494DF}">
-              <a14:hiddenLine xmlns:a14="http://schemas.microsoft.com/office/drawing/2010/main" w="9525">
-                <a:solidFill>
-                  <a:srgbClr val="000000"/>
-                </a:solidFill>
-                <a:miter lim="800000"/>
-                <a:headEnd/>
-                <a:tailEnd/>
-              </a14:hiddenLine>
-            </a:ext>
-            <a:ext uri="{FAA26D3D-D897-4be2-8F04-BA451C77F1D7}">
-              <ma14:placeholderFlag xmlns:ma14="http://schemas.microsoft.com/office/mac/drawingml/2011/main" val="1"/>
-            </a:ext>
-          </a:extLst>
-        </p:spPr>
-        <p:txBody>
-          <a:bodyPr/>
-          <a:lstStyle/>
-          <a:p>
-            <a:pPr eaLnBrk="1" hangingPunct="1"/>
-            <a:endParaRPr lang="en-US"/>
           </a:p>
         </p:txBody>
       </p:sp>
@@ -13564,7 +13649,7 @@
             <a:fld id="{FA3C144B-2939-9A49-B014-915EC3E81866}" type="datetime1">
               <a:rPr lang="en-US" smtClean="0"/>
               <a:pPr/>
-              <a:t>3/17/14</a:t>
+              <a:t>3/18/14</a:t>
             </a:fld>
             <a:endParaRPr lang="en-US" dirty="0"/>
           </a:p>
@@ -13993,7 +14078,7 @@
           <a:p>
             <a:fld id="{76838339-A875-5E45-AB3F-AAABD270346A}" type="datetime1">
               <a:rPr lang="en-US" smtClean="0"/>
-              <a:t>3/17/14</a:t>
+              <a:t>3/18/14</a:t>
             </a:fld>
             <a:endParaRPr lang="en-US"/>
           </a:p>
@@ -14279,7 +14364,7 @@
             <a:fld id="{FA3C144B-2939-9A49-B014-915EC3E81866}" type="datetime1">
               <a:rPr lang="en-US" smtClean="0"/>
               <a:pPr/>
-              <a:t>3/17/14</a:t>
+              <a:t>3/18/14</a:t>
             </a:fld>
             <a:endParaRPr lang="en-US" dirty="0"/>
           </a:p>
@@ -14761,7 +14846,7 @@
           <a:p>
             <a:fld id="{A73F672F-A5FB-5745-934A-1BF51CA5539C}" type="datetime1">
               <a:rPr lang="en-US" smtClean="0"/>
-              <a:t>3/17/14</a:t>
+              <a:t>3/18/14</a:t>
             </a:fld>
             <a:endParaRPr lang="en-US"/>
           </a:p>
@@ -15103,7 +15188,7 @@
             <a:fld id="{FA3C144B-2939-9A49-B014-915EC3E81866}" type="datetime1">
               <a:rPr lang="en-US" smtClean="0"/>
               <a:pPr/>
-              <a:t>3/17/14</a:t>
+              <a:t>3/18/14</a:t>
             </a:fld>
             <a:endParaRPr lang="en-US" dirty="0"/>
           </a:p>
@@ -15567,7 +15652,7 @@
           <a:p>
             <a:fld id="{6AFE6A63-5EBE-3E48-B0AE-DF655A1ECE76}" type="datetime1">
               <a:rPr lang="en-US" smtClean="0"/>
-              <a:t>3/17/14</a:t>
+              <a:t>3/18/14</a:t>
             </a:fld>
             <a:endParaRPr lang="en-US"/>
           </a:p>
@@ -15886,7 +15971,7 @@
           <a:p>
             <a:fld id="{4A019F0C-9D18-B54A-9AC9-18AA74EDB034}" type="datetime1">
               <a:rPr lang="en-US" smtClean="0"/>
-              <a:t>3/17/14</a:t>
+              <a:t>3/18/14</a:t>
             </a:fld>
             <a:endParaRPr lang="en-US"/>
           </a:p>
@@ -16196,7 +16281,7 @@
             <a:fld id="{FA3C144B-2939-9A49-B014-915EC3E81866}" type="datetime1">
               <a:rPr lang="en-US" smtClean="0"/>
               <a:pPr/>
-              <a:t>3/17/14</a:t>
+              <a:t>3/18/14</a:t>
             </a:fld>
             <a:endParaRPr lang="en-US" dirty="0"/>
           </a:p>
@@ -16459,7 +16544,7 @@
           <a:p>
             <a:fld id="{FA3C144B-2939-9A49-B014-915EC3E81866}" type="datetime1">
               <a:rPr lang="en-US" smtClean="0"/>
-              <a:t>3/17/14</a:t>
+              <a:t>3/18/14</a:t>
             </a:fld>
             <a:endParaRPr lang="en-US" dirty="0"/>
           </a:p>
@@ -16827,7 +16912,7 @@
           <a:p>
             <a:fld id="{7053BEFA-1175-F644-B249-7D41D72BD3FF}" type="datetime1">
               <a:rPr lang="en-US" smtClean="0"/>
-              <a:t>3/17/14</a:t>
+              <a:t>3/18/14</a:t>
             </a:fld>
             <a:endParaRPr lang="en-US"/>
           </a:p>
@@ -16946,7 +17031,7 @@
             <a:fld id="{FA3C144B-2939-9A49-B014-915EC3E81866}" type="datetime1">
               <a:rPr lang="en-US" smtClean="0"/>
               <a:pPr/>
-              <a:t>3/17/14</a:t>
+              <a:t>3/18/14</a:t>
             </a:fld>
             <a:endParaRPr lang="en-US" dirty="0"/>
           </a:p>
@@ -17163,7 +17248,7 @@
             <a:fld id="{FA3C144B-2939-9A49-B014-915EC3E81866}" type="datetime1">
               <a:rPr lang="en-US" smtClean="0"/>
               <a:pPr/>
-              <a:t>3/17/14</a:t>
+              <a:t>3/18/14</a:t>
             </a:fld>
             <a:endParaRPr lang="en-US" dirty="0"/>
           </a:p>
@@ -17408,7 +17493,7 @@
             <a:fld id="{FA3C144B-2939-9A49-B014-915EC3E81866}" type="datetime1">
               <a:rPr lang="en-US" smtClean="0"/>
               <a:pPr/>
-              <a:t>3/17/14</a:t>
+              <a:t>3/18/14</a:t>
             </a:fld>
             <a:endParaRPr lang="en-US" dirty="0"/>
           </a:p>
@@ -17786,7 +17871,7 @@
           <a:p>
             <a:fld id="{111EEF3B-ABF2-AA4E-9E24-0C6256942674}" type="datetime1">
               <a:rPr lang="en-US" smtClean="0"/>
-              <a:t>3/17/14</a:t>
+              <a:t>3/18/14</a:t>
             </a:fld>
             <a:endParaRPr lang="en-US"/>
           </a:p>
@@ -17950,7 +18035,7 @@
             <a:fld id="{FA3C144B-2939-9A49-B014-915EC3E81866}" type="datetime1">
               <a:rPr lang="en-US" smtClean="0"/>
               <a:pPr/>
-              <a:t>3/17/14</a:t>
+              <a:t>3/18/14</a:t>
             </a:fld>
             <a:endParaRPr lang="en-US" dirty="0"/>
           </a:p>
@@ -18367,7 +18452,7 @@
             <a:fld id="{FA3C144B-2939-9A49-B014-915EC3E81866}" type="datetime1">
               <a:rPr lang="en-US" smtClean="0"/>
               <a:pPr/>
-              <a:t>3/17/14</a:t>
+              <a:t>3/18/14</a:t>
             </a:fld>
             <a:endParaRPr lang="en-US" dirty="0"/>
           </a:p>
@@ -18683,7 +18768,7 @@
             <a:fld id="{FA3C144B-2939-9A49-B014-915EC3E81866}" type="datetime1">
               <a:rPr lang="en-US" smtClean="0"/>
               <a:pPr/>
-              <a:t>3/17/14</a:t>
+              <a:t>3/18/14</a:t>
             </a:fld>
             <a:endParaRPr lang="en-US" dirty="0"/>
           </a:p>
@@ -19349,7 +19434,7 @@
             <a:fld id="{FA3C144B-2939-9A49-B014-915EC3E81866}" type="datetime1">
               <a:rPr lang="en-US" smtClean="0"/>
               <a:pPr/>
-              <a:t>3/17/14</a:t>
+              <a:t>3/18/14</a:t>
             </a:fld>
             <a:endParaRPr lang="en-US" dirty="0"/>
           </a:p>
@@ -20199,7 +20284,7 @@
           <p:nvPr/>
         </p:nvPicPr>
         <p:blipFill>
-          <a:blip r:embed="rId2"/>
+          <a:blip r:embed="rId3"/>
           <a:stretch>
             <a:fillRect/>
           </a:stretch>
@@ -24358,11 +24443,11 @@
   <p:clrMapOvr>
     <a:masterClrMapping/>
   </p:clrMapOvr>
-  <mc:AlternateContent xmlns:mc="http://schemas.openxmlformats.org/markup-compatibility/2006">
-    <mc:Choice xmlns:p14="http://schemas.microsoft.com/office/powerpoint/2010/main" Requires="p14">
+  <mc:AlternateContent xmlns:mc="http://schemas.openxmlformats.org/markup-compatibility/2006" xmlns:p14="http://schemas.microsoft.com/office/powerpoint/2010/main">
+    <mc:Choice Requires="p14">
       <p:transition spd="slow" p14:dur="2000"/>
     </mc:Choice>
-    <mc:Fallback>
+    <mc:Fallback xmlns="">
       <p:transition xmlns:p14="http://schemas.microsoft.com/office/powerpoint/2010/main" spd="slow"/>
     </mc:Fallback>
   </mc:AlternateContent>
@@ -37385,7 +37470,7 @@
           <a:graphicData uri="http://schemas.openxmlformats.org/presentationml/2006/ole">
             <mc:AlternateContent xmlns:mc="http://schemas.openxmlformats.org/markup-compatibility/2006">
               <mc:Choice xmlns:v="urn:schemas-microsoft-com:vml" Requires="v">
-                <p:oleObj spid="_x0000_s677957" name="Bitmap Image" r:id="rId4" imgW="25400" imgH="25400" progId="Paint.Picture">
+                <p:oleObj spid="_x0000_s677962" name="Bitmap Image" r:id="rId4" imgW="25400" imgH="25400" progId="Paint.Picture">
                   <p:embed/>
                 </p:oleObj>
               </mc:Choice>
@@ -37480,7 +37565,7 @@
           <a:graphicData uri="http://schemas.openxmlformats.org/presentationml/2006/ole">
             <mc:AlternateContent xmlns:mc="http://schemas.openxmlformats.org/markup-compatibility/2006">
               <mc:Choice xmlns:v="urn:schemas-microsoft-com:vml" Requires="v">
-                <p:oleObj spid="_x0000_s677958" name="Bitmap Image" r:id="rId6" imgW="3749365" imgH="2483810" progId="Paint.Picture">
+                <p:oleObj spid="_x0000_s677963" name="Bitmap Image" r:id="rId6" imgW="3749365" imgH="2483810" progId="Paint.Picture">
                   <p:embed/>
                 </p:oleObj>
               </mc:Choice>
@@ -46413,7 +46498,7 @@
           <a:graphicData uri="http://schemas.openxmlformats.org/presentationml/2006/ole">
             <mc:AlternateContent xmlns:mc="http://schemas.openxmlformats.org/markup-compatibility/2006">
               <mc:Choice xmlns:v="urn:schemas-microsoft-com:vml" Requires="v">
-                <p:oleObj spid="_x0000_s678981" name="Bitmap Image" r:id="rId4" imgW="25400" imgH="25400" progId="Paint.Picture">
+                <p:oleObj spid="_x0000_s678986" name="Bitmap Image" r:id="rId4" imgW="25400" imgH="25400" progId="Paint.Picture">
                   <p:embed/>
                 </p:oleObj>
               </mc:Choice>
@@ -46508,7 +46593,7 @@
           <a:graphicData uri="http://schemas.openxmlformats.org/presentationml/2006/ole">
             <mc:AlternateContent xmlns:mc="http://schemas.openxmlformats.org/markup-compatibility/2006">
               <mc:Choice xmlns:v="urn:schemas-microsoft-com:vml" Requires="v">
-                <p:oleObj spid="_x0000_s678982" name="Bitmap Image" r:id="rId6" imgW="3749365" imgH="2483810" progId="Paint.Picture">
+                <p:oleObj spid="_x0000_s678987" name="Bitmap Image" r:id="rId6" imgW="3749365" imgH="2483810" progId="Paint.Picture">
                   <p:embed/>
                 </p:oleObj>
               </mc:Choice>
@@ -47613,6 +47698,143 @@
       </p:grpSpPr>
       <p:sp>
         <p:nvSpPr>
+          <p:cNvPr id="2" name="Title 1"/>
+          <p:cNvSpPr>
+            <a:spLocks noGrp="1"/>
+          </p:cNvSpPr>
+          <p:nvPr>
+            <p:ph type="title"/>
+          </p:nvPr>
+        </p:nvSpPr>
+        <p:spPr/>
+        <p:txBody>
+          <a:bodyPr/>
+          <a:lstStyle/>
+          <a:p>
+            <a:r>
+              <a:rPr lang="en-US" dirty="0" smtClean="0"/>
+              <a:t>Need to add slides on regression and maybe unsupervised learning/clustering</a:t>
+            </a:r>
+            <a:endParaRPr lang="en-US" dirty="0"/>
+          </a:p>
+        </p:txBody>
+      </p:sp>
+      <p:sp>
+        <p:nvSpPr>
+          <p:cNvPr id="3" name="Content Placeholder 2"/>
+          <p:cNvSpPr>
+            <a:spLocks noGrp="1"/>
+          </p:cNvSpPr>
+          <p:nvPr>
+            <p:ph idx="1"/>
+          </p:nvPr>
+        </p:nvSpPr>
+        <p:spPr/>
+        <p:txBody>
+          <a:bodyPr/>
+          <a:lstStyle/>
+          <a:p>
+            <a:endParaRPr lang="en-US"/>
+          </a:p>
+        </p:txBody>
+      </p:sp>
+      <p:sp>
+        <p:nvSpPr>
+          <p:cNvPr id="4" name="Date Placeholder 3"/>
+          <p:cNvSpPr>
+            <a:spLocks noGrp="1"/>
+          </p:cNvSpPr>
+          <p:nvPr>
+            <p:ph type="dt" sz="half" idx="10"/>
+          </p:nvPr>
+        </p:nvSpPr>
+        <p:spPr/>
+        <p:txBody>
+          <a:bodyPr/>
+          <a:lstStyle/>
+          <a:p>
+            <a:fld id="{7053BEFA-1175-F644-B249-7D41D72BD3FF}" type="datetime1">
+              <a:rPr lang="en-US" smtClean="0"/>
+              <a:t>3/18/14</a:t>
+            </a:fld>
+            <a:endParaRPr lang="en-US"/>
+          </a:p>
+        </p:txBody>
+      </p:sp>
+      <p:sp>
+        <p:nvSpPr>
+          <p:cNvPr id="5" name="Footer Placeholder 4"/>
+          <p:cNvSpPr>
+            <a:spLocks noGrp="1"/>
+          </p:cNvSpPr>
+          <p:nvPr>
+            <p:ph type="ftr" sz="quarter" idx="11"/>
+          </p:nvPr>
+        </p:nvSpPr>
+        <p:spPr/>
+        <p:txBody>
+          <a:bodyPr/>
+          <a:lstStyle/>
+          <a:p>
+            <a:endParaRPr lang="en-US" dirty="0"/>
+          </a:p>
+        </p:txBody>
+      </p:sp>
+      <p:sp>
+        <p:nvSpPr>
+          <p:cNvPr id="6" name="Slide Number Placeholder 5"/>
+          <p:cNvSpPr>
+            <a:spLocks noGrp="1"/>
+          </p:cNvSpPr>
+          <p:nvPr>
+            <p:ph type="sldNum" sz="quarter" idx="12"/>
+          </p:nvPr>
+        </p:nvSpPr>
+        <p:spPr/>
+        <p:txBody>
+          <a:bodyPr/>
+          <a:lstStyle/>
+          <a:p>
+            <a:fld id="{17E276FA-8F89-B34D-A726-BE3FA1F8DD97}" type="slidenum">
+              <a:rPr lang="en-US" smtClean="0"/>
+              <a:t>53</a:t>
+            </a:fld>
+            <a:endParaRPr lang="en-US" dirty="0"/>
+          </a:p>
+        </p:txBody>
+      </p:sp>
+    </p:spTree>
+    <p:extLst>
+      <p:ext uri="{BB962C8B-B14F-4D97-AF65-F5344CB8AC3E}">
+        <p14:creationId xmlns:p14="http://schemas.microsoft.com/office/powerpoint/2010/main" val="1829253795"/>
+      </p:ext>
+    </p:extLst>
+  </p:cSld>
+  <p:clrMapOvr>
+    <a:masterClrMapping/>
+  </p:clrMapOvr>
+</p:sld>
+</file>
+
+<file path=ppt/slides/slide54.xml><?xml version="1.0" encoding="utf-8"?>
+<p:sld xmlns:a="http://schemas.openxmlformats.org/drawingml/2006/main" xmlns:r="http://schemas.openxmlformats.org/officeDocument/2006/relationships" xmlns:p="http://schemas.openxmlformats.org/presentationml/2006/main">
+  <p:cSld>
+    <p:spTree>
+      <p:nvGrpSpPr>
+        <p:cNvPr id="1" name=""/>
+        <p:cNvGrpSpPr/>
+        <p:nvPr/>
+      </p:nvGrpSpPr>
+      <p:grpSpPr>
+        <a:xfrm>
+          <a:off x="0" y="0"/>
+          <a:ext cx="0" cy="0"/>
+          <a:chOff x="0" y="0"/>
+          <a:chExt cx="0" cy="0"/>
+        </a:xfrm>
+      </p:grpSpPr>
+      <p:sp>
+        <p:nvSpPr>
           <p:cNvPr id="12290" name="Rectangle 2"/>
           <p:cNvSpPr>
             <a:spLocks noGrp="1" noChangeArrowheads="1"/>
@@ -47843,7 +48065,7 @@
           <a:graphicData uri="http://schemas.openxmlformats.org/presentationml/2006/ole">
             <mc:AlternateContent xmlns:mc="http://schemas.openxmlformats.org/markup-compatibility/2006">
               <mc:Choice xmlns:v="urn:schemas-microsoft-com:vml" Requires="v">
-                <p:oleObj spid="_x0000_s680005" name="Bitmap Image" r:id="rId4" imgW="25400" imgH="25400" progId="Paint.Picture">
+                <p:oleObj spid="_x0000_s680010" name="Bitmap Image" r:id="rId4" imgW="25400" imgH="25400" progId="Paint.Picture">
                   <p:embed/>
                 </p:oleObj>
               </mc:Choice>
@@ -47938,7 +48160,7 @@
           <a:graphicData uri="http://schemas.openxmlformats.org/presentationml/2006/ole">
             <mc:AlternateContent xmlns:mc="http://schemas.openxmlformats.org/markup-compatibility/2006">
               <mc:Choice xmlns:v="urn:schemas-microsoft-com:vml" Requires="v">
-                <p:oleObj spid="_x0000_s680006" name="Bitmap Image" r:id="rId6" imgW="3749365" imgH="2483810" progId="Paint.Picture">
+                <p:oleObj spid="_x0000_s680011" name="Bitmap Image" r:id="rId6" imgW="3749365" imgH="2483810" progId="Paint.Picture">
                   <p:embed/>
                 </p:oleObj>
               </mc:Choice>
@@ -48186,7 +48408,7 @@
           <a:graphicData uri="http://schemas.openxmlformats.org/presentationml/2006/ole">
             <mc:AlternateContent xmlns:mc="http://schemas.openxmlformats.org/markup-compatibility/2006">
               <mc:Choice xmlns:v="urn:schemas-microsoft-com:vml" Requires="v">
-                <p:oleObj spid="_x0000_s681029" name="Bitmap Image" r:id="rId4" imgW="25400" imgH="25400" progId="Paint.Picture">
+                <p:oleObj spid="_x0000_s681034" name="Bitmap Image" r:id="rId4" imgW="25400" imgH="25400" progId="Paint.Picture">
                   <p:embed/>
                 </p:oleObj>
               </mc:Choice>
@@ -48281,7 +48503,7 @@
           <a:graphicData uri="http://schemas.openxmlformats.org/presentationml/2006/ole">
             <mc:AlternateContent xmlns:mc="http://schemas.openxmlformats.org/markup-compatibility/2006">
               <mc:Choice xmlns:v="urn:schemas-microsoft-com:vml" Requires="v">
-                <p:oleObj spid="_x0000_s681030" name="Bitmap Image" r:id="rId6" imgW="3749365" imgH="2483810" progId="Paint.Picture">
+                <p:oleObj spid="_x0000_s681035" name="Bitmap Image" r:id="rId6" imgW="3749365" imgH="2483810" progId="Paint.Picture">
                   <p:embed/>
                 </p:oleObj>
               </mc:Choice>

--- a/Lectures/11 Machine Learning II Naive Bayes and Decision Trees.pptx
+++ b/Lectures/11 Machine Learning II Naive Bayes and Decision Trees.pptx
@@ -248,7 +248,7 @@
           <a:p>
             <a:fld id="{D3AAB66F-B1B7-D045-B4E8-4F60236F228D}" type="datetimeFigureOut">
               <a:rPr lang="en-US" smtClean="0"/>
-              <a:t>3/18/14</a:t>
+              <a:t>3/23/14</a:t>
             </a:fld>
             <a:endParaRPr lang="en-US"/>
           </a:p>
@@ -414,7 +414,7 @@
           <a:p>
             <a:fld id="{BCCF8E76-06A6-164E-A6FA-EC32C13EB232}" type="datetimeFigureOut">
               <a:rPr lang="en-US" smtClean="0"/>
-              <a:t>3/18/14</a:t>
+              <a:t>3/23/14</a:t>
             </a:fld>
             <a:endParaRPr lang="en-US"/>
           </a:p>
@@ -13649,7 +13649,7 @@
             <a:fld id="{FA3C144B-2939-9A49-B014-915EC3E81866}" type="datetime1">
               <a:rPr lang="en-US" smtClean="0"/>
               <a:pPr/>
-              <a:t>3/18/14</a:t>
+              <a:t>3/23/14</a:t>
             </a:fld>
             <a:endParaRPr lang="en-US" dirty="0"/>
           </a:p>
@@ -14078,7 +14078,7 @@
           <a:p>
             <a:fld id="{76838339-A875-5E45-AB3F-AAABD270346A}" type="datetime1">
               <a:rPr lang="en-US" smtClean="0"/>
-              <a:t>3/18/14</a:t>
+              <a:t>3/23/14</a:t>
             </a:fld>
             <a:endParaRPr lang="en-US"/>
           </a:p>
@@ -14364,7 +14364,7 @@
             <a:fld id="{FA3C144B-2939-9A49-B014-915EC3E81866}" type="datetime1">
               <a:rPr lang="en-US" smtClean="0"/>
               <a:pPr/>
-              <a:t>3/18/14</a:t>
+              <a:t>3/23/14</a:t>
             </a:fld>
             <a:endParaRPr lang="en-US" dirty="0"/>
           </a:p>
@@ -14846,7 +14846,7 @@
           <a:p>
             <a:fld id="{A73F672F-A5FB-5745-934A-1BF51CA5539C}" type="datetime1">
               <a:rPr lang="en-US" smtClean="0"/>
-              <a:t>3/18/14</a:t>
+              <a:t>3/23/14</a:t>
             </a:fld>
             <a:endParaRPr lang="en-US"/>
           </a:p>
@@ -15188,7 +15188,7 @@
             <a:fld id="{FA3C144B-2939-9A49-B014-915EC3E81866}" type="datetime1">
               <a:rPr lang="en-US" smtClean="0"/>
               <a:pPr/>
-              <a:t>3/18/14</a:t>
+              <a:t>3/23/14</a:t>
             </a:fld>
             <a:endParaRPr lang="en-US" dirty="0"/>
           </a:p>
@@ -15652,7 +15652,7 @@
           <a:p>
             <a:fld id="{6AFE6A63-5EBE-3E48-B0AE-DF655A1ECE76}" type="datetime1">
               <a:rPr lang="en-US" smtClean="0"/>
-              <a:t>3/18/14</a:t>
+              <a:t>3/23/14</a:t>
             </a:fld>
             <a:endParaRPr lang="en-US"/>
           </a:p>
@@ -15971,7 +15971,7 @@
           <a:p>
             <a:fld id="{4A019F0C-9D18-B54A-9AC9-18AA74EDB034}" type="datetime1">
               <a:rPr lang="en-US" smtClean="0"/>
-              <a:t>3/18/14</a:t>
+              <a:t>3/23/14</a:t>
             </a:fld>
             <a:endParaRPr lang="en-US"/>
           </a:p>
@@ -16281,7 +16281,7 @@
             <a:fld id="{FA3C144B-2939-9A49-B014-915EC3E81866}" type="datetime1">
               <a:rPr lang="en-US" smtClean="0"/>
               <a:pPr/>
-              <a:t>3/18/14</a:t>
+              <a:t>3/23/14</a:t>
             </a:fld>
             <a:endParaRPr lang="en-US" dirty="0"/>
           </a:p>
@@ -16544,7 +16544,7 @@
           <a:p>
             <a:fld id="{FA3C144B-2939-9A49-B014-915EC3E81866}" type="datetime1">
               <a:rPr lang="en-US" smtClean="0"/>
-              <a:t>3/18/14</a:t>
+              <a:t>3/23/14</a:t>
             </a:fld>
             <a:endParaRPr lang="en-US" dirty="0"/>
           </a:p>
@@ -16912,7 +16912,7 @@
           <a:p>
             <a:fld id="{7053BEFA-1175-F644-B249-7D41D72BD3FF}" type="datetime1">
               <a:rPr lang="en-US" smtClean="0"/>
-              <a:t>3/18/14</a:t>
+              <a:t>3/23/14</a:t>
             </a:fld>
             <a:endParaRPr lang="en-US"/>
           </a:p>
@@ -17031,7 +17031,7 @@
             <a:fld id="{FA3C144B-2939-9A49-B014-915EC3E81866}" type="datetime1">
               <a:rPr lang="en-US" smtClean="0"/>
               <a:pPr/>
-              <a:t>3/18/14</a:t>
+              <a:t>3/23/14</a:t>
             </a:fld>
             <a:endParaRPr lang="en-US" dirty="0"/>
           </a:p>
@@ -17248,7 +17248,7 @@
             <a:fld id="{FA3C144B-2939-9A49-B014-915EC3E81866}" type="datetime1">
               <a:rPr lang="en-US" smtClean="0"/>
               <a:pPr/>
-              <a:t>3/18/14</a:t>
+              <a:t>3/23/14</a:t>
             </a:fld>
             <a:endParaRPr lang="en-US" dirty="0"/>
           </a:p>
@@ -17493,7 +17493,7 @@
             <a:fld id="{FA3C144B-2939-9A49-B014-915EC3E81866}" type="datetime1">
               <a:rPr lang="en-US" smtClean="0"/>
               <a:pPr/>
-              <a:t>3/18/14</a:t>
+              <a:t>3/23/14</a:t>
             </a:fld>
             <a:endParaRPr lang="en-US" dirty="0"/>
           </a:p>
@@ -17871,7 +17871,7 @@
           <a:p>
             <a:fld id="{111EEF3B-ABF2-AA4E-9E24-0C6256942674}" type="datetime1">
               <a:rPr lang="en-US" smtClean="0"/>
-              <a:t>3/18/14</a:t>
+              <a:t>3/23/14</a:t>
             </a:fld>
             <a:endParaRPr lang="en-US"/>
           </a:p>
@@ -18035,7 +18035,7 @@
             <a:fld id="{FA3C144B-2939-9A49-B014-915EC3E81866}" type="datetime1">
               <a:rPr lang="en-US" smtClean="0"/>
               <a:pPr/>
-              <a:t>3/18/14</a:t>
+              <a:t>3/23/14</a:t>
             </a:fld>
             <a:endParaRPr lang="en-US" dirty="0"/>
           </a:p>
@@ -18452,7 +18452,7 @@
             <a:fld id="{FA3C144B-2939-9A49-B014-915EC3E81866}" type="datetime1">
               <a:rPr lang="en-US" smtClean="0"/>
               <a:pPr/>
-              <a:t>3/18/14</a:t>
+              <a:t>3/23/14</a:t>
             </a:fld>
             <a:endParaRPr lang="en-US" dirty="0"/>
           </a:p>
@@ -18768,7 +18768,7 @@
             <a:fld id="{FA3C144B-2939-9A49-B014-915EC3E81866}" type="datetime1">
               <a:rPr lang="en-US" smtClean="0"/>
               <a:pPr/>
-              <a:t>3/18/14</a:t>
+              <a:t>3/23/14</a:t>
             </a:fld>
             <a:endParaRPr lang="en-US" dirty="0"/>
           </a:p>
@@ -19434,7 +19434,7 @@
             <a:fld id="{FA3C144B-2939-9A49-B014-915EC3E81866}" type="datetime1">
               <a:rPr lang="en-US" smtClean="0"/>
               <a:pPr/>
-              <a:t>3/18/14</a:t>
+              <a:t>3/23/14</a:t>
             </a:fld>
             <a:endParaRPr lang="en-US" dirty="0"/>
           </a:p>
@@ -27223,7 +27223,25 @@
               <a:rPr lang="en-US" dirty="0" smtClean="0">
                 <a:latin typeface="Arial" charset="0"/>
               </a:rPr>
-              <a:t>when the error goes up </a:t>
+              <a:t>when keeping the </a:t>
+            </a:r>
+            <a:r>
+              <a:rPr lang="en-US" dirty="0" err="1" smtClean="0">
+                <a:latin typeface="Arial" charset="0"/>
+              </a:rPr>
+              <a:t>subtree</a:t>
+            </a:r>
+            <a:r>
+              <a:rPr lang="en-US" smtClean="0">
+                <a:latin typeface="Arial" charset="0"/>
+              </a:rPr>
+              <a:t> means </a:t>
+            </a:r>
+            <a:r>
+              <a:rPr lang="en-US" dirty="0" smtClean="0">
+                <a:latin typeface="Arial" charset="0"/>
+              </a:rPr>
+              <a:t>the error goes up </a:t>
             </a:r>
             <a:r>
               <a:rPr lang="en-US" i="1" dirty="0" smtClean="0">
@@ -37470,7 +37488,7 @@
           <a:graphicData uri="http://schemas.openxmlformats.org/presentationml/2006/ole">
             <mc:AlternateContent xmlns:mc="http://schemas.openxmlformats.org/markup-compatibility/2006">
               <mc:Choice xmlns:v="urn:schemas-microsoft-com:vml" Requires="v">
-                <p:oleObj spid="_x0000_s677962" name="Bitmap Image" r:id="rId4" imgW="25400" imgH="25400" progId="Paint.Picture">
+                <p:oleObj spid="_x0000_s677968" name="Bitmap Image" r:id="rId4" imgW="25400" imgH="25400" progId="Paint.Picture">
                   <p:embed/>
                 </p:oleObj>
               </mc:Choice>
@@ -37565,7 +37583,7 @@
           <a:graphicData uri="http://schemas.openxmlformats.org/presentationml/2006/ole">
             <mc:AlternateContent xmlns:mc="http://schemas.openxmlformats.org/markup-compatibility/2006">
               <mc:Choice xmlns:v="urn:schemas-microsoft-com:vml" Requires="v">
-                <p:oleObj spid="_x0000_s677963" name="Bitmap Image" r:id="rId6" imgW="3749365" imgH="2483810" progId="Paint.Picture">
+                <p:oleObj spid="_x0000_s677969" name="Bitmap Image" r:id="rId6" imgW="3749365" imgH="2483810" progId="Paint.Picture">
                   <p:embed/>
                 </p:oleObj>
               </mc:Choice>
@@ -46498,7 +46516,7 @@
           <a:graphicData uri="http://schemas.openxmlformats.org/presentationml/2006/ole">
             <mc:AlternateContent xmlns:mc="http://schemas.openxmlformats.org/markup-compatibility/2006">
               <mc:Choice xmlns:v="urn:schemas-microsoft-com:vml" Requires="v">
-                <p:oleObj spid="_x0000_s678986" name="Bitmap Image" r:id="rId4" imgW="25400" imgH="25400" progId="Paint.Picture">
+                <p:oleObj spid="_x0000_s678992" name="Bitmap Image" r:id="rId4" imgW="25400" imgH="25400" progId="Paint.Picture">
                   <p:embed/>
                 </p:oleObj>
               </mc:Choice>
@@ -46593,7 +46611,7 @@
           <a:graphicData uri="http://schemas.openxmlformats.org/presentationml/2006/ole">
             <mc:AlternateContent xmlns:mc="http://schemas.openxmlformats.org/markup-compatibility/2006">
               <mc:Choice xmlns:v="urn:schemas-microsoft-com:vml" Requires="v">
-                <p:oleObj spid="_x0000_s678987" name="Bitmap Image" r:id="rId6" imgW="3749365" imgH="2483810" progId="Paint.Picture">
+                <p:oleObj spid="_x0000_s678993" name="Bitmap Image" r:id="rId6" imgW="3749365" imgH="2483810" progId="Paint.Picture">
                   <p:embed/>
                 </p:oleObj>
               </mc:Choice>
@@ -47755,7 +47773,7 @@
           <a:p>
             <a:fld id="{7053BEFA-1175-F644-B249-7D41D72BD3FF}" type="datetime1">
               <a:rPr lang="en-US" smtClean="0"/>
-              <a:t>3/18/14</a:t>
+              <a:t>3/23/14</a:t>
             </a:fld>
             <a:endParaRPr lang="en-US"/>
           </a:p>
@@ -48065,7 +48083,7 @@
           <a:graphicData uri="http://schemas.openxmlformats.org/presentationml/2006/ole">
             <mc:AlternateContent xmlns:mc="http://schemas.openxmlformats.org/markup-compatibility/2006">
               <mc:Choice xmlns:v="urn:schemas-microsoft-com:vml" Requires="v">
-                <p:oleObj spid="_x0000_s680010" name="Bitmap Image" r:id="rId4" imgW="25400" imgH="25400" progId="Paint.Picture">
+                <p:oleObj spid="_x0000_s680016" name="Bitmap Image" r:id="rId4" imgW="25400" imgH="25400" progId="Paint.Picture">
                   <p:embed/>
                 </p:oleObj>
               </mc:Choice>
@@ -48160,7 +48178,7 @@
           <a:graphicData uri="http://schemas.openxmlformats.org/presentationml/2006/ole">
             <mc:AlternateContent xmlns:mc="http://schemas.openxmlformats.org/markup-compatibility/2006">
               <mc:Choice xmlns:v="urn:schemas-microsoft-com:vml" Requires="v">
-                <p:oleObj spid="_x0000_s680011" name="Bitmap Image" r:id="rId6" imgW="3749365" imgH="2483810" progId="Paint.Picture">
+                <p:oleObj spid="_x0000_s680017" name="Bitmap Image" r:id="rId6" imgW="3749365" imgH="2483810" progId="Paint.Picture">
                   <p:embed/>
                 </p:oleObj>
               </mc:Choice>
@@ -48408,7 +48426,7 @@
           <a:graphicData uri="http://schemas.openxmlformats.org/presentationml/2006/ole">
             <mc:AlternateContent xmlns:mc="http://schemas.openxmlformats.org/markup-compatibility/2006">
               <mc:Choice xmlns:v="urn:schemas-microsoft-com:vml" Requires="v">
-                <p:oleObj spid="_x0000_s681034" name="Bitmap Image" r:id="rId4" imgW="25400" imgH="25400" progId="Paint.Picture">
+                <p:oleObj spid="_x0000_s681040" name="Bitmap Image" r:id="rId4" imgW="25400" imgH="25400" progId="Paint.Picture">
                   <p:embed/>
                 </p:oleObj>
               </mc:Choice>
@@ -48503,7 +48521,7 @@
           <a:graphicData uri="http://schemas.openxmlformats.org/presentationml/2006/ole">
             <mc:AlternateContent xmlns:mc="http://schemas.openxmlformats.org/markup-compatibility/2006">
               <mc:Choice xmlns:v="urn:schemas-microsoft-com:vml" Requires="v">
-                <p:oleObj spid="_x0000_s681035" name="Bitmap Image" r:id="rId6" imgW="3749365" imgH="2483810" progId="Paint.Picture">
+                <p:oleObj spid="_x0000_s681041" name="Bitmap Image" r:id="rId6" imgW="3749365" imgH="2483810" progId="Paint.Picture">
                   <p:embed/>
                 </p:oleObj>
               </mc:Choice>
